--- a/Semester 2/Applied Cyber Security/Lecture/L4.pptx
+++ b/Semester 2/Applied Cyber Security/Lecture/L4.pptx
@@ -253,7 +253,7 @@
           <a:p>
             <a:fld id="{FBEE6CC4-A7E2-4AF2-A6CB-E1374A1C9837}" type="datetimeFigureOut">
               <a:rPr lang="en-US" smtClean="0"/>
-              <a:t>10/1/2024</a:t>
+              <a:t>4/19/2025</a:t>
             </a:fld>
             <a:endParaRPr lang="en-US"/>
           </a:p>
@@ -781,7 +781,7 @@
           <a:p>
             <a:fld id="{05DA4F57-5BD8-46EE-A9E5-AB3CA653DA99}" type="datetime1">
               <a:rPr lang="en-US" smtClean="0"/>
-              <a:t>10/3/2024</a:t>
+              <a:t>4/19/2025</a:t>
             </a:fld>
             <a:endParaRPr lang="en-US"/>
           </a:p>
@@ -979,7 +979,7 @@
           <a:p>
             <a:fld id="{FBB31C63-25B9-4D3C-82BA-EC0978478739}" type="datetime1">
               <a:rPr lang="en-US" smtClean="0"/>
-              <a:t>10/3/2024</a:t>
+              <a:t>4/19/2025</a:t>
             </a:fld>
             <a:endParaRPr lang="en-US"/>
           </a:p>
@@ -1187,7 +1187,7 @@
           <a:p>
             <a:fld id="{7402DB6A-3F12-49C0-A4C1-B0A0D37C1EDB}" type="datetime1">
               <a:rPr lang="en-US" smtClean="0"/>
-              <a:t>10/3/2024</a:t>
+              <a:t>4/19/2025</a:t>
             </a:fld>
             <a:endParaRPr lang="en-US"/>
           </a:p>
@@ -1385,7 +1385,7 @@
           <a:p>
             <a:fld id="{95319002-C508-4568-8A5B-B3CC11C019FA}" type="datetime1">
               <a:rPr lang="en-US" smtClean="0"/>
-              <a:t>10/3/2024</a:t>
+              <a:t>4/19/2025</a:t>
             </a:fld>
             <a:endParaRPr lang="en-US"/>
           </a:p>
@@ -1660,7 +1660,7 @@
           <a:p>
             <a:fld id="{F5CF55FE-4FEC-4FF0-8E2A-F61726BD9337}" type="datetime1">
               <a:rPr lang="en-US" smtClean="0"/>
-              <a:t>10/3/2024</a:t>
+              <a:t>4/19/2025</a:t>
             </a:fld>
             <a:endParaRPr lang="en-US"/>
           </a:p>
@@ -1925,7 +1925,7 @@
           <a:p>
             <a:fld id="{5DE9248B-269A-4B79-9CF7-C83C06E1669E}" type="datetime1">
               <a:rPr lang="en-US" smtClean="0"/>
-              <a:t>10/3/2024</a:t>
+              <a:t>4/19/2025</a:t>
             </a:fld>
             <a:endParaRPr lang="en-US"/>
           </a:p>
@@ -2337,7 +2337,7 @@
           <a:p>
             <a:fld id="{25593AEE-3B41-4F1F-B1D1-1F65630166A6}" type="datetime1">
               <a:rPr lang="en-US" smtClean="0"/>
-              <a:t>10/3/2024</a:t>
+              <a:t>4/19/2025</a:t>
             </a:fld>
             <a:endParaRPr lang="en-US"/>
           </a:p>
@@ -2478,7 +2478,7 @@
           <a:p>
             <a:fld id="{33C617F4-71EF-49DB-8020-7949DE3B8E61}" type="datetime1">
               <a:rPr lang="en-US" smtClean="0"/>
-              <a:t>10/3/2024</a:t>
+              <a:t>4/19/2025</a:t>
             </a:fld>
             <a:endParaRPr lang="en-US"/>
           </a:p>
@@ -2591,7 +2591,7 @@
           <a:p>
             <a:fld id="{05E0F5F5-B183-4BDB-8AA8-131E42C68F45}" type="datetime1">
               <a:rPr lang="en-US" smtClean="0"/>
-              <a:t>10/3/2024</a:t>
+              <a:t>4/19/2025</a:t>
             </a:fld>
             <a:endParaRPr lang="en-US"/>
           </a:p>
@@ -2902,7 +2902,7 @@
           <a:p>
             <a:fld id="{5ED91D25-CCCE-4C69-A4CC-5AA2BC59CDB5}" type="datetime1">
               <a:rPr lang="en-US" smtClean="0"/>
-              <a:t>10/3/2024</a:t>
+              <a:t>4/19/2025</a:t>
             </a:fld>
             <a:endParaRPr lang="en-US"/>
           </a:p>
@@ -3190,7 +3190,7 @@
           <a:p>
             <a:fld id="{2EF88B9C-AC9E-4C10-A0FE-DE527EE858E8}" type="datetime1">
               <a:rPr lang="en-US" smtClean="0"/>
-              <a:t>10/3/2024</a:t>
+              <a:t>4/19/2025</a:t>
             </a:fld>
             <a:endParaRPr lang="en-US"/>
           </a:p>
@@ -3431,7 +3431,7 @@
           <a:p>
             <a:fld id="{B7BEE97B-4E17-41F5-9BAE-69848B93B6C1}" type="datetime1">
               <a:rPr lang="en-US" smtClean="0"/>
-              <a:t>10/3/2024</a:t>
+              <a:t>4/19/2025</a:t>
             </a:fld>
             <a:endParaRPr lang="en-US"/>
           </a:p>
@@ -4008,19 +4008,52 @@
         <p:spPr/>
         <p:txBody>
           <a:bodyPr>
-            <a:normAutofit/>
+            <a:normAutofit fontScale="92500" lnSpcReduction="20000"/>
           </a:bodyPr>
           <a:lstStyle/>
           <a:p>
             <a:pPr algn="l"/>
             <a:r>
+              <a:rPr lang="en-US" sz="2000" b="1" i="0" u="none" strike="noStrike" baseline="0" dirty="0">
+                <a:solidFill>
+                  <a:srgbClr val="00B0F0"/>
+                </a:solidFill>
+                <a:latin typeface="WarnockPro-Bold"/>
+              </a:rPr>
+              <a:t>Spam</a:t>
+            </a:r>
+          </a:p>
+          <a:p>
+            <a:pPr algn="l"/>
+            <a:r>
               <a:rPr lang="en-US" sz="1800" b="1" i="0" u="none" strike="noStrike" baseline="0" dirty="0">
                 <a:solidFill>
+                  <a:srgbClr val="000000"/>
+                </a:solidFill>
+                <a:latin typeface="WarnockPro-Bold"/>
+              </a:rPr>
+              <a:t> </a:t>
+            </a:r>
+            <a:r>
+              <a:rPr lang="en-US" sz="1800" b="0" i="0" u="none" strike="noStrike" baseline="0" dirty="0">
+                <a:solidFill>
+                  <a:srgbClr val="000000"/>
+                </a:solidFill>
+                <a:latin typeface="WarnockPro-Regular"/>
+              </a:rPr>
+              <a:t>Spam involves sending the same unsolicited e-mail message to a number of people. Spam messages are typically sent in hopes that the receiver of the spam message will buy a product or service from the sender of the message. Most e-mail servers now have spam filters in place that help protect the system from receiving a large number of unsolicited e-mail messages.</a:t>
+            </a:r>
+          </a:p>
+          <a:p>
+            <a:pPr algn="l"/>
+            <a:r>
+              <a:rPr lang="en-US" sz="2400" b="1" i="0" u="none" strike="noStrike" baseline="0" dirty="0">
+                <a:solidFill>
                   <a:srgbClr val="00B0F0"/>
                 </a:solidFill>
                 <a:latin typeface="WarnockPro-Bold"/>
               </a:rPr>
-              <a:t>Spam</a:t>
+              <a:t>Eliciting information</a:t>
             </a:r>
           </a:p>
           <a:p>
@@ -4041,74 +4074,114 @@
                 </a:solidFill>
                 <a:latin typeface="WarnockPro-Regular"/>
               </a:rPr>
-              <a:t>Spam involves sending the same unsolicited e-mail message to a number of people. Spam messages are typically sent in hopes that the receiver of the spam message will buy a product or service from the sender of the message. Most e-mail servers now have spam filters in place that help protect the system from receiving a large number of unsolicited e-mail messages.</a:t>
-            </a:r>
-          </a:p>
-          <a:p>
-            <a:pPr algn="l"/>
+              <a:t>Eliciting information occurs when the attacker uses social engineering techniques to obtain information from a user that could be used in a future attack.</a:t>
+            </a:r>
+          </a:p>
+          <a:p>
+            <a:pPr algn="l"/>
+            <a:r>
+              <a:rPr lang="en-US" sz="2400" b="1" i="0" u="none" strike="noStrike" baseline="0" dirty="0">
+                <a:solidFill>
+                  <a:srgbClr val="00B0F0"/>
+                </a:solidFill>
+                <a:latin typeface="WarnockPro-Bold"/>
+              </a:rPr>
+              <a:t>Prepending</a:t>
+            </a:r>
+          </a:p>
+          <a:p>
             <a:r>
               <a:rPr lang="en-US" sz="1800" b="1" i="0" u="none" strike="noStrike" baseline="0" dirty="0">
                 <a:solidFill>
+                  <a:srgbClr val="000000"/>
+                </a:solidFill>
+                <a:latin typeface="WarnockPro-Bold"/>
+              </a:rPr>
+              <a:t> </a:t>
+            </a:r>
+            <a:r>
+              <a:rPr lang="en-US" sz="1900" b="0" i="0" u="none" strike="noStrike" baseline="0" dirty="0">
+                <a:solidFill>
+                  <a:srgbClr val="000000"/>
+                </a:solidFill>
+                <a:latin typeface="WarnockPro-Regular"/>
+              </a:rPr>
+              <a:t>Prepending is when information is added to the beginning of malicious data.</a:t>
+            </a:r>
+            <a:r>
+              <a:rPr lang="en-US" sz="1800" b="0" i="0" u="none" strike="noStrike" baseline="0" dirty="0">
+                <a:solidFill>
+                  <a:srgbClr val="000000"/>
+                </a:solidFill>
+                <a:latin typeface="WarnockPro-Regular"/>
+              </a:rPr>
+              <a:t> </a:t>
+            </a:r>
+            <a:r>
+              <a:rPr lang="en-US" sz="1900" dirty="0">
+                <a:solidFill>
+                  <a:srgbClr val="000000"/>
+                </a:solidFill>
+                <a:latin typeface="WarnockPro-Regular"/>
+              </a:rPr>
+              <a:t>One common prepending attack example is tacking malware onto legitimate files or documents. Cybercriminals may prepend a malicious script or program to something like a PDF or Word doc. When the file is opened, the harmful code hidden through prepending activates, potentially exposing the system.</a:t>
+            </a:r>
+          </a:p>
+          <a:p>
+            <a:r>
+              <a:rPr lang="en-US" sz="1900" dirty="0">
+                <a:solidFill>
+                  <a:srgbClr val="000000"/>
+                </a:solidFill>
+                <a:latin typeface="WarnockPro-Regular"/>
+              </a:rPr>
+              <a:t>For example: a valid URL like </a:t>
+            </a:r>
+            <a:r>
+              <a:rPr lang="en-US" sz="1900" dirty="0">
+                <a:solidFill>
                   <a:srgbClr val="00B0F0"/>
                 </a:solidFill>
-                <a:latin typeface="WarnockPro-Bold"/>
-              </a:rPr>
-              <a:t>Eliciting information</a:t>
-            </a:r>
-          </a:p>
-          <a:p>
-            <a:pPr algn="l"/>
-            <a:r>
-              <a:rPr lang="en-US" sz="1800" b="1" i="0" u="none" strike="noStrike" baseline="0" dirty="0">
+                <a:latin typeface="WarnockPro-Regular"/>
+              </a:rPr>
+              <a:t>https://example.com/login</a:t>
+            </a:r>
+            <a:r>
+              <a:rPr lang="en-US" sz="1900" dirty="0">
                 <a:solidFill>
                   <a:srgbClr val="000000"/>
                 </a:solidFill>
-                <a:latin typeface="WarnockPro-Bold"/>
-              </a:rPr>
-              <a:t> </a:t>
-            </a:r>
-            <a:r>
-              <a:rPr lang="en-US" sz="1800" b="0" i="0" u="none" strike="noStrike" baseline="0" dirty="0">
+                <a:latin typeface="WarnockPro-Regular"/>
+              </a:rPr>
+              <a:t>  could be altered to something like </a:t>
+            </a:r>
+            <a:r>
+              <a:rPr lang="en-US" sz="1900" dirty="0">
+                <a:solidFill>
+                  <a:srgbClr val="00B0F0"/>
+                </a:solidFill>
+                <a:latin typeface="WarnockPro-Regular"/>
+              </a:rPr>
+              <a:t>https://malicious-site.com/https://example.com/login</a:t>
+            </a:r>
+            <a:r>
+              <a:rPr lang="en-US" sz="1900" dirty="0">
                 <a:solidFill>
                   <a:srgbClr val="000000"/>
                 </a:solidFill>
                 <a:latin typeface="WarnockPro-Regular"/>
               </a:rPr>
-              <a:t>Eliciting information occurs when the attacker uses social engineering techniques to obtain information from a user that could be used in a future attack.</a:t>
-            </a:r>
-          </a:p>
-          <a:p>
-            <a:pPr algn="l"/>
-            <a:r>
-              <a:rPr lang="en-US" sz="1800" b="1" i="0" u="none" strike="noStrike" baseline="0" dirty="0">
-                <a:solidFill>
-                  <a:srgbClr val="00B0F0"/>
-                </a:solidFill>
-                <a:latin typeface="WarnockPro-Bold"/>
-              </a:rPr>
-              <a:t>Prepending</a:t>
-            </a:r>
-          </a:p>
-          <a:p>
-            <a:pPr algn="l"/>
-            <a:r>
-              <a:rPr lang="en-US" sz="1800" b="1" i="0" u="none" strike="noStrike" baseline="0" dirty="0">
-                <a:solidFill>
-                  <a:srgbClr val="000000"/>
-                </a:solidFill>
-                <a:latin typeface="WarnockPro-Bold"/>
-              </a:rPr>
-              <a:t> </a:t>
-            </a:r>
-            <a:r>
-              <a:rPr lang="en-US" sz="1800" b="0" i="0" u="none" strike="noStrike" baseline="0" dirty="0">
-                <a:solidFill>
-                  <a:srgbClr val="000000"/>
-                </a:solidFill>
-                <a:latin typeface="WarnockPro-Regular"/>
-              </a:rPr>
-              <a:t>Prepending is when information is added to the beginning of malicious data. For example, the attacker may get you to click a link that is www.banksite.com@192.168.2.1, where the browser would ignore everything to the left of the @ sign.</a:t>
-            </a:r>
+              <a:t> . When clicked, the user is redirected to the attacker's site first, where harmful actions like credential theft or malware installation occur.</a:t>
+            </a:r>
+          </a:p>
+          <a:p>
+            <a:pPr algn="l"/>
+            <a:endParaRPr lang="en-US" sz="1800" b="0" i="0" u="none" strike="noStrike" baseline="0" dirty="0">
+              <a:solidFill>
+                <a:srgbClr val="000000"/>
+              </a:solidFill>
+              <a:latin typeface="WarnockPro-Regular"/>
+            </a:endParaRPr>
           </a:p>
         </p:txBody>
       </p:sp>
@@ -4281,7 +4354,7 @@
                 </a:solidFill>
                 <a:latin typeface="WarnockPro-Regular"/>
               </a:rPr>
-              <a:t>An invoice scam is when the attacker sends out an e-mail message notifying you that your invoice payment is overdue and immediate payment is required. When you click the link to pay for the invoice, you are either sent to a malicious site or a invoice document opens that runs malicious code.</a:t>
+              <a:t>An invoice scam is when the attacker sends out an e-mail message notifying you that your invoice payment is overdue and immediate payment is required. When you click the link to pay for the invoice, you are either sent to a malicious site or an invoice document opens that runs malicious code.</a:t>
             </a:r>
           </a:p>
           <a:p>
@@ -4431,6 +4504,24 @@
           <a:lstStyle/>
           <a:p>
             <a:pPr algn="l"/>
+            <a:endParaRPr lang="en-US" b="1" i="0" u="none" strike="noStrike" baseline="0" dirty="0">
+              <a:solidFill>
+                <a:srgbClr val="00B0F0"/>
+              </a:solidFill>
+              <a:latin typeface="WarnockPro-Bold"/>
+            </a:endParaRPr>
+          </a:p>
+          <a:p>
+            <a:pPr algn="l"/>
+            <a:r>
+              <a:rPr lang="en-US" b="0" i="0" u="none" strike="noStrike" baseline="0" dirty="0">
+                <a:solidFill>
+                  <a:srgbClr val="00B0F0"/>
+                </a:solidFill>
+                <a:latin typeface="ZapfDingbatsStd"/>
+              </a:rPr>
+              <a:t> </a:t>
+            </a:r>
             <a:r>
               <a:rPr lang="en-US" b="1" i="0" u="none" strike="noStrike" baseline="0" dirty="0">
                 <a:solidFill>
@@ -4438,7 +4529,7 @@
                 </a:solidFill>
                 <a:latin typeface="WarnockPro-Bold"/>
               </a:rPr>
-              <a:t>Reconnaissance</a:t>
+              <a:t>Influence campaigns/hybrid warfare</a:t>
             </a:r>
           </a:p>
           <a:p>
@@ -4453,117 +4544,52 @@
               <a:t> </a:t>
             </a:r>
             <a:r>
-              <a:rPr lang="en-US" sz="1800" b="0" i="0" u="none" strike="noStrike" baseline="0" dirty="0">
+              <a:rPr lang="en-US" sz="2400" b="0" i="1" u="none" strike="noStrike" baseline="0" dirty="0">
                 <a:solidFill>
                   <a:srgbClr val="000000"/>
                 </a:solidFill>
-                <a:latin typeface="WarnockPro-Regular"/>
-              </a:rPr>
-              <a:t>Reconnaissance is when an attacker spends time researching and collecting information about the intended target before deciding how they are going to attack. Reconnaissance involves searching public information available on the Internet about a company and also performing ping sweeps and port scans to discover the systems that are up and running and the services running on each system.</a:t>
-            </a:r>
-          </a:p>
-          <a:p>
-            <a:pPr algn="l"/>
-            <a:r>
-              <a:rPr lang="en-US" b="0" i="0" u="none" strike="noStrike" baseline="0" dirty="0">
-                <a:solidFill>
-                  <a:srgbClr val="00B0F0"/>
-                </a:solidFill>
-                <a:latin typeface="ZapfDingbatsStd"/>
-              </a:rPr>
-              <a:t> </a:t>
-            </a:r>
-            <a:r>
-              <a:rPr lang="en-US" b="1" i="0" u="none" strike="noStrike" baseline="0" dirty="0">
-                <a:solidFill>
-                  <a:srgbClr val="00B0F0"/>
-                </a:solidFill>
-                <a:latin typeface="WarnockPro-Bold"/>
-              </a:rPr>
-              <a:t>Influence campaigns/hybrid warfare</a:t>
-            </a:r>
-          </a:p>
-          <a:p>
-            <a:pPr algn="l"/>
-            <a:r>
-              <a:rPr lang="en-US" sz="1800" b="1" i="0" u="none" strike="noStrike" baseline="0" dirty="0">
+                <a:latin typeface="WarnockPro-It"/>
+              </a:rPr>
+              <a:t>Influence campaigns </a:t>
+            </a:r>
+            <a:r>
+              <a:rPr lang="en-US" sz="2400" b="0" i="0" u="none" strike="noStrike" baseline="0" dirty="0">
                 <a:solidFill>
                   <a:srgbClr val="000000"/>
                 </a:solidFill>
-                <a:latin typeface="WarnockPro-Bold"/>
-              </a:rPr>
-              <a:t> </a:t>
-            </a:r>
-            <a:r>
-              <a:rPr lang="en-US" sz="1800" b="0" i="1" u="none" strike="noStrike" baseline="0" dirty="0">
+                <a:latin typeface="WarnockPro-Regular"/>
+              </a:rPr>
+              <a:t>are designed to use tools such as social media to create fake accounts as well as fake posts that are designed to sway the views of the public. </a:t>
+            </a:r>
+          </a:p>
+          <a:p>
+            <a:pPr algn="l"/>
+            <a:r>
+              <a:rPr lang="en-US" sz="2400" b="0" i="1" u="none" strike="noStrike" baseline="0" dirty="0">
                 <a:solidFill>
                   <a:srgbClr val="000000"/>
                 </a:solidFill>
                 <a:latin typeface="WarnockPro-It"/>
               </a:rPr>
-              <a:t>Influence campaigns </a:t>
-            </a:r>
-            <a:r>
-              <a:rPr lang="en-US" sz="1800" b="0" i="0" u="none" strike="noStrike" baseline="0" dirty="0">
+              <a:t>Hybrid warfare </a:t>
+            </a:r>
+            <a:r>
+              <a:rPr lang="en-US" sz="2400" b="0" i="0" u="none" strike="noStrike" baseline="0" dirty="0">
                 <a:solidFill>
                   <a:srgbClr val="000000"/>
                 </a:solidFill>
                 <a:latin typeface="WarnockPro-Regular"/>
               </a:rPr>
-              <a:t>are designed to use tools such as social media to create fake accounts as well as fake posts that are designed to sway the views of the public. </a:t>
-            </a:r>
-            <a:r>
-              <a:rPr lang="en-US" sz="1800" b="0" i="1" u="none" strike="noStrike" baseline="0" dirty="0">
-                <a:solidFill>
-                  <a:srgbClr val="000000"/>
-                </a:solidFill>
-                <a:latin typeface="WarnockPro-It"/>
-              </a:rPr>
-              <a:t>Hybrid warfare </a:t>
-            </a:r>
-            <a:r>
-              <a:rPr lang="en-US" sz="1800" b="0" i="0" u="none" strike="noStrike" baseline="0" dirty="0">
-                <a:solidFill>
-                  <a:srgbClr val="000000"/>
-                </a:solidFill>
-                <a:latin typeface="WarnockPro-Regular"/>
-              </a:rPr>
               <a:t>involves using traditional military tactics and nontraditional military tactics, such as organized crime, terrorism, and using civilians for tasks such as propaganda, during a time of conflict.</a:t>
             </a:r>
           </a:p>
           <a:p>
             <a:pPr algn="l"/>
-            <a:r>
-              <a:rPr lang="en-US" sz="1800" b="1" i="0" u="none" strike="noStrike" baseline="0" dirty="0">
-                <a:solidFill>
-                  <a:srgbClr val="FF0000"/>
-                </a:solidFill>
-                <a:latin typeface="MyriadPro-Bold"/>
-              </a:rPr>
-              <a:t>For the exam, be sure to know the difference between phishing, smishing, vishing, </a:t>
-            </a:r>
-            <a:r>
-              <a:rPr lang="en-US" sz="1800" b="1" i="0" u="none" strike="noStrike" baseline="0" dirty="0" err="1">
-                <a:solidFill>
-                  <a:srgbClr val="FF0000"/>
-                </a:solidFill>
-                <a:latin typeface="MyriadPro-Bold"/>
-              </a:rPr>
-              <a:t>spim</a:t>
-            </a:r>
-            <a:r>
-              <a:rPr lang="en-US" sz="1800" b="1" i="0" u="none" strike="noStrike" baseline="0" dirty="0">
-                <a:solidFill>
-                  <a:srgbClr val="FF0000"/>
-                </a:solidFill>
-                <a:latin typeface="MyriadPro-Bold"/>
-              </a:rPr>
-              <a:t>, spear phishing, credential harvesting, and spam. You are sure to be tested on these attack types!</a:t>
-            </a:r>
-            <a:endParaRPr lang="en-US" dirty="0">
+            <a:endParaRPr lang="en-US" sz="1800" b="1" i="0" u="none" strike="noStrike" baseline="0" dirty="0">
               <a:solidFill>
                 <a:srgbClr val="FF0000"/>
               </a:solidFill>
+              <a:latin typeface="MyriadPro-Bold"/>
             </a:endParaRPr>
           </a:p>
         </p:txBody>
@@ -4678,12 +4704,14 @@
         </p:nvSpPr>
         <p:spPr/>
         <p:txBody>
-          <a:bodyPr/>
-          <a:lstStyle/>
-          <a:p>
-            <a:pPr algn="l"/>
-            <a:r>
-              <a:rPr lang="en-US" sz="1800" b="1" i="1" u="none" strike="noStrike" baseline="0" dirty="0">
+          <a:bodyPr>
+            <a:normAutofit/>
+          </a:bodyPr>
+          <a:lstStyle/>
+          <a:p>
+            <a:pPr algn="l"/>
+            <a:r>
+              <a:rPr lang="en-US" sz="2400" b="1" i="1" u="none" strike="noStrike" baseline="0" dirty="0">
                 <a:solidFill>
                   <a:srgbClr val="00B050"/>
                 </a:solidFill>
@@ -4692,13 +4720,13 @@
               <a:t>Shoulder surfing</a:t>
             </a:r>
             <a:r>
-              <a:rPr lang="en-US" sz="1800" b="0" i="1" u="none" strike="noStrike" baseline="0" dirty="0">
+              <a:rPr lang="en-US" sz="2400" b="0" i="1" u="none" strike="noStrike" baseline="0" dirty="0">
                 <a:latin typeface="WarnockPro-It"/>
               </a:rPr>
               <a:t> </a:t>
             </a:r>
             <a:r>
-              <a:rPr lang="en-US" sz="1800" b="0" i="0" u="none" strike="noStrike" baseline="0" dirty="0">
+              <a:rPr lang="en-US" sz="2400" b="0" i="0" u="none" strike="noStrike" baseline="0" dirty="0">
                 <a:latin typeface="WarnockPro-Regular"/>
               </a:rPr>
               <a:t>is when the hacker tries to view confidential information or information that may help the attacker compromise security by looking over employees’ shoulders to see information either on their desk or on the computer screen.</a:t>
@@ -4707,7 +4735,7 @@
           <a:p>
             <a:pPr algn="l"/>
             <a:r>
-              <a:rPr lang="en-US" sz="1800" b="1" i="1" u="none" strike="noStrike" baseline="0" dirty="0">
+              <a:rPr lang="en-US" sz="2400" b="1" i="1" u="none" strike="noStrike" baseline="0" dirty="0">
                 <a:solidFill>
                   <a:srgbClr val="00B050"/>
                 </a:solidFill>
@@ -4716,18 +4744,18 @@
               <a:t>Dumpster diving</a:t>
             </a:r>
             <a:r>
-              <a:rPr lang="en-US" sz="1800" b="0" i="1" u="none" strike="noStrike" baseline="0" dirty="0">
+              <a:rPr lang="en-US" sz="2400" b="0" i="1" u="none" strike="noStrike" baseline="0" dirty="0">
                 <a:latin typeface="WarnockPro-It"/>
               </a:rPr>
               <a:t> </a:t>
             </a:r>
             <a:r>
-              <a:rPr lang="en-US" sz="1800" b="0" i="0" u="none" strike="noStrike" baseline="0" dirty="0">
+              <a:rPr lang="en-US" sz="2400" b="0" i="0" u="none" strike="noStrike" baseline="0" dirty="0">
                 <a:latin typeface="WarnockPro-Regular"/>
               </a:rPr>
               <a:t>is a popular attack where the hacker goes through the victim’s garbage looking for documents or information that could facilitate an attack. The hacker might find information that can help them perform a social engineering attack through a phone call or an in-person discussion, or the hacker could simply locate a password someone wrote down and threw in the garbage.</a:t>
             </a:r>
-            <a:endParaRPr lang="en-US" dirty="0"/>
+            <a:endParaRPr lang="en-US" sz="2400" dirty="0"/>
           </a:p>
         </p:txBody>
       </p:sp>
@@ -12605,15 +12633,27 @@
               <a:rPr lang="en-US" sz="1400" b="0" i="0" u="none" strike="noStrike" baseline="0" dirty="0">
                 <a:latin typeface="WarnockPro-Regular"/>
               </a:rPr>
-              <a:t> ARP is a protocol that converts the IP address to the MAC address and then stores the IP and corresponding MAC address in memory on the system.</a:t>
-            </a:r>
-          </a:p>
-          <a:p>
-            <a:pPr algn="l"/>
+              <a:t> ARP is a protocol that </a:t>
+            </a:r>
+            <a:r>
+              <a:rPr lang="en-US" sz="1400" dirty="0">
+                <a:latin typeface="WarnockPro-Regular"/>
+              </a:rPr>
+              <a:t>map</a:t>
+            </a:r>
             <a:r>
               <a:rPr lang="en-US" sz="1400" b="0" i="0" u="none" strike="noStrike" baseline="0" dirty="0">
                 <a:latin typeface="WarnockPro-Regular"/>
               </a:rPr>
+              <a:t>s the IP address to the MAC address and then stores the IP and corresponding MAC address in memory on the system.</a:t>
+            </a:r>
+          </a:p>
+          <a:p>
+            <a:pPr algn="l"/>
+            <a:r>
+              <a:rPr lang="en-US" sz="1400" b="0" i="0" u="none" strike="noStrike" baseline="0" dirty="0">
+                <a:latin typeface="WarnockPro-Regular"/>
+              </a:rPr>
               <a:t> This area of memory is known as the ARP cache (see Figure 4-7).</a:t>
             </a:r>
           </a:p>
@@ -12629,10 +12669,22 @@
           <a:p>
             <a:pPr algn="l"/>
             <a:r>
+              <a:rPr lang="en-US" sz="1400" b="1" i="0" u="none" strike="noStrike" baseline="0" dirty="0">
+                <a:solidFill>
+                  <a:srgbClr val="FF0000"/>
+                </a:solidFill>
+                <a:latin typeface="WarnockPro-Regular"/>
+              </a:rPr>
+              <a:t>Typically, the hacker will poison the ARP cache so that the default gateway IP address (your router’s IP address) points to the hacker’s MAC address.</a:t>
+            </a:r>
+          </a:p>
+          <a:p>
+            <a:pPr algn="l"/>
+            <a:r>
               <a:rPr lang="en-US" sz="1400" b="0" i="0" u="none" strike="noStrike" baseline="0" dirty="0">
                 <a:latin typeface="WarnockPro-Regular"/>
               </a:rPr>
-              <a:t>Typically, the hacker will poison the ARP cache so that the default gateway IP address (your router’s IP address) points to the hacker’s MAC address.</a:t>
+              <a:t> This will ensure that every time a system tries to send data to the router, it will retrieve the hacker’s MAC address from the local ARP cache and then send the data to the hacker’s system instead of to the router.</a:t>
             </a:r>
           </a:p>
           <a:p>
@@ -12641,7 +12693,7 @@
               <a:rPr lang="en-US" sz="1400" b="0" i="0" u="none" strike="noStrike" baseline="0" dirty="0">
                 <a:latin typeface="WarnockPro-Regular"/>
               </a:rPr>
-              <a:t> This will ensure that every time a system tries to send data to the router, it will retrieve the hacker’s MAC address from the local ARP cache and then send the data to the hacker’s system instead of to the router.</a:t>
+              <a:t> This is how the hacker typically performs an MITM attack on a wired network or wireless network.</a:t>
             </a:r>
           </a:p>
           <a:p>
@@ -12650,27 +12702,25 @@
               <a:rPr lang="en-US" sz="1400" b="0" i="0" u="none" strike="noStrike" baseline="0" dirty="0">
                 <a:latin typeface="WarnockPro-Regular"/>
               </a:rPr>
-              <a:t> This is how the hacker typically performs an MITM attack on a wired network or wireless network.</a:t>
+              <a:t> This also allows a hacker to capture all network traffic, even in a switched environment. </a:t>
             </a:r>
           </a:p>
           <a:p>
             <a:pPr algn="l"/>
             <a:r>
               <a:rPr lang="en-US" sz="1400" b="0" i="0" u="none" strike="noStrike" baseline="0" dirty="0">
-                <a:latin typeface="WarnockPro-Regular"/>
-              </a:rPr>
-              <a:t> This also allows a hacker to capture all network traffic, even in a switched environment. </a:t>
-            </a:r>
-          </a:p>
-          <a:p>
-            <a:pPr algn="l"/>
-            <a:r>
-              <a:rPr lang="en-US" sz="1400" b="0" i="0" u="none" strike="noStrike" baseline="0" dirty="0">
+                <a:solidFill>
+                  <a:srgbClr val="00B0F0"/>
+                </a:solidFill>
                 <a:latin typeface="WarnockPro-Regular"/>
               </a:rPr>
               <a:t>The hacker just needs to enable the routing feature on their system so that all data is then passed on to the router and out to the Internet, while in the meantime the hacker has captured every piece of data headed out to the Internet.</a:t>
             </a:r>
-            <a:endParaRPr lang="en-US" sz="1400" dirty="0"/>
+            <a:endParaRPr lang="en-US" sz="1400" dirty="0">
+              <a:solidFill>
+                <a:srgbClr val="00B0F0"/>
+              </a:solidFill>
+            </a:endParaRPr>
           </a:p>
         </p:txBody>
       </p:sp>
@@ -18435,6 +18485,9 @@
             <a:pPr algn="l"/>
             <a:r>
               <a:rPr lang="en-US" sz="1800" b="0" i="0" u="none" strike="noStrike" baseline="0" dirty="0">
+                <a:solidFill>
+                  <a:srgbClr val="FF0000"/>
+                </a:solidFill>
                 <a:latin typeface="WarnockPro-Regular"/>
               </a:rPr>
               <a:t>In this example, the hyperlink that the user is tricked into clicking navigates to a site that the hacker has set up to look like the bank site. </a:t>

--- a/Semester 2/Applied Cyber Security/Lecture/L4.pptx
+++ b/Semester 2/Applied Cyber Security/Lecture/L4.pptx
@@ -5,7 +5,7 @@
     <p:sldMasterId id="2147483648" r:id="rId1"/>
   </p:sldMasterIdLst>
   <p:notesMasterIdLst>
-    <p:notesMasterId r:id="rId59"/>
+    <p:notesMasterId r:id="rId60"/>
   </p:notesMasterIdLst>
   <p:sldIdLst>
     <p:sldId id="256" r:id="rId2"/>
@@ -52,19 +52,20 @@
     <p:sldId id="297" r:id="rId43"/>
     <p:sldId id="311" r:id="rId44"/>
     <p:sldId id="312" r:id="rId45"/>
-    <p:sldId id="298" r:id="rId46"/>
-    <p:sldId id="299" r:id="rId47"/>
-    <p:sldId id="300" r:id="rId48"/>
-    <p:sldId id="301" r:id="rId49"/>
-    <p:sldId id="302" r:id="rId50"/>
-    <p:sldId id="303" r:id="rId51"/>
-    <p:sldId id="304" r:id="rId52"/>
-    <p:sldId id="305" r:id="rId53"/>
-    <p:sldId id="306" r:id="rId54"/>
-    <p:sldId id="307" r:id="rId55"/>
-    <p:sldId id="308" r:id="rId56"/>
-    <p:sldId id="309" r:id="rId57"/>
-    <p:sldId id="310" r:id="rId58"/>
+    <p:sldId id="313" r:id="rId46"/>
+    <p:sldId id="298" r:id="rId47"/>
+    <p:sldId id="299" r:id="rId48"/>
+    <p:sldId id="300" r:id="rId49"/>
+    <p:sldId id="301" r:id="rId50"/>
+    <p:sldId id="302" r:id="rId51"/>
+    <p:sldId id="303" r:id="rId52"/>
+    <p:sldId id="304" r:id="rId53"/>
+    <p:sldId id="305" r:id="rId54"/>
+    <p:sldId id="306" r:id="rId55"/>
+    <p:sldId id="307" r:id="rId56"/>
+    <p:sldId id="308" r:id="rId57"/>
+    <p:sldId id="309" r:id="rId58"/>
+    <p:sldId id="310" r:id="rId59"/>
   </p:sldIdLst>
   <p:sldSz cx="12192000" cy="6858000"/>
   <p:notesSz cx="6858000" cy="9144000"/>
@@ -253,7 +254,7 @@
           <a:p>
             <a:fld id="{FBEE6CC4-A7E2-4AF2-A6CB-E1374A1C9837}" type="datetimeFigureOut">
               <a:rPr lang="en-US" smtClean="0"/>
-              <a:t>4/19/2025</a:t>
+              <a:t>5/3/2025</a:t>
             </a:fld>
             <a:endParaRPr lang="en-US"/>
           </a:p>
@@ -781,7 +782,7 @@
           <a:p>
             <a:fld id="{05DA4F57-5BD8-46EE-A9E5-AB3CA653DA99}" type="datetime1">
               <a:rPr lang="en-US" smtClean="0"/>
-              <a:t>4/19/2025</a:t>
+              <a:t>5/3/2025</a:t>
             </a:fld>
             <a:endParaRPr lang="en-US"/>
           </a:p>
@@ -979,7 +980,7 @@
           <a:p>
             <a:fld id="{FBB31C63-25B9-4D3C-82BA-EC0978478739}" type="datetime1">
               <a:rPr lang="en-US" smtClean="0"/>
-              <a:t>4/19/2025</a:t>
+              <a:t>5/3/2025</a:t>
             </a:fld>
             <a:endParaRPr lang="en-US"/>
           </a:p>
@@ -1187,7 +1188,7 @@
           <a:p>
             <a:fld id="{7402DB6A-3F12-49C0-A4C1-B0A0D37C1EDB}" type="datetime1">
               <a:rPr lang="en-US" smtClean="0"/>
-              <a:t>4/19/2025</a:t>
+              <a:t>5/3/2025</a:t>
             </a:fld>
             <a:endParaRPr lang="en-US"/>
           </a:p>
@@ -1385,7 +1386,7 @@
           <a:p>
             <a:fld id="{95319002-C508-4568-8A5B-B3CC11C019FA}" type="datetime1">
               <a:rPr lang="en-US" smtClean="0"/>
-              <a:t>4/19/2025</a:t>
+              <a:t>5/3/2025</a:t>
             </a:fld>
             <a:endParaRPr lang="en-US"/>
           </a:p>
@@ -1660,7 +1661,7 @@
           <a:p>
             <a:fld id="{F5CF55FE-4FEC-4FF0-8E2A-F61726BD9337}" type="datetime1">
               <a:rPr lang="en-US" smtClean="0"/>
-              <a:t>4/19/2025</a:t>
+              <a:t>5/3/2025</a:t>
             </a:fld>
             <a:endParaRPr lang="en-US"/>
           </a:p>
@@ -1925,7 +1926,7 @@
           <a:p>
             <a:fld id="{5DE9248B-269A-4B79-9CF7-C83C06E1669E}" type="datetime1">
               <a:rPr lang="en-US" smtClean="0"/>
-              <a:t>4/19/2025</a:t>
+              <a:t>5/3/2025</a:t>
             </a:fld>
             <a:endParaRPr lang="en-US"/>
           </a:p>
@@ -2337,7 +2338,7 @@
           <a:p>
             <a:fld id="{25593AEE-3B41-4F1F-B1D1-1F65630166A6}" type="datetime1">
               <a:rPr lang="en-US" smtClean="0"/>
-              <a:t>4/19/2025</a:t>
+              <a:t>5/3/2025</a:t>
             </a:fld>
             <a:endParaRPr lang="en-US"/>
           </a:p>
@@ -2478,7 +2479,7 @@
           <a:p>
             <a:fld id="{33C617F4-71EF-49DB-8020-7949DE3B8E61}" type="datetime1">
               <a:rPr lang="en-US" smtClean="0"/>
-              <a:t>4/19/2025</a:t>
+              <a:t>5/3/2025</a:t>
             </a:fld>
             <a:endParaRPr lang="en-US"/>
           </a:p>
@@ -2591,7 +2592,7 @@
           <a:p>
             <a:fld id="{05E0F5F5-B183-4BDB-8AA8-131E42C68F45}" type="datetime1">
               <a:rPr lang="en-US" smtClean="0"/>
-              <a:t>4/19/2025</a:t>
+              <a:t>5/3/2025</a:t>
             </a:fld>
             <a:endParaRPr lang="en-US"/>
           </a:p>
@@ -2902,7 +2903,7 @@
           <a:p>
             <a:fld id="{5ED91D25-CCCE-4C69-A4CC-5AA2BC59CDB5}" type="datetime1">
               <a:rPr lang="en-US" smtClean="0"/>
-              <a:t>4/19/2025</a:t>
+              <a:t>5/3/2025</a:t>
             </a:fld>
             <a:endParaRPr lang="en-US"/>
           </a:p>
@@ -3190,7 +3191,7 @@
           <a:p>
             <a:fld id="{2EF88B9C-AC9E-4C10-A0FE-DE527EE858E8}" type="datetime1">
               <a:rPr lang="en-US" smtClean="0"/>
-              <a:t>4/19/2025</a:t>
+              <a:t>5/3/2025</a:t>
             </a:fld>
             <a:endParaRPr lang="en-US"/>
           </a:p>
@@ -3431,7 +3432,7 @@
           <a:p>
             <a:fld id="{B7BEE97B-4E17-41F5-9BAE-69848B93B6C1}" type="datetime1">
               <a:rPr lang="en-US" smtClean="0"/>
-              <a:t>4/19/2025</a:t>
+              <a:t>5/3/2025</a:t>
             </a:fld>
             <a:endParaRPr lang="en-US"/>
           </a:p>
@@ -13972,7 +13973,10 @@
               <a:t>With pass the hash, the hacker first compromises a Windows system and then performs a </a:t>
             </a:r>
             <a:r>
-              <a:rPr lang="en-US" sz="1800" b="0" i="0" u="none" strike="noStrike" baseline="0" dirty="0" err="1">
+              <a:rPr lang="en-US" sz="1800" b="1" i="0" u="none" strike="noStrike" baseline="0" dirty="0" err="1">
+                <a:solidFill>
+                  <a:srgbClr val="FF0000"/>
+                </a:solidFill>
                 <a:latin typeface="WarnockPro-Regular"/>
               </a:rPr>
               <a:t>hashdump</a:t>
@@ -13999,7 +14003,7 @@
               <a:t> </a:t>
             </a:r>
             <a:r>
-              <a:rPr lang="en-US" sz="1800" b="0" i="0" u="none" strike="noStrike" baseline="0" dirty="0" err="1">
+              <a:rPr lang="en-US" sz="1800" b="1" i="0" u="none" strike="noStrike" baseline="0" dirty="0" err="1">
                 <a:latin typeface="WarnockPro-Regular"/>
               </a:rPr>
               <a:t>hashdump</a:t>
@@ -14949,126 +14953,57 @@
           <a:p>
             <a:pPr algn="l"/>
             <a:r>
-              <a:rPr lang="en-US" sz="1800" b="1" i="0" u="none" strike="noStrike" baseline="0" dirty="0">
+              <a:rPr lang="en-US" sz="2400" b="1" i="0" u="none" strike="noStrike" baseline="0" dirty="0">
                 <a:solidFill>
                   <a:srgbClr val="000000"/>
                 </a:solidFill>
                 <a:latin typeface="WarnockPro-Bold"/>
               </a:rPr>
-              <a:t>Pharming </a:t>
-            </a:r>
-            <a:r>
-              <a:rPr lang="en-US" sz="1800" b="0" i="0" u="none" strike="noStrike" baseline="0" dirty="0">
+              <a:t>Antiquated protocols </a:t>
+            </a:r>
+            <a:r>
+              <a:rPr lang="en-US" sz="2400" b="0" i="0" u="none" strike="noStrike" baseline="0" dirty="0">
                 <a:solidFill>
                   <a:srgbClr val="000000"/>
                 </a:solidFill>
                 <a:latin typeface="WarnockPro-Regular"/>
               </a:rPr>
-              <a:t>As mentioned earlier, </a:t>
-            </a:r>
-            <a:r>
-              <a:rPr lang="en-US" sz="1800" b="0" i="1" u="none" strike="noStrike" baseline="0" dirty="0">
+              <a:t>Antiquated protocols are protocols that were developed without security in mind and that typically now have a secure version to replace it. Examples of antiquated protocols are most of the protocols in the TCP/IP protocol suite, such as HTTP, FTP, SMTP, and POP3. </a:t>
+            </a:r>
+          </a:p>
+          <a:p>
+            <a:pPr algn="l"/>
+            <a:r>
+              <a:rPr lang="en-US" sz="2400" b="1" i="0" u="none" strike="noStrike" baseline="0" dirty="0">
                 <a:solidFill>
                   <a:srgbClr val="000000"/>
                 </a:solidFill>
-                <a:latin typeface="WarnockPro-It"/>
-              </a:rPr>
-              <a:t>pharming </a:t>
-            </a:r>
-            <a:r>
-              <a:rPr lang="en-US" sz="1800" b="0" i="0" u="none" strike="noStrike" baseline="0" dirty="0">
+                <a:latin typeface="WarnockPro-Bold"/>
+              </a:rPr>
+              <a:t>Null sessions </a:t>
+            </a:r>
+            <a:r>
+              <a:rPr lang="en-US" sz="2400" b="0" i="0" u="none" strike="noStrike" baseline="0" dirty="0">
                 <a:solidFill>
                   <a:srgbClr val="000000"/>
                 </a:solidFill>
                 <a:latin typeface="WarnockPro-Regular"/>
               </a:rPr>
-              <a:t>is a term some people use for an attack on DNS or the hosts file that leads an individual to the wrong web site.</a:t>
-            </a:r>
-          </a:p>
-          <a:p>
-            <a:pPr algn="l"/>
-            <a:r>
-              <a:rPr lang="en-US" sz="1800" b="0" i="0" u="none" strike="noStrike" baseline="0" dirty="0">
-                <a:solidFill>
-                  <a:srgbClr val="666666"/>
-                </a:solidFill>
-                <a:latin typeface="ZapfDingbatsStd"/>
-              </a:rPr>
-              <a:t> </a:t>
-            </a:r>
-            <a:r>
-              <a:rPr lang="en-US" sz="1800" b="1" i="0" u="none" strike="noStrike" baseline="0" dirty="0">
+              <a:t>A null session is when someone connects to a Windows system without providing any credentials. Once the person connects to the system, they can enumerate the system if it has not been secured. Through enumeration, the hacker may be able to collect the users, groups, and shared folder list. The following command is used to create a null session with a Windows system:</a:t>
+            </a:r>
+          </a:p>
+          <a:p>
+            <a:pPr algn="l"/>
+            <a:r>
+              <a:rPr lang="nl-NL" sz="2400" b="0" i="0" u="none" strike="noStrike" baseline="0" dirty="0">
                 <a:solidFill>
                   <a:srgbClr val="000000"/>
                 </a:solidFill>
-                <a:latin typeface="WarnockPro-Bold"/>
-              </a:rPr>
-              <a:t>Antiquated protocols </a:t>
-            </a:r>
-            <a:r>
-              <a:rPr lang="en-US" sz="1800" b="0" i="0" u="none" strike="noStrike" baseline="0" dirty="0">
-                <a:solidFill>
-                  <a:srgbClr val="000000"/>
-                </a:solidFill>
-                <a:latin typeface="WarnockPro-Regular"/>
-              </a:rPr>
-              <a:t>Antiquated protocols are protocols that were developed without security in mind and that typically now have a secure version to replace it. Examples of antiquated protocols are most of the protocols in the TCP/IP protocol suite, such as HTTP, FTP, SMTP, and POP3. </a:t>
-            </a:r>
-          </a:p>
-          <a:p>
-            <a:pPr algn="l"/>
-            <a:r>
-              <a:rPr lang="en-US" sz="1800" b="1" i="0" u="none" strike="noStrike" baseline="0" dirty="0">
-                <a:solidFill>
-                  <a:srgbClr val="000000"/>
-                </a:solidFill>
-                <a:latin typeface="WarnockPro-Bold"/>
-              </a:rPr>
-              <a:t>Session hijacking </a:t>
-            </a:r>
-            <a:r>
-              <a:rPr lang="en-US" sz="1800" b="0" i="0" u="none" strike="noStrike" baseline="0" dirty="0">
-                <a:solidFill>
-                  <a:srgbClr val="000000"/>
-                </a:solidFill>
-                <a:latin typeface="WarnockPro-Regular"/>
-              </a:rPr>
-              <a:t>Session hijacking is when the hacker kicks one of the parties out of the communication and impersonates that person in the conversation. The hacker typically disconnects one of the parties via a denial of service attack.</a:t>
-            </a:r>
-          </a:p>
-          <a:p>
-            <a:pPr algn="l"/>
-            <a:r>
-              <a:rPr lang="en-US" sz="1800" b="1" i="0" u="none" strike="noStrike" baseline="0" dirty="0">
-                <a:solidFill>
-                  <a:srgbClr val="000000"/>
-                </a:solidFill>
-                <a:latin typeface="WarnockPro-Bold"/>
-              </a:rPr>
-              <a:t>Null sessions </a:t>
-            </a:r>
-            <a:r>
-              <a:rPr lang="en-US" sz="1800" b="0" i="0" u="none" strike="noStrike" baseline="0" dirty="0">
-                <a:solidFill>
-                  <a:srgbClr val="000000"/>
-                </a:solidFill>
-                <a:latin typeface="WarnockPro-Regular"/>
-              </a:rPr>
-              <a:t>A null session is when someone connects to a Windows system without providing any credentials. Once the person connects to the system, they can enumerate the system if it has not been secured. Through enumeration, the hacker may be able to collect the users, groups, and shared folder list. The following command is used to create a null session with a Windows system:</a:t>
-            </a:r>
-          </a:p>
-          <a:p>
-            <a:pPr algn="l"/>
-            <a:r>
-              <a:rPr lang="nl-NL" sz="1800" b="0" i="0" u="none" strike="noStrike" baseline="0" dirty="0">
-                <a:solidFill>
-                  <a:srgbClr val="000000"/>
-                </a:solidFill>
                 <a:latin typeface="CourierStd"/>
               </a:rPr>
               <a:t>net use \\10.0.0.1\ipc$ "" /u:""</a:t>
             </a:r>
-            <a:endParaRPr lang="en-US" dirty="0"/>
+            <a:endParaRPr lang="en-US" sz="2400" dirty="0"/>
           </a:p>
         </p:txBody>
       </p:sp>
@@ -15152,7 +15087,10 @@
           <a:bodyPr/>
           <a:lstStyle/>
           <a:p>
-            <a:endParaRPr lang="en-US"/>
+            <a:r>
+              <a:rPr lang="en-US" dirty="0"/>
+              <a:t>Other Network Attacks</a:t>
+            </a:r>
           </a:p>
         </p:txBody>
       </p:sp>
@@ -15175,144 +15113,278 @@
         <p:spPr/>
         <p:txBody>
           <a:bodyPr>
-            <a:normAutofit fontScale="85000" lnSpcReduction="10000"/>
+            <a:normAutofit lnSpcReduction="10000"/>
           </a:bodyPr>
           <a:lstStyle/>
           <a:p>
             <a:pPr algn="l"/>
             <a:r>
-              <a:rPr lang="en-US" sz="1800" b="1" i="0" u="none" strike="noStrike" baseline="0" dirty="0">
+              <a:rPr lang="en-US" sz="2000" b="1" i="0" u="none" strike="noStrike" baseline="0" dirty="0">
                 <a:solidFill>
                   <a:srgbClr val="000000"/>
                 </a:solidFill>
-                <a:latin typeface="WarnockPro-Bold"/>
-              </a:rPr>
-              <a:t>Domain name kiting </a:t>
-            </a:r>
-            <a:r>
-              <a:rPr lang="en-US" sz="1800" b="0" i="0" u="none" strike="noStrike" baseline="0" dirty="0">
+                <a:latin typeface="Times New Roman" panose="02020603050405020304" pitchFamily="18" charset="0"/>
+                <a:cs typeface="Times New Roman" panose="02020603050405020304" pitchFamily="18" charset="0"/>
+              </a:rPr>
+              <a:t>Domain name kiting:</a:t>
+            </a:r>
+          </a:p>
+          <a:p>
+            <a:pPr lvl="1"/>
+            <a:r>
+              <a:rPr lang="en-US" sz="2000" b="1" i="0" u="none" strike="noStrike" baseline="0" dirty="0">
                 <a:solidFill>
                   <a:srgbClr val="000000"/>
                 </a:solidFill>
-                <a:latin typeface="WarnockPro-Regular"/>
-              </a:rPr>
-              <a:t>In domain name kiting, the hacker obtains a domain name for free by using the five-day grace period that is allowed. At the end of the five-day grace period, they cancel the name and then get it free again for another five days. They continue doing this to get the name for free.</a:t>
-            </a:r>
-          </a:p>
-          <a:p>
-            <a:pPr algn="l"/>
-            <a:r>
-              <a:rPr lang="en-US" sz="1800" b="0" i="0" u="none" strike="noStrike" baseline="0" dirty="0">
+                <a:latin typeface="Times New Roman" panose="02020603050405020304" pitchFamily="18" charset="0"/>
+                <a:cs typeface="Times New Roman" panose="02020603050405020304" pitchFamily="18" charset="0"/>
+              </a:rPr>
+              <a:t> </a:t>
+            </a:r>
+            <a:r>
+              <a:rPr lang="en-US" sz="2000" b="0" i="0" u="none" strike="noStrike" baseline="0" dirty="0">
+                <a:solidFill>
+                  <a:srgbClr val="000000"/>
+                </a:solidFill>
+                <a:latin typeface="Times New Roman" panose="02020603050405020304" pitchFamily="18" charset="0"/>
+                <a:cs typeface="Times New Roman" panose="02020603050405020304" pitchFamily="18" charset="0"/>
+              </a:rPr>
+              <a:t>In domain name kiting, the hacker obtains a domain name for free by using the five-day grace period that is allowed. At the end of the five-day grace period, they cancel the name and then get it free again for another five days. They continue doing this to get the name for free</a:t>
+            </a:r>
+            <a:r>
+              <a:rPr lang="en-US" sz="1600" b="0" i="0" u="none" strike="noStrike" baseline="0" dirty="0">
+                <a:solidFill>
+                  <a:srgbClr val="000000"/>
+                </a:solidFill>
+                <a:latin typeface="Times New Roman" panose="02020603050405020304" pitchFamily="18" charset="0"/>
+                <a:cs typeface="Times New Roman" panose="02020603050405020304" pitchFamily="18" charset="0"/>
+              </a:rPr>
+              <a:t>.</a:t>
+            </a:r>
+          </a:p>
+          <a:p>
+            <a:pPr algn="l"/>
+            <a:r>
+              <a:rPr lang="en-US" sz="2000" b="0" i="0" u="none" strike="noStrike" baseline="0" dirty="0">
                 <a:solidFill>
                   <a:srgbClr val="666666"/>
                 </a:solidFill>
-                <a:latin typeface="ZapfDingbatsStd"/>
+                <a:latin typeface="Times New Roman" panose="02020603050405020304" pitchFamily="18" charset="0"/>
+                <a:cs typeface="Times New Roman" panose="02020603050405020304" pitchFamily="18" charset="0"/>
               </a:rPr>
               <a:t> </a:t>
             </a:r>
             <a:r>
-              <a:rPr lang="en-US" sz="1800" b="1" i="0" u="none" strike="noStrike" baseline="0" dirty="0">
+              <a:rPr lang="en-US" sz="2000" b="1" i="0" u="none" strike="noStrike" baseline="0" dirty="0">
                 <a:solidFill>
                   <a:srgbClr val="000000"/>
                 </a:solidFill>
-                <a:latin typeface="WarnockPro-Bold"/>
+                <a:latin typeface="Times New Roman" panose="02020603050405020304" pitchFamily="18" charset="0"/>
+                <a:cs typeface="Times New Roman" panose="02020603050405020304" pitchFamily="18" charset="0"/>
               </a:rPr>
               <a:t>Malicious insider threat </a:t>
             </a:r>
-            <a:r>
-              <a:rPr lang="en-US" sz="1800" b="0" i="0" u="none" strike="noStrike" baseline="0" dirty="0">
+          </a:p>
+          <a:p>
+            <a:pPr lvl="1"/>
+            <a:r>
+              <a:rPr lang="en-US" sz="2000" b="0" i="0" u="none" strike="noStrike" baseline="0" dirty="0">
                 <a:solidFill>
                   <a:srgbClr val="000000"/>
                 </a:solidFill>
-                <a:latin typeface="WarnockPro-Regular"/>
+                <a:latin typeface="Times New Roman" panose="02020603050405020304" pitchFamily="18" charset="0"/>
+                <a:cs typeface="Times New Roman" panose="02020603050405020304" pitchFamily="18" charset="0"/>
               </a:rPr>
               <a:t>A malicious insider threat is when someone inside the company purposely destroys or discloses company data. The malicious insider threat could also be someone who performs fraudulent activities (deterrents against which include leveraging the concepts of rotation of duties and least privilege).</a:t>
             </a:r>
           </a:p>
           <a:p>
-            <a:pPr algn="l"/>
-            <a:r>
-              <a:rPr lang="en-US" sz="1800" b="1" i="0" u="none" strike="noStrike" baseline="0" dirty="0">
+            <a:r>
+              <a:rPr lang="en-US" sz="2000" b="1" i="0" u="none" strike="noStrike" baseline="0" dirty="0">
                 <a:solidFill>
                   <a:srgbClr val="000000"/>
                 </a:solidFill>
-                <a:latin typeface="WarnockPro-Bold"/>
+                <a:latin typeface="Times New Roman" panose="02020603050405020304" pitchFamily="18" charset="0"/>
+                <a:cs typeface="Times New Roman" panose="02020603050405020304" pitchFamily="18" charset="0"/>
               </a:rPr>
               <a:t>Transitive access (attack) </a:t>
             </a:r>
-            <a:r>
-              <a:rPr lang="en-US" sz="1800" b="0" i="0" u="none" strike="noStrike" baseline="0" dirty="0">
+          </a:p>
+          <a:p>
+            <a:pPr lvl="1"/>
+            <a:r>
+              <a:rPr lang="en-US" sz="2000" b="0" i="0" u="none" strike="noStrike" baseline="0" dirty="0">
                 <a:solidFill>
                   <a:srgbClr val="000000"/>
                 </a:solidFill>
-                <a:latin typeface="WarnockPro-Regular"/>
-              </a:rPr>
-              <a:t>A transitive attack occurs when a user receives a hyperlink to another Windows shared folder and clicks the hyperlink. This forces the user’s system to pass the Windows user account credentials to the remote system to try to authenticate. The problem is that if the hacker is using a sniffer and password cracker, they can then try to crack the account password.</a:t>
-            </a:r>
-          </a:p>
-          <a:p>
-            <a:pPr algn="l"/>
-            <a:r>
-              <a:rPr lang="en-US" sz="1800" b="1" i="0" u="none" strike="noStrike" baseline="0" dirty="0">
-                <a:solidFill>
-                  <a:srgbClr val="000000"/>
-                </a:solidFill>
-                <a:latin typeface="WarnockPro-Bold"/>
-              </a:rPr>
-              <a:t>Client-side attacks </a:t>
-            </a:r>
-            <a:r>
-              <a:rPr lang="en-US" sz="1800" b="0" i="0" u="none" strike="noStrike" baseline="0" dirty="0">
-                <a:solidFill>
-                  <a:srgbClr val="000000"/>
-                </a:solidFill>
-                <a:latin typeface="WarnockPro-Regular"/>
-              </a:rPr>
-              <a:t>Client-side attacks are attacks on a system through vulnerabilities within the software on a client system. Many client-side attacks come from Internet applications such as web browsers and messenger applications</a:t>
-            </a:r>
-          </a:p>
-          <a:p>
-            <a:pPr algn="l"/>
-            <a:r>
-              <a:rPr lang="en-US" sz="1800" b="1" i="0" u="none" strike="noStrike" baseline="0" dirty="0">
-                <a:latin typeface="WarnockPro-Bold"/>
-              </a:rPr>
-              <a:t>Watering hole attack </a:t>
-            </a:r>
-            <a:r>
-              <a:rPr lang="en-US" sz="1800" b="0" i="0" u="none" strike="noStrike" baseline="0" dirty="0">
-                <a:latin typeface="WarnockPro-Regular"/>
-              </a:rPr>
-              <a:t>A watering hole attack is when the hacker determines sites you may want to visit and then compromises those sites by planting viruses or malicious code on them. When you visit the site (which you trust), you are then infected with the virus.</a:t>
-            </a:r>
-          </a:p>
-          <a:p>
-            <a:pPr algn="l"/>
-            <a:r>
-              <a:rPr lang="en-US" sz="1800" b="1" i="0" u="none" strike="noStrike" baseline="0" dirty="0">
-                <a:latin typeface="WarnockPro-Bold"/>
-              </a:rPr>
-              <a:t>Typo squatting/URL hijacking </a:t>
-            </a:r>
-            <a:r>
-              <a:rPr lang="en-US" sz="1800" b="0" i="0" u="none" strike="noStrike" baseline="0" dirty="0">
-                <a:latin typeface="WarnockPro-Regular"/>
-              </a:rPr>
-              <a:t>Typo squatting is also known as URL hijacking and takes advantage of the fact that some users will make typos when typing a URL into the browser. The hacker sets up a web site with a URL that is very similar to the URL of a popular web site but includes an anticipated typo, </a:t>
-            </a:r>
-            <a:r>
-              <a:rPr lang="en-US" sz="1800" b="0" i="0" u="none" strike="noStrike" baseline="0">
-                <a:latin typeface="WarnockPro-Regular"/>
-              </a:rPr>
-              <a:t>leading unwary misspellers</a:t>
-            </a:r>
-            <a:r>
-              <a:rPr lang="en-US" sz="1800" b="0" i="0" u="none" strike="noStrike" baseline="0" dirty="0">
-                <a:latin typeface="WarnockPro-Regular"/>
-              </a:rPr>
-              <a:t> to the hacker’s web site.</a:t>
-            </a:r>
-            <a:endParaRPr lang="en-US" dirty="0"/>
+                <a:latin typeface="Times New Roman" panose="02020603050405020304" pitchFamily="18" charset="0"/>
+                <a:cs typeface="Times New Roman" panose="02020603050405020304" pitchFamily="18" charset="0"/>
+              </a:rPr>
+              <a:t>A transitive attack exploits indirect trust relationship between systems. I</a:t>
+            </a:r>
+            <a:r>
+              <a:rPr kumimoji="0" lang="en-US" altLang="en-US" sz="2000" b="0" i="0" u="none" strike="noStrike" cap="none" normalizeH="0" baseline="0" dirty="0">
+                <a:ln>
+                  <a:noFill/>
+                </a:ln>
+                <a:solidFill>
+                  <a:schemeClr val="tx1"/>
+                </a:solidFill>
+                <a:effectLst/>
+                <a:latin typeface="Times New Roman" panose="02020603050405020304" pitchFamily="18" charset="0"/>
+                <a:cs typeface="Times New Roman" panose="02020603050405020304" pitchFamily="18" charset="0"/>
+              </a:rPr>
+              <a:t>f </a:t>
+            </a:r>
+            <a:r>
+              <a:rPr kumimoji="0" lang="en-US" altLang="en-US" sz="2000" b="1" i="0" u="none" strike="noStrike" cap="none" normalizeH="0" baseline="0" dirty="0">
+                <a:ln>
+                  <a:noFill/>
+                </a:ln>
+                <a:solidFill>
+                  <a:schemeClr val="tx1"/>
+                </a:solidFill>
+                <a:effectLst/>
+                <a:latin typeface="Times New Roman" panose="02020603050405020304" pitchFamily="18" charset="0"/>
+                <a:cs typeface="Times New Roman" panose="02020603050405020304" pitchFamily="18" charset="0"/>
+              </a:rPr>
+              <a:t>System A trusts System B</a:t>
+            </a:r>
+            <a:r>
+              <a:rPr kumimoji="0" lang="en-US" altLang="en-US" sz="2000" b="0" i="0" u="none" strike="noStrike" cap="none" normalizeH="0" baseline="0" dirty="0">
+                <a:ln>
+                  <a:noFill/>
+                </a:ln>
+                <a:solidFill>
+                  <a:schemeClr val="tx1"/>
+                </a:solidFill>
+                <a:effectLst/>
+                <a:latin typeface="Times New Roman" panose="02020603050405020304" pitchFamily="18" charset="0"/>
+                <a:cs typeface="Times New Roman" panose="02020603050405020304" pitchFamily="18" charset="0"/>
+              </a:rPr>
+              <a:t>, and </a:t>
+            </a:r>
+            <a:r>
+              <a:rPr kumimoji="0" lang="en-US" altLang="en-US" sz="2000" b="1" i="0" u="none" strike="noStrike" cap="none" normalizeH="0" baseline="0" dirty="0">
+                <a:ln>
+                  <a:noFill/>
+                </a:ln>
+                <a:solidFill>
+                  <a:schemeClr val="tx1"/>
+                </a:solidFill>
+                <a:effectLst/>
+                <a:latin typeface="Times New Roman" panose="02020603050405020304" pitchFamily="18" charset="0"/>
+                <a:cs typeface="Times New Roman" panose="02020603050405020304" pitchFamily="18" charset="0"/>
+              </a:rPr>
+              <a:t>System B trusts System C</a:t>
+            </a:r>
+            <a:r>
+              <a:rPr kumimoji="0" lang="en-US" altLang="en-US" sz="2000" b="0" i="0" u="none" strike="noStrike" cap="none" normalizeH="0" baseline="0" dirty="0">
+                <a:ln>
+                  <a:noFill/>
+                </a:ln>
+                <a:solidFill>
+                  <a:schemeClr val="tx1"/>
+                </a:solidFill>
+                <a:effectLst/>
+                <a:latin typeface="Times New Roman" panose="02020603050405020304" pitchFamily="18" charset="0"/>
+                <a:cs typeface="Times New Roman" panose="02020603050405020304" pitchFamily="18" charset="0"/>
+              </a:rPr>
+              <a:t>, an attacker can compromise </a:t>
+            </a:r>
+            <a:r>
+              <a:rPr kumimoji="0" lang="en-US" altLang="en-US" sz="2000" b="1" i="0" u="none" strike="noStrike" cap="none" normalizeH="0" baseline="0" dirty="0">
+                <a:ln>
+                  <a:noFill/>
+                </a:ln>
+                <a:solidFill>
+                  <a:schemeClr val="tx1"/>
+                </a:solidFill>
+                <a:effectLst/>
+                <a:latin typeface="Times New Roman" panose="02020603050405020304" pitchFamily="18" charset="0"/>
+                <a:cs typeface="Times New Roman" panose="02020603050405020304" pitchFamily="18" charset="0"/>
+              </a:rPr>
+              <a:t>System C</a:t>
+            </a:r>
+            <a:r>
+              <a:rPr kumimoji="0" lang="en-US" altLang="en-US" sz="2000" b="0" i="0" u="none" strike="noStrike" cap="none" normalizeH="0" baseline="0" dirty="0">
+                <a:ln>
+                  <a:noFill/>
+                </a:ln>
+                <a:solidFill>
+                  <a:schemeClr val="tx1"/>
+                </a:solidFill>
+                <a:effectLst/>
+                <a:latin typeface="Times New Roman" panose="02020603050405020304" pitchFamily="18" charset="0"/>
+                <a:cs typeface="Times New Roman" panose="02020603050405020304" pitchFamily="18" charset="0"/>
+              </a:rPr>
+              <a:t> and gain access to </a:t>
+            </a:r>
+            <a:r>
+              <a:rPr kumimoji="0" lang="en-US" altLang="en-US" sz="2000" b="1" i="0" u="none" strike="noStrike" cap="none" normalizeH="0" baseline="0" dirty="0">
+                <a:ln>
+                  <a:noFill/>
+                </a:ln>
+                <a:solidFill>
+                  <a:schemeClr val="tx1"/>
+                </a:solidFill>
+                <a:effectLst/>
+                <a:latin typeface="Times New Roman" panose="02020603050405020304" pitchFamily="18" charset="0"/>
+                <a:cs typeface="Times New Roman" panose="02020603050405020304" pitchFamily="18" charset="0"/>
+              </a:rPr>
+              <a:t>System A</a:t>
+            </a:r>
+            <a:r>
+              <a:rPr kumimoji="0" lang="en-US" altLang="en-US" sz="2000" b="0" i="0" u="none" strike="noStrike" cap="none" normalizeH="0" baseline="0" dirty="0">
+                <a:ln>
+                  <a:noFill/>
+                </a:ln>
+                <a:solidFill>
+                  <a:schemeClr val="tx1"/>
+                </a:solidFill>
+                <a:effectLst/>
+                <a:latin typeface="Times New Roman" panose="02020603050405020304" pitchFamily="18" charset="0"/>
+                <a:cs typeface="Times New Roman" panose="02020603050405020304" pitchFamily="18" charset="0"/>
+              </a:rPr>
+              <a:t> through </a:t>
+            </a:r>
+            <a:r>
+              <a:rPr kumimoji="0" lang="en-US" altLang="en-US" sz="2000" b="1" i="0" u="none" strike="noStrike" cap="none" normalizeH="0" baseline="0" dirty="0">
+                <a:ln>
+                  <a:noFill/>
+                </a:ln>
+                <a:solidFill>
+                  <a:schemeClr val="tx1"/>
+                </a:solidFill>
+                <a:effectLst/>
+                <a:latin typeface="Times New Roman" panose="02020603050405020304" pitchFamily="18" charset="0"/>
+                <a:cs typeface="Times New Roman" panose="02020603050405020304" pitchFamily="18" charset="0"/>
+              </a:rPr>
+              <a:t>System B</a:t>
+            </a:r>
+            <a:r>
+              <a:rPr kumimoji="0" lang="en-US" altLang="en-US" sz="2000" b="0" i="0" u="none" strike="noStrike" cap="none" normalizeH="0" baseline="0" dirty="0">
+                <a:ln>
+                  <a:noFill/>
+                </a:ln>
+                <a:solidFill>
+                  <a:schemeClr val="tx1"/>
+                </a:solidFill>
+                <a:effectLst/>
+                <a:latin typeface="Times New Roman" panose="02020603050405020304" pitchFamily="18" charset="0"/>
+                <a:cs typeface="Times New Roman" panose="02020603050405020304" pitchFamily="18" charset="0"/>
+              </a:rPr>
+              <a:t>. For example, if a company allows employees to access internal resources via a trusted third-party service, an attacker compromising that third-party service could indirectly gain access to the company's internal systems.</a:t>
+            </a:r>
+          </a:p>
+          <a:p>
+            <a:pPr algn="l"/>
+            <a:endParaRPr lang="en-US" sz="1800" b="0" i="0" u="none" strike="noStrike" baseline="0" dirty="0">
+              <a:solidFill>
+                <a:srgbClr val="000000"/>
+              </a:solidFill>
+              <a:latin typeface="WarnockPro-Regular"/>
+            </a:endParaRPr>
           </a:p>
         </p:txBody>
       </p:sp>
@@ -15380,7 +15452,7 @@
           <p:cNvPr id="2" name="Title 1">
             <a:extLst>
               <a:ext uri="{FF2B5EF4-FFF2-40B4-BE49-F238E27FC236}">
-                <a16:creationId xmlns:a16="http://schemas.microsoft.com/office/drawing/2014/main" id="{EA096907-6F8C-C02B-0745-D20C86200315}"/>
+                <a16:creationId xmlns:a16="http://schemas.microsoft.com/office/drawing/2014/main" id="{6C683547-6335-FCDE-0EDF-75FE8027B261}"/>
               </a:ext>
             </a:extLst>
           </p:cNvPr>
@@ -15398,7 +15470,7 @@
           <a:p>
             <a:r>
               <a:rPr lang="en-US" dirty="0"/>
-              <a:t>Preventing Network Attack</a:t>
+              <a:t>Other Network Attacks</a:t>
             </a:r>
           </a:p>
         </p:txBody>
@@ -15408,7 +15480,7 @@
           <p:cNvPr id="3" name="Content Placeholder 2">
             <a:extLst>
               <a:ext uri="{FF2B5EF4-FFF2-40B4-BE49-F238E27FC236}">
-                <a16:creationId xmlns:a16="http://schemas.microsoft.com/office/drawing/2014/main" id="{1825E16F-3DB6-4775-8DB7-A62B56C026BC}"/>
+                <a16:creationId xmlns:a16="http://schemas.microsoft.com/office/drawing/2014/main" id="{A43AF037-8EAC-6C6F-DA78-15B89262F8D1}"/>
               </a:ext>
             </a:extLst>
           </p:cNvPr>
@@ -15422,76 +15494,106 @@
         <p:spPr/>
         <p:txBody>
           <a:bodyPr>
-            <a:normAutofit/>
+            <a:normAutofit fontScale="92500" lnSpcReduction="10000"/>
           </a:bodyPr>
           <a:lstStyle/>
           <a:p>
             <a:pPr algn="l"/>
             <a:r>
-              <a:rPr lang="en-US" sz="1800" b="0" i="0" u="none" strike="noStrike" baseline="0" dirty="0">
-                <a:latin typeface="WarnockPro-Regular"/>
-              </a:rPr>
-              <a:t>With so many different types of network attacks, you can do a number of things to help protect against them. </a:t>
-            </a:r>
-          </a:p>
-          <a:p>
-            <a:pPr algn="l"/>
-            <a:r>
-              <a:rPr lang="en-US" sz="1800" b="0" i="0" u="none" strike="noStrike" baseline="0" dirty="0">
-                <a:latin typeface="WarnockPro-Regular"/>
-              </a:rPr>
-              <a:t>First, make sure you have physical security controls in place to ensure that unauthorized individuals cannot get access to the facility in order to connect to the network.</a:t>
-            </a:r>
-          </a:p>
-          <a:p>
-            <a:pPr algn="l"/>
-            <a:r>
-              <a:rPr lang="en-US" sz="1800" b="0" i="0" u="none" strike="noStrike" baseline="0" dirty="0">
-                <a:latin typeface="WarnockPro-Regular"/>
-              </a:rPr>
-              <a:t>Also, implement security features on your switches, such as disabling unused ports on the switches. If a port is disabled, it cannot be used when the hacker tries to connect to the unused port. You should also implement the port security feature on the switches; that is, when a port is enabled, you associate a specific MAC address with the port. This will ensure that someone cannot disconnect one workstation from the switch and replace it with an unauthorized system.</a:t>
-            </a:r>
-          </a:p>
-          <a:p>
-            <a:pPr algn="l"/>
-            <a:r>
-              <a:rPr lang="en-US" sz="1800" b="0" i="0" u="none" strike="noStrike" baseline="0" dirty="0">
-                <a:latin typeface="WarnockPro-Regular"/>
-              </a:rPr>
-              <a:t>Keep your systems up to date with patches so that you are not vulnerable to known exploits.</a:t>
-            </a:r>
-          </a:p>
-          <a:p>
-            <a:pPr algn="l"/>
-            <a:r>
-              <a:rPr lang="en-US" sz="1800" b="0" i="0" u="none" strike="noStrike" baseline="0" dirty="0">
-                <a:latin typeface="WarnockPro-Regular"/>
-              </a:rPr>
-              <a:t> Also, make sure to update the firmware on your network hardware, such as switches and routers, so that any known vulnerabilities in the firmware are removed.</a:t>
-            </a:r>
-          </a:p>
-          <a:p>
-            <a:pPr algn="l"/>
-            <a:r>
-              <a:rPr lang="en-US" sz="1800" b="0" i="0" u="none" strike="noStrike" baseline="0" dirty="0">
-                <a:latin typeface="WarnockPro-Regular"/>
-              </a:rPr>
-              <a:t>The last thing you can do is to make all employees aware of different types of attacks, such as vishing, pharming, spam, and </a:t>
-            </a:r>
-            <a:r>
-              <a:rPr lang="en-US" sz="1800" b="0" i="0" u="none" strike="noStrike" baseline="0" dirty="0" err="1">
-                <a:latin typeface="WarnockPro-Regular"/>
-              </a:rPr>
-              <a:t>spim</a:t>
-            </a:r>
-            <a:r>
-              <a:rPr lang="en-US" sz="1800" b="0" i="0" u="none" strike="noStrike" baseline="0" dirty="0">
-                <a:latin typeface="WarnockPro-Regular"/>
-              </a:rPr>
-              <a:t>, to name just a few</a:t>
+              <a:rPr lang="en-US" sz="2800" b="1" i="0" u="none" strike="noStrike" baseline="0" dirty="0">
+                <a:solidFill>
+                  <a:srgbClr val="000000"/>
+                </a:solidFill>
+                <a:latin typeface="WarnockPro-Bold"/>
+              </a:rPr>
+              <a:t>Client-side attacks:</a:t>
+            </a:r>
+          </a:p>
+          <a:p>
+            <a:pPr lvl="1"/>
+            <a:r>
+              <a:rPr lang="en-US" b="1" i="0" u="none" strike="noStrike" baseline="0" dirty="0">
+                <a:solidFill>
+                  <a:srgbClr val="000000"/>
+                </a:solidFill>
+                <a:latin typeface="WarnockPro-Bold"/>
+              </a:rPr>
+              <a:t> </a:t>
+            </a:r>
+            <a:r>
+              <a:rPr lang="en-US" b="0" i="0" u="none" strike="noStrike" baseline="0" dirty="0">
+                <a:solidFill>
+                  <a:srgbClr val="000000"/>
+                </a:solidFill>
+                <a:latin typeface="WarnockPro-Regular"/>
+              </a:rPr>
+              <a:t>Client-side attacks are attacks on a system through vulnerabilities within the software on a client system. Many client-side attacks come from Internet applications such as web browsers and messenger applications</a:t>
+            </a:r>
+          </a:p>
+          <a:p>
+            <a:pPr algn="l"/>
+            <a:r>
+              <a:rPr lang="en-US" sz="2800" b="1" i="0" u="none" strike="noStrike" baseline="0" dirty="0">
+                <a:latin typeface="WarnockPro-Bold"/>
+              </a:rPr>
+              <a:t>Watering hole attack:</a:t>
+            </a:r>
+          </a:p>
+          <a:p>
+            <a:pPr lvl="1"/>
+            <a:r>
+              <a:rPr lang="en-US" b="1" i="0" u="none" strike="noStrike" baseline="0" dirty="0">
+                <a:latin typeface="WarnockPro-Bold"/>
+              </a:rPr>
+              <a:t> </a:t>
+            </a:r>
+            <a:r>
+              <a:rPr lang="en-US" b="0" i="0" u="none" strike="noStrike" baseline="0" dirty="0">
+                <a:latin typeface="WarnockPro-Regular"/>
+              </a:rPr>
+              <a:t>A watering hole attack is when the hacker determines sites you may want to visit and then compromises those sites by planting viruses or malicious code on them. When you visit the site (which you trust), you are then infected with the virus.</a:t>
+            </a:r>
+          </a:p>
+          <a:p>
+            <a:pPr algn="l"/>
+            <a:r>
+              <a:rPr lang="en-US" sz="2800" b="1" i="0" u="none" strike="noStrike" baseline="0" dirty="0">
+                <a:latin typeface="WarnockPro-Bold"/>
+              </a:rPr>
+              <a:t>Typo squatting/URL hijacking</a:t>
+            </a:r>
+          </a:p>
+          <a:p>
+            <a:pPr lvl="1"/>
+            <a:r>
+              <a:rPr lang="en-US" b="1" i="0" u="none" strike="noStrike" baseline="0" dirty="0">
+                <a:latin typeface="WarnockPro-Bold"/>
+              </a:rPr>
+              <a:t> </a:t>
+            </a:r>
+            <a:r>
+              <a:rPr lang="en-US" b="0" i="0" u="none" strike="noStrike" baseline="0" dirty="0">
+                <a:latin typeface="WarnockPro-Regular"/>
+              </a:rPr>
+              <a:t>Typo squatting is also known as URL hijacking and takes advantage of the fact that some users will make typos when typing a URL into the browser. The hacker sets up a web site with a URL that is very similar to the URL of a popular web site but includes an anticipated typo, leading unwary </a:t>
+            </a:r>
+            <a:r>
+              <a:rPr lang="en-US" b="0" i="0" u="none" strike="noStrike" baseline="0" dirty="0" err="1">
+                <a:latin typeface="WarnockPro-Regular"/>
+              </a:rPr>
+              <a:t>misspellers</a:t>
+            </a:r>
+            <a:r>
+              <a:rPr lang="en-US" b="0" i="0" u="none" strike="noStrike" baseline="0" dirty="0">
+                <a:latin typeface="WarnockPro-Regular"/>
+              </a:rPr>
+              <a:t> to the hacker’s web site.</a:t>
             </a:r>
             <a:endParaRPr lang="en-US" dirty="0"/>
           </a:p>
+          <a:p>
+            <a:endParaRPr lang="en-US" dirty="0"/>
+          </a:p>
         </p:txBody>
       </p:sp>
       <p:sp>
@@ -15499,7 +15601,7 @@
           <p:cNvPr id="4" name="Slide Number Placeholder 3">
             <a:extLst>
               <a:ext uri="{FF2B5EF4-FFF2-40B4-BE49-F238E27FC236}">
-                <a16:creationId xmlns:a16="http://schemas.microsoft.com/office/drawing/2014/main" id="{42625834-C27E-F81B-4A2D-F314751322C9}"/>
+                <a16:creationId xmlns:a16="http://schemas.microsoft.com/office/drawing/2014/main" id="{FF108234-EAE2-638F-E882-3828E354C301}"/>
               </a:ext>
             </a:extLst>
           </p:cNvPr>
@@ -15518,6 +15620,223 @@
             <a:fld id="{FC2796C6-C8C3-4F4E-867E-E65A363F7472}" type="slidenum">
               <a:rPr lang="en-US" smtClean="0"/>
               <a:t>45</a:t>
+            </a:fld>
+            <a:endParaRPr lang="en-US"/>
+          </a:p>
+        </p:txBody>
+      </p:sp>
+    </p:spTree>
+    <p:extLst>
+      <p:ext uri="{BB962C8B-B14F-4D97-AF65-F5344CB8AC3E}">
+        <p14:creationId xmlns:p14="http://schemas.microsoft.com/office/powerpoint/2010/main" val="2309988042"/>
+      </p:ext>
+    </p:extLst>
+  </p:cSld>
+  <p:clrMapOvr>
+    <a:masterClrMapping/>
+  </p:clrMapOvr>
+</p:sld>
+</file>
+
+<file path=ppt/slides/slide46.xml><?xml version="1.0" encoding="utf-8"?>
+<p:sld xmlns:a="http://schemas.openxmlformats.org/drawingml/2006/main" xmlns:r="http://schemas.openxmlformats.org/officeDocument/2006/relationships" xmlns:p="http://schemas.openxmlformats.org/presentationml/2006/main">
+  <p:cSld>
+    <p:spTree>
+      <p:nvGrpSpPr>
+        <p:cNvPr id="1" name=""/>
+        <p:cNvGrpSpPr/>
+        <p:nvPr/>
+      </p:nvGrpSpPr>
+      <p:grpSpPr>
+        <a:xfrm>
+          <a:off x="0" y="0"/>
+          <a:ext cx="0" cy="0"/>
+          <a:chOff x="0" y="0"/>
+          <a:chExt cx="0" cy="0"/>
+        </a:xfrm>
+      </p:grpSpPr>
+      <p:sp>
+        <p:nvSpPr>
+          <p:cNvPr id="2" name="Title 1">
+            <a:extLst>
+              <a:ext uri="{FF2B5EF4-FFF2-40B4-BE49-F238E27FC236}">
+                <a16:creationId xmlns:a16="http://schemas.microsoft.com/office/drawing/2014/main" id="{EA096907-6F8C-C02B-0745-D20C86200315}"/>
+              </a:ext>
+            </a:extLst>
+          </p:cNvPr>
+          <p:cNvSpPr>
+            <a:spLocks noGrp="1"/>
+          </p:cNvSpPr>
+          <p:nvPr>
+            <p:ph type="title"/>
+          </p:nvPr>
+        </p:nvSpPr>
+        <p:spPr/>
+        <p:txBody>
+          <a:bodyPr/>
+          <a:lstStyle/>
+          <a:p>
+            <a:r>
+              <a:rPr lang="en-US" dirty="0"/>
+              <a:t>Preventing Network Attack</a:t>
+            </a:r>
+          </a:p>
+        </p:txBody>
+      </p:sp>
+      <p:sp>
+        <p:nvSpPr>
+          <p:cNvPr id="3" name="Content Placeholder 2">
+            <a:extLst>
+              <a:ext uri="{FF2B5EF4-FFF2-40B4-BE49-F238E27FC236}">
+                <a16:creationId xmlns:a16="http://schemas.microsoft.com/office/drawing/2014/main" id="{1825E16F-3DB6-4775-8DB7-A62B56C026BC}"/>
+              </a:ext>
+            </a:extLst>
+          </p:cNvPr>
+          <p:cNvSpPr>
+            <a:spLocks noGrp="1"/>
+          </p:cNvSpPr>
+          <p:nvPr>
+            <p:ph idx="1"/>
+          </p:nvPr>
+        </p:nvSpPr>
+        <p:spPr/>
+        <p:txBody>
+          <a:bodyPr>
+            <a:normAutofit fontScale="92500" lnSpcReduction="10000"/>
+          </a:bodyPr>
+          <a:lstStyle/>
+          <a:p>
+            <a:pPr algn="l"/>
+            <a:r>
+              <a:rPr lang="en-US" sz="1800" b="0" i="0" u="none" strike="noStrike" baseline="0" dirty="0">
+                <a:latin typeface="WarnockPro-Regular"/>
+              </a:rPr>
+              <a:t>With so many different types of network attacks, you can do a number of things to help protect against them. </a:t>
+            </a:r>
+          </a:p>
+          <a:p>
+            <a:pPr algn="l"/>
+            <a:r>
+              <a:rPr lang="en-US" sz="1800" b="0" i="0" u="none" strike="noStrike" baseline="0" dirty="0">
+                <a:latin typeface="WarnockPro-Regular"/>
+              </a:rPr>
+              <a:t>First, make sure you have physical security controls in place to ensure that unauthorized individuals cannot get access to the facility in order to connect to the network.</a:t>
+            </a:r>
+          </a:p>
+          <a:p>
+            <a:pPr algn="l"/>
+            <a:r>
+              <a:rPr lang="en-US" sz="1800" b="0" i="0" u="none" strike="noStrike" baseline="0" dirty="0">
+                <a:latin typeface="WarnockPro-Regular"/>
+              </a:rPr>
+              <a:t>Also, implement security features on your switches, such as </a:t>
+            </a:r>
+            <a:r>
+              <a:rPr lang="en-US" sz="1800" b="0" i="0" u="none" strike="noStrike" baseline="0" dirty="0">
+                <a:solidFill>
+                  <a:srgbClr val="FF0000"/>
+                </a:solidFill>
+                <a:latin typeface="WarnockPro-Regular"/>
+              </a:rPr>
+              <a:t>disabling unused ports on the switches.</a:t>
+            </a:r>
+            <a:r>
+              <a:rPr lang="en-US" sz="1800" b="0" i="0" u="none" strike="noStrike" baseline="0" dirty="0">
+                <a:latin typeface="WarnockPro-Regular"/>
+              </a:rPr>
+              <a:t> If a port is disabled, it cannot be used when the hacker tries to connect to the unused port. </a:t>
+            </a:r>
+          </a:p>
+          <a:p>
+            <a:pPr algn="l"/>
+            <a:r>
+              <a:rPr lang="en-US" sz="1800" b="0" i="0" u="none" strike="noStrike" baseline="0" dirty="0">
+                <a:latin typeface="WarnockPro-Regular"/>
+              </a:rPr>
+              <a:t>You should also implement the port security feature on the switches; that is, when a port is enabled, you associate a specific MAC address with the port. This will ensure that someone cannot disconnect one workstation from the switch and replace it with an unauthorized system. </a:t>
+            </a:r>
+            <a:r>
+              <a:rPr lang="en-US" sz="1800" dirty="0"/>
+              <a:t>If someone tries to unplug the authorized device and plug in an unauthorized one (with a different MAC address), the switch </a:t>
+            </a:r>
+            <a:r>
+              <a:rPr lang="en-US" sz="1800" b="1" dirty="0"/>
+              <a:t>will block or disable the port</a:t>
+            </a:r>
+            <a:r>
+              <a:rPr lang="en-US" sz="1800" dirty="0"/>
+              <a:t> to prevent access.</a:t>
+            </a:r>
+            <a:endParaRPr lang="en-US" sz="1800" b="0" i="0" u="none" strike="noStrike" baseline="0" dirty="0">
+              <a:latin typeface="WarnockPro-Regular"/>
+            </a:endParaRPr>
+          </a:p>
+          <a:p>
+            <a:pPr algn="l"/>
+            <a:r>
+              <a:rPr lang="en-US" sz="1800" b="0" i="0" u="none" strike="noStrike" baseline="0" dirty="0">
+                <a:latin typeface="WarnockPro-Regular"/>
+              </a:rPr>
+              <a:t>Keep your systems up to date with patches so that you are not vulnerable to known exploits.</a:t>
+            </a:r>
+          </a:p>
+          <a:p>
+            <a:pPr algn="l"/>
+            <a:r>
+              <a:rPr lang="en-US" sz="1800" b="0" i="0" u="none" strike="noStrike" baseline="0" dirty="0">
+                <a:latin typeface="WarnockPro-Regular"/>
+              </a:rPr>
+              <a:t> Also, make sure to update the firmware on your network hardware, such as switches and routers, so that any known vulnerabilities in the firmware are removed.</a:t>
+            </a:r>
+          </a:p>
+          <a:p>
+            <a:pPr algn="l"/>
+            <a:r>
+              <a:rPr lang="en-US" sz="1800" b="0" i="0" u="none" strike="noStrike" baseline="0" dirty="0">
+                <a:latin typeface="WarnockPro-Regular"/>
+              </a:rPr>
+              <a:t>The last thing you can do is to make all employees aware of different types of attacks, such as vishing, pharming, spam, and </a:t>
+            </a:r>
+            <a:r>
+              <a:rPr lang="en-US" sz="1800" b="0" i="0" u="none" strike="noStrike" baseline="0" dirty="0" err="1">
+                <a:latin typeface="WarnockPro-Regular"/>
+              </a:rPr>
+              <a:t>spim</a:t>
+            </a:r>
+            <a:r>
+              <a:rPr lang="en-US" sz="1800" b="0" i="0" u="none" strike="noStrike" baseline="0" dirty="0">
+                <a:latin typeface="WarnockPro-Regular"/>
+              </a:rPr>
+              <a:t>, to name just a few</a:t>
+            </a:r>
+            <a:endParaRPr lang="en-US" dirty="0"/>
+          </a:p>
+        </p:txBody>
+      </p:sp>
+      <p:sp>
+        <p:nvSpPr>
+          <p:cNvPr id="4" name="Slide Number Placeholder 3">
+            <a:extLst>
+              <a:ext uri="{FF2B5EF4-FFF2-40B4-BE49-F238E27FC236}">
+                <a16:creationId xmlns:a16="http://schemas.microsoft.com/office/drawing/2014/main" id="{42625834-C27E-F81B-4A2D-F314751322C9}"/>
+              </a:ext>
+            </a:extLst>
+          </p:cNvPr>
+          <p:cNvSpPr>
+            <a:spLocks noGrp="1"/>
+          </p:cNvSpPr>
+          <p:nvPr>
+            <p:ph type="sldNum" sz="quarter" idx="12"/>
+          </p:nvPr>
+        </p:nvSpPr>
+        <p:spPr/>
+        <p:txBody>
+          <a:bodyPr/>
+          <a:lstStyle/>
+          <a:p>
+            <a:fld id="{FC2796C6-C8C3-4F4E-867E-E65A363F7472}" type="slidenum">
+              <a:rPr lang="en-US" smtClean="0"/>
+              <a:t>46</a:t>
             </a:fld>
             <a:endParaRPr lang="en-US"/>
           </a:p>
@@ -15536,7 +15855,7 @@
 </p:sld>
 </file>
 
-<file path=ppt/slides/slide46.xml><?xml version="1.0" encoding="utf-8"?>
+<file path=ppt/slides/slide47.xml><?xml version="1.0" encoding="utf-8"?>
 <p:sld xmlns:a="http://schemas.openxmlformats.org/drawingml/2006/main" xmlns:r="http://schemas.openxmlformats.org/officeDocument/2006/relationships" xmlns:p="http://schemas.openxmlformats.org/presentationml/2006/main">
   <p:cSld>
     <p:bg>
@@ -16163,7 +16482,7 @@
           <a:p>
             <a:fld id="{FC2796C6-C8C3-4F4E-867E-E65A363F7472}" type="slidenum">
               <a:rPr lang="en-US" smtClean="0"/>
-              <a:t>46</a:t>
+              <a:t>47</a:t>
             </a:fld>
             <a:endParaRPr lang="en-US"/>
           </a:p>
@@ -16274,7 +16593,7 @@
 </p:sld>
 </file>
 
-<file path=ppt/slides/slide47.xml><?xml version="1.0" encoding="utf-8"?>
+<file path=ppt/slides/slide48.xml><?xml version="1.0" encoding="utf-8"?>
 <p:sld xmlns:a="http://schemas.openxmlformats.org/drawingml/2006/main" xmlns:r="http://schemas.openxmlformats.org/officeDocument/2006/relationships" xmlns:p="http://schemas.openxmlformats.org/presentationml/2006/main">
   <p:cSld>
     <p:spTree>
@@ -16446,7 +16765,7 @@
           <a:p>
             <a:fld id="{FC2796C6-C8C3-4F4E-867E-E65A363F7472}" type="slidenum">
               <a:rPr lang="en-US" smtClean="0"/>
-              <a:t>47</a:t>
+              <a:t>48</a:t>
             </a:fld>
             <a:endParaRPr lang="en-US"/>
           </a:p>
@@ -16465,7 +16784,7 @@
 </p:sld>
 </file>
 
-<file path=ppt/slides/slide48.xml><?xml version="1.0" encoding="utf-8"?>
+<file path=ppt/slides/slide49.xml><?xml version="1.0" encoding="utf-8"?>
 <p:sld xmlns:a="http://schemas.openxmlformats.org/drawingml/2006/main" xmlns:r="http://schemas.openxmlformats.org/officeDocument/2006/relationships" xmlns:p="http://schemas.openxmlformats.org/presentationml/2006/main">
   <p:cSld>
     <p:bg>
@@ -16699,7 +17018,7 @@
           <a:p>
             <a:fld id="{FC2796C6-C8C3-4F4E-867E-E65A363F7472}" type="slidenum">
               <a:rPr lang="en-US" smtClean="0"/>
-              <a:t>48</a:t>
+              <a:t>49</a:t>
             </a:fld>
             <a:endParaRPr lang="en-US"/>
           </a:p>
@@ -16709,173 +17028,6 @@
     <p:extLst>
       <p:ext uri="{BB962C8B-B14F-4D97-AF65-F5344CB8AC3E}">
         <p14:creationId xmlns:p14="http://schemas.microsoft.com/office/powerpoint/2010/main" val="1827322480"/>
-      </p:ext>
-    </p:extLst>
-  </p:cSld>
-  <p:clrMapOvr>
-    <a:masterClrMapping/>
-  </p:clrMapOvr>
-</p:sld>
-</file>
-
-<file path=ppt/slides/slide49.xml><?xml version="1.0" encoding="utf-8"?>
-<p:sld xmlns:a="http://schemas.openxmlformats.org/drawingml/2006/main" xmlns:r="http://schemas.openxmlformats.org/officeDocument/2006/relationships" xmlns:p="http://schemas.openxmlformats.org/presentationml/2006/main">
-  <p:cSld>
-    <p:spTree>
-      <p:nvGrpSpPr>
-        <p:cNvPr id="1" name=""/>
-        <p:cNvGrpSpPr/>
-        <p:nvPr/>
-      </p:nvGrpSpPr>
-      <p:grpSpPr>
-        <a:xfrm>
-          <a:off x="0" y="0"/>
-          <a:ext cx="0" cy="0"/>
-          <a:chOff x="0" y="0"/>
-          <a:chExt cx="0" cy="0"/>
-        </a:xfrm>
-      </p:grpSpPr>
-      <p:sp>
-        <p:nvSpPr>
-          <p:cNvPr id="2" name="Title 1">
-            <a:extLst>
-              <a:ext uri="{FF2B5EF4-FFF2-40B4-BE49-F238E27FC236}">
-                <a16:creationId xmlns:a16="http://schemas.microsoft.com/office/drawing/2014/main" id="{0DE47194-99D7-9D27-0E5C-EFB0801DC923}"/>
-              </a:ext>
-            </a:extLst>
-          </p:cNvPr>
-          <p:cNvSpPr>
-            <a:spLocks noGrp="1"/>
-          </p:cNvSpPr>
-          <p:nvPr>
-            <p:ph type="title"/>
-          </p:nvPr>
-        </p:nvSpPr>
-        <p:spPr/>
-        <p:txBody>
-          <a:bodyPr/>
-          <a:lstStyle/>
-          <a:p>
-            <a:r>
-              <a:rPr lang="en-US" dirty="0"/>
-              <a:t>Brute-Force Attack</a:t>
-            </a:r>
-          </a:p>
-        </p:txBody>
-      </p:sp>
-      <p:sp>
-        <p:nvSpPr>
-          <p:cNvPr id="3" name="Content Placeholder 2">
-            <a:extLst>
-              <a:ext uri="{FF2B5EF4-FFF2-40B4-BE49-F238E27FC236}">
-                <a16:creationId xmlns:a16="http://schemas.microsoft.com/office/drawing/2014/main" id="{797C89FB-6FD6-F5CE-BBB6-9CE5BAAAC39A}"/>
-              </a:ext>
-            </a:extLst>
-          </p:cNvPr>
-          <p:cNvSpPr>
-            <a:spLocks noGrp="1"/>
-          </p:cNvSpPr>
-          <p:nvPr>
-            <p:ph idx="1"/>
-          </p:nvPr>
-        </p:nvSpPr>
-        <p:spPr/>
-        <p:txBody>
-          <a:bodyPr/>
-          <a:lstStyle/>
-          <a:p>
-            <a:pPr algn="l"/>
-            <a:r>
-              <a:rPr lang="en-US" sz="1800" b="0" i="0" u="none" strike="noStrike" baseline="0" dirty="0">
-                <a:latin typeface="WarnockPro-Regular"/>
-              </a:rPr>
-              <a:t>A brute-force attack is a password attack that involves using the password-cracking software to mathematically calculate every possible password.</a:t>
-            </a:r>
-          </a:p>
-          <a:p>
-            <a:pPr algn="l"/>
-            <a:r>
-              <a:rPr lang="en-US" sz="1800" b="0" i="0" u="none" strike="noStrike" baseline="0" dirty="0">
-                <a:latin typeface="WarnockPro-Regular"/>
-              </a:rPr>
-              <a:t> Normally, the hacker would configure the password-cracking software with requirements such as the number of characters and whether to use letters, numbers, and symbols.</a:t>
-            </a:r>
-          </a:p>
-          <a:p>
-            <a:pPr algn="l"/>
-            <a:r>
-              <a:rPr lang="en-US" sz="1800" b="0" i="0" u="none" strike="noStrike" baseline="0" dirty="0">
-                <a:latin typeface="WarnockPro-Regular"/>
-              </a:rPr>
-              <a:t>The benefit of a brute-force attack from the hacker’s point of view is that it is very effective—it will crack the passwords on a system if it has enough time to do so. </a:t>
-            </a:r>
-          </a:p>
-          <a:p>
-            <a:pPr algn="l"/>
-            <a:r>
-              <a:rPr lang="en-US" sz="1800" b="0" i="0" u="none" strike="noStrike" baseline="0" dirty="0">
-                <a:latin typeface="WarnockPro-Regular"/>
-              </a:rPr>
-              <a:t>The</a:t>
-            </a:r>
-            <a:r>
-              <a:rPr lang="en-US" sz="1800" dirty="0">
-                <a:latin typeface="WarnockPro-Regular"/>
-              </a:rPr>
-              <a:t> </a:t>
-            </a:r>
-            <a:r>
-              <a:rPr lang="en-US" sz="1800" b="0" i="0" u="none" strike="noStrike" baseline="0" dirty="0">
-                <a:latin typeface="WarnockPro-Regular"/>
-              </a:rPr>
-              <a:t>disadvantage of a brute-force attack is the time it takes to complete it. </a:t>
-            </a:r>
-          </a:p>
-          <a:p>
-            <a:pPr algn="l"/>
-            <a:r>
-              <a:rPr lang="en-US" sz="1800" b="0" i="0" u="none" strike="noStrike" baseline="0" dirty="0">
-                <a:latin typeface="WarnockPro-Regular"/>
-              </a:rPr>
-              <a:t>Due to the large number of possible passwords, it could take years for the password crack to complete!</a:t>
-            </a:r>
-            <a:endParaRPr lang="en-US" dirty="0"/>
-          </a:p>
-        </p:txBody>
-      </p:sp>
-      <p:sp>
-        <p:nvSpPr>
-          <p:cNvPr id="4" name="Slide Number Placeholder 3">
-            <a:extLst>
-              <a:ext uri="{FF2B5EF4-FFF2-40B4-BE49-F238E27FC236}">
-                <a16:creationId xmlns:a16="http://schemas.microsoft.com/office/drawing/2014/main" id="{57AC4264-483E-7F0C-208A-C1DAF6072C7B}"/>
-              </a:ext>
-            </a:extLst>
-          </p:cNvPr>
-          <p:cNvSpPr>
-            <a:spLocks noGrp="1"/>
-          </p:cNvSpPr>
-          <p:nvPr>
-            <p:ph type="sldNum" sz="quarter" idx="12"/>
-          </p:nvPr>
-        </p:nvSpPr>
-        <p:spPr/>
-        <p:txBody>
-          <a:bodyPr/>
-          <a:lstStyle/>
-          <a:p>
-            <a:fld id="{FC2796C6-C8C3-4F4E-867E-E65A363F7472}" type="slidenum">
-              <a:rPr lang="en-US" smtClean="0"/>
-              <a:t>49</a:t>
-            </a:fld>
-            <a:endParaRPr lang="en-US"/>
-          </a:p>
-        </p:txBody>
-      </p:sp>
-    </p:spTree>
-    <p:extLst>
-      <p:ext uri="{BB962C8B-B14F-4D97-AF65-F5344CB8AC3E}">
-        <p14:creationId xmlns:p14="http://schemas.microsoft.com/office/powerpoint/2010/main" val="802460114"/>
       </p:ext>
     </p:extLst>
   </p:cSld>
@@ -17050,7 +17202,7 @@
           <p:cNvPr id="2" name="Title 1">
             <a:extLst>
               <a:ext uri="{FF2B5EF4-FFF2-40B4-BE49-F238E27FC236}">
-                <a16:creationId xmlns:a16="http://schemas.microsoft.com/office/drawing/2014/main" id="{ED052D80-155D-603C-ED3C-3853F6B0F0C5}"/>
+                <a16:creationId xmlns:a16="http://schemas.microsoft.com/office/drawing/2014/main" id="{0DE47194-99D7-9D27-0E5C-EFB0801DC923}"/>
               </a:ext>
             </a:extLst>
           </p:cNvPr>
@@ -17068,7 +17220,7 @@
           <a:p>
             <a:r>
               <a:rPr lang="en-US" dirty="0"/>
-              <a:t>Hybrid Attack</a:t>
+              <a:t>Brute-Force Attack</a:t>
             </a:r>
           </a:p>
         </p:txBody>
@@ -17078,7 +17230,7 @@
           <p:cNvPr id="3" name="Content Placeholder 2">
             <a:extLst>
               <a:ext uri="{FF2B5EF4-FFF2-40B4-BE49-F238E27FC236}">
-                <a16:creationId xmlns:a16="http://schemas.microsoft.com/office/drawing/2014/main" id="{F464D2B4-A000-752A-2524-E9DCEB4C6490}"/>
+                <a16:creationId xmlns:a16="http://schemas.microsoft.com/office/drawing/2014/main" id="{797C89FB-6FD6-F5CE-BBB6-9CE5BAAAC39A}"/>
               </a:ext>
             </a:extLst>
           </p:cNvPr>
@@ -17099,44 +17251,57 @@
               <a:rPr lang="en-US" sz="1800" b="0" i="0" u="none" strike="noStrike" baseline="0" dirty="0">
                 <a:latin typeface="WarnockPro-Regular"/>
               </a:rPr>
-              <a:t>Another type of password attack is known as a hybrid attack.</a:t>
-            </a:r>
-          </a:p>
-          <a:p>
-            <a:pPr algn="l"/>
-            <a:r>
-              <a:rPr lang="en-US" sz="1800" b="0" i="0" u="none" strike="noStrike" baseline="0" dirty="0">
-                <a:latin typeface="WarnockPro-Regular"/>
-              </a:rPr>
-              <a:t> A hybrid attack involves the password-cracking software using a dictionary file, but after the software tries a word from the dictionary file, it then tries to modify the word.</a:t>
-            </a:r>
-          </a:p>
-          <a:p>
-            <a:pPr algn="l"/>
-            <a:r>
-              <a:rPr lang="en-US" sz="1800" b="0" i="0" u="none" strike="noStrike" baseline="0" dirty="0">
-                <a:latin typeface="WarnockPro-Regular"/>
-              </a:rPr>
-              <a:t> Examples of modifications that the cracking software will use are to place numbers after the word and possibly to replace characters.</a:t>
-            </a:r>
-          </a:p>
-          <a:p>
-            <a:pPr algn="l"/>
-            <a:r>
-              <a:rPr lang="en-US" sz="1800" b="0" i="0" u="none" strike="noStrike" baseline="0" dirty="0">
-                <a:latin typeface="WarnockPro-Regular"/>
-              </a:rPr>
-              <a:t> For example, after the word “house” is attempted, the software will then try “house1,” “house2,” and so on.</a:t>
-            </a:r>
-          </a:p>
-          <a:p>
-            <a:pPr algn="l"/>
-            <a:r>
-              <a:rPr lang="en-US" sz="1800" b="0" i="0" u="none" strike="noStrike" baseline="0" dirty="0">
-                <a:latin typeface="WarnockPro-Regular"/>
-              </a:rPr>
-              <a:t> Examples of popular character replacement scenarios include replacing an “a” in the word with an “@” symbol, replacing an “L” with the number “1,” and replacing the “o” with a “0.”</a:t>
-            </a:r>
+              <a:t>A brute-force attack is a password attack that involves using the password-cracking software to mathematically calculate every possible password.</a:t>
+            </a:r>
+          </a:p>
+          <a:p>
+            <a:pPr algn="l"/>
+            <a:r>
+              <a:rPr lang="en-US" sz="1800" b="0" i="0" u="none" strike="noStrike" baseline="0" dirty="0">
+                <a:latin typeface="WarnockPro-Regular"/>
+              </a:rPr>
+              <a:t> Normally, the hacker would configure the password-cracking software with requirements such as the number of characters and whether to use letters, numbers, and symbols.</a:t>
+            </a:r>
+          </a:p>
+          <a:p>
+            <a:pPr algn="l"/>
+            <a:r>
+              <a:rPr lang="en-US" sz="1800" b="0" i="0" u="none" strike="noStrike" baseline="0" dirty="0">
+                <a:latin typeface="WarnockPro-Regular"/>
+              </a:rPr>
+              <a:t>The benefit of a brute-force attack from the hacker’s point of view is that it is very effective—it will crack the passwords on a system if it has enough time to do so. </a:t>
+            </a:r>
+          </a:p>
+          <a:p>
+            <a:pPr algn="l"/>
+            <a:r>
+              <a:rPr lang="en-US" sz="1800" b="0" i="0" u="none" strike="noStrike" baseline="0" dirty="0">
+                <a:latin typeface="WarnockPro-Regular"/>
+              </a:rPr>
+              <a:t>The</a:t>
+            </a:r>
+            <a:r>
+              <a:rPr lang="en-US" sz="1800" dirty="0">
+                <a:latin typeface="WarnockPro-Regular"/>
+              </a:rPr>
+              <a:t> </a:t>
+            </a:r>
+            <a:r>
+              <a:rPr lang="en-US" sz="1800" b="0" i="0" u="none" strike="noStrike" baseline="0" dirty="0">
+                <a:latin typeface="WarnockPro-Regular"/>
+              </a:rPr>
+              <a:t>disadvantage of a brute-force attack is the time it takes to complete it. </a:t>
+            </a:r>
+          </a:p>
+          <a:p>
+            <a:pPr algn="l"/>
+            <a:r>
+              <a:rPr lang="en-US" sz="1800" b="0" i="0" u="none" strike="noStrike" baseline="0" dirty="0">
+                <a:latin typeface="WarnockPro-Regular"/>
+              </a:rPr>
+              <a:t>Due to the large number of possible passwords, it could take years for the password crack to complete!</a:t>
+            </a:r>
+            <a:endParaRPr lang="en-US" dirty="0"/>
           </a:p>
         </p:txBody>
       </p:sp>
@@ -17145,7 +17310,7 @@
           <p:cNvPr id="4" name="Slide Number Placeholder 3">
             <a:extLst>
               <a:ext uri="{FF2B5EF4-FFF2-40B4-BE49-F238E27FC236}">
-                <a16:creationId xmlns:a16="http://schemas.microsoft.com/office/drawing/2014/main" id="{23AEDD31-1B13-B124-A9CF-F913074EC5CE}"/>
+                <a16:creationId xmlns:a16="http://schemas.microsoft.com/office/drawing/2014/main" id="{57AC4264-483E-7F0C-208A-C1DAF6072C7B}"/>
               </a:ext>
             </a:extLst>
           </p:cNvPr>
@@ -17172,7 +17337,7 @@
     </p:spTree>
     <p:extLst>
       <p:ext uri="{BB962C8B-B14F-4D97-AF65-F5344CB8AC3E}">
-        <p14:creationId xmlns:p14="http://schemas.microsoft.com/office/powerpoint/2010/main" val="2495994012"/>
+        <p14:creationId xmlns:p14="http://schemas.microsoft.com/office/powerpoint/2010/main" val="802460114"/>
       </p:ext>
     </p:extLst>
   </p:cSld>
@@ -17204,7 +17369,7 @@
           <p:cNvPr id="2" name="Title 1">
             <a:extLst>
               <a:ext uri="{FF2B5EF4-FFF2-40B4-BE49-F238E27FC236}">
-                <a16:creationId xmlns:a16="http://schemas.microsoft.com/office/drawing/2014/main" id="{434C3846-3676-F2A4-EB47-F0BD5CEAE49B}"/>
+                <a16:creationId xmlns:a16="http://schemas.microsoft.com/office/drawing/2014/main" id="{ED052D80-155D-603C-ED3C-3853F6B0F0C5}"/>
               </a:ext>
             </a:extLst>
           </p:cNvPr>
@@ -17222,7 +17387,7 @@
           <a:p>
             <a:r>
               <a:rPr lang="en-US" dirty="0"/>
-              <a:t>Password Spraying</a:t>
+              <a:t>Hybrid Attack</a:t>
             </a:r>
           </a:p>
         </p:txBody>
@@ -17232,7 +17397,7 @@
           <p:cNvPr id="3" name="Content Placeholder 2">
             <a:extLst>
               <a:ext uri="{FF2B5EF4-FFF2-40B4-BE49-F238E27FC236}">
-                <a16:creationId xmlns:a16="http://schemas.microsoft.com/office/drawing/2014/main" id="{05F4CC3B-9DBB-81D4-D423-42088966F397}"/>
+                <a16:creationId xmlns:a16="http://schemas.microsoft.com/office/drawing/2014/main" id="{F464D2B4-A000-752A-2524-E9DCEB4C6490}"/>
               </a:ext>
             </a:extLst>
           </p:cNvPr>
@@ -17245,19 +17410,52 @@
         </p:nvSpPr>
         <p:spPr/>
         <p:txBody>
-          <a:bodyPr>
-            <a:normAutofit/>
-          </a:bodyPr>
-          <a:lstStyle/>
-          <a:p>
-            <a:pPr algn="l"/>
-            <a:r>
-              <a:rPr lang="en-US" sz="2400" b="0" i="0" u="none" strike="noStrike" baseline="0" dirty="0">
-                <a:latin typeface="WarnockPro-Regular"/>
-              </a:rPr>
-              <a:t>Password spraying is a type of attack on user accounts that involves the attacker sending a commonly used password to many different accounts to see if any of the accounts are using the common password.</a:t>
-            </a:r>
-            <a:endParaRPr lang="en-US" sz="2400" dirty="0"/>
+          <a:bodyPr/>
+          <a:lstStyle/>
+          <a:p>
+            <a:pPr algn="l"/>
+            <a:r>
+              <a:rPr lang="en-US" sz="1800" b="0" i="0" u="none" strike="noStrike" baseline="0" dirty="0">
+                <a:latin typeface="WarnockPro-Regular"/>
+              </a:rPr>
+              <a:t>Another type of password attack is known as a hybrid attack.</a:t>
+            </a:r>
+          </a:p>
+          <a:p>
+            <a:pPr algn="l"/>
+            <a:r>
+              <a:rPr lang="en-US" sz="1800" b="0" i="0" u="none" strike="noStrike" baseline="0" dirty="0">
+                <a:latin typeface="WarnockPro-Regular"/>
+              </a:rPr>
+              <a:t> A hybrid attack involves the password-cracking software using a dictionary file, but after the software tries a word from the dictionary file, it then tries to modify the word.</a:t>
+            </a:r>
+          </a:p>
+          <a:p>
+            <a:pPr algn="l"/>
+            <a:r>
+              <a:rPr lang="en-US" sz="1800" b="0" i="0" u="none" strike="noStrike" baseline="0" dirty="0">
+                <a:latin typeface="WarnockPro-Regular"/>
+              </a:rPr>
+              <a:t> Examples of modifications that the cracking software will use are to place numbers after the word and possibly to replace characters.</a:t>
+            </a:r>
+          </a:p>
+          <a:p>
+            <a:pPr algn="l"/>
+            <a:r>
+              <a:rPr lang="en-US" sz="1800" b="0" i="0" u="none" strike="noStrike" baseline="0" dirty="0">
+                <a:latin typeface="WarnockPro-Regular"/>
+              </a:rPr>
+              <a:t> For example, after the word “house” is attempted, the software will then try “house1,” “house2,” and so on.</a:t>
+            </a:r>
+          </a:p>
+          <a:p>
+            <a:pPr algn="l"/>
+            <a:r>
+              <a:rPr lang="en-US" sz="1800" b="0" i="0" u="none" strike="noStrike" baseline="0" dirty="0">
+                <a:latin typeface="WarnockPro-Regular"/>
+              </a:rPr>
+              <a:t> Examples of popular character replacement scenarios include replacing an “a” in the word with an “@” symbol, replacing an “L” with the number “1,” and replacing the “o” with a “0.”</a:t>
+            </a:r>
           </a:p>
         </p:txBody>
       </p:sp>
@@ -17266,7 +17464,7 @@
           <p:cNvPr id="4" name="Slide Number Placeholder 3">
             <a:extLst>
               <a:ext uri="{FF2B5EF4-FFF2-40B4-BE49-F238E27FC236}">
-                <a16:creationId xmlns:a16="http://schemas.microsoft.com/office/drawing/2014/main" id="{46A0DD0A-6CDD-D80A-2C4B-F367D4B4AA8F}"/>
+                <a16:creationId xmlns:a16="http://schemas.microsoft.com/office/drawing/2014/main" id="{23AEDD31-1B13-B124-A9CF-F913074EC5CE}"/>
               </a:ext>
             </a:extLst>
           </p:cNvPr>
@@ -17293,7 +17491,7 @@
     </p:spTree>
     <p:extLst>
       <p:ext uri="{BB962C8B-B14F-4D97-AF65-F5344CB8AC3E}">
-        <p14:creationId xmlns:p14="http://schemas.microsoft.com/office/powerpoint/2010/main" val="406581765"/>
+        <p14:creationId xmlns:p14="http://schemas.microsoft.com/office/powerpoint/2010/main" val="2495994012"/>
       </p:ext>
     </p:extLst>
   </p:cSld>
@@ -17325,7 +17523,7 @@
           <p:cNvPr id="2" name="Title 1">
             <a:extLst>
               <a:ext uri="{FF2B5EF4-FFF2-40B4-BE49-F238E27FC236}">
-                <a16:creationId xmlns:a16="http://schemas.microsoft.com/office/drawing/2014/main" id="{8D566D14-ED67-BF8C-A67D-E1EA446765B0}"/>
+                <a16:creationId xmlns:a16="http://schemas.microsoft.com/office/drawing/2014/main" id="{434C3846-3676-F2A4-EB47-F0BD5CEAE49B}"/>
               </a:ext>
             </a:extLst>
           </p:cNvPr>
@@ -17343,7 +17541,7 @@
           <a:p>
             <a:r>
               <a:rPr lang="en-US" dirty="0"/>
-              <a:t>Rainbow Tables</a:t>
+              <a:t>Password Spraying</a:t>
             </a:r>
           </a:p>
         </p:txBody>
@@ -17353,7 +17551,7 @@
           <p:cNvPr id="3" name="Content Placeholder 2">
             <a:extLst>
               <a:ext uri="{FF2B5EF4-FFF2-40B4-BE49-F238E27FC236}">
-                <a16:creationId xmlns:a16="http://schemas.microsoft.com/office/drawing/2014/main" id="{67E98EE4-027F-E8D3-206A-85A0202D9AFE}"/>
+                <a16:creationId xmlns:a16="http://schemas.microsoft.com/office/drawing/2014/main" id="{05F4CC3B-9DBB-81D4-D423-42088966F397}"/>
               </a:ext>
             </a:extLst>
           </p:cNvPr>
@@ -17366,59 +17564,19 @@
         </p:nvSpPr>
         <p:spPr/>
         <p:txBody>
-          <a:bodyPr/>
-          <a:lstStyle/>
-          <a:p>
-            <a:pPr algn="l"/>
-            <a:r>
-              <a:rPr lang="en-US" sz="1800" b="0" i="1" u="none" strike="noStrike" baseline="0" dirty="0">
-                <a:latin typeface="WarnockPro-It"/>
-              </a:rPr>
-              <a:t>Rainbow tables </a:t>
-            </a:r>
-            <a:r>
-              <a:rPr lang="en-US" sz="1800" b="0" i="0" u="none" strike="noStrike" baseline="0" dirty="0">
-                <a:latin typeface="WarnockPro-Regular"/>
-              </a:rPr>
-              <a:t>are used to speed up the process of performing a brute-force attack.</a:t>
-            </a:r>
-          </a:p>
-          <a:p>
-            <a:pPr algn="l"/>
-            <a:r>
-              <a:rPr lang="en-US" sz="1800" b="0" i="0" u="none" strike="noStrike" baseline="0" dirty="0">
-                <a:latin typeface="WarnockPro-Regular"/>
-              </a:rPr>
-              <a:t> Recall that brute-force attacks can take a very long time.</a:t>
-            </a:r>
-          </a:p>
-          <a:p>
-            <a:pPr algn="l"/>
-            <a:r>
-              <a:rPr lang="en-US" sz="1800" b="0" i="0" u="none" strike="noStrike" baseline="0" dirty="0">
-                <a:latin typeface="WarnockPro-Regular"/>
-              </a:rPr>
-              <a:t> To speed the process up, the hacker can generate a rainbow table, which is a file generated that contains all mathematically possible passwords based on criteria given by the rainbow table generator.</a:t>
-            </a:r>
-          </a:p>
-          <a:p>
-            <a:pPr algn="l"/>
-            <a:r>
-              <a:rPr lang="en-US" sz="1800" b="0" i="0" u="none" strike="noStrike" baseline="0" dirty="0">
-                <a:latin typeface="WarnockPro-Regular"/>
-              </a:rPr>
-              <a:t> Rainbow tables are in the table (file); the hacker is simply reading a file.</a:t>
-            </a:r>
-          </a:p>
-          <a:p>
-            <a:pPr algn="l"/>
-            <a:r>
-              <a:rPr lang="en-US" sz="1800" b="0" i="0" u="none" strike="noStrike" baseline="0" dirty="0">
-                <a:latin typeface="WarnockPro-Regular"/>
-              </a:rPr>
-              <a:t> So the hacker gets the complexity of a brute-force attack but the speed of a dictionary attack</a:t>
-            </a:r>
-            <a:endParaRPr lang="en-US" dirty="0"/>
+          <a:bodyPr>
+            <a:normAutofit/>
+          </a:bodyPr>
+          <a:lstStyle/>
+          <a:p>
+            <a:pPr algn="l"/>
+            <a:r>
+              <a:rPr lang="en-US" sz="2400" b="0" i="0" u="none" strike="noStrike" baseline="0" dirty="0">
+                <a:latin typeface="WarnockPro-Regular"/>
+              </a:rPr>
+              <a:t>Password spraying is a type of attack on user accounts that involves the attacker sending a commonly used password to many different accounts to see if any of the accounts are using the common password.</a:t>
+            </a:r>
+            <a:endParaRPr lang="en-US" sz="2400" dirty="0"/>
           </a:p>
         </p:txBody>
       </p:sp>
@@ -17427,7 +17585,7 @@
           <p:cNvPr id="4" name="Slide Number Placeholder 3">
             <a:extLst>
               <a:ext uri="{FF2B5EF4-FFF2-40B4-BE49-F238E27FC236}">
-                <a16:creationId xmlns:a16="http://schemas.microsoft.com/office/drawing/2014/main" id="{B1B6F178-7397-F945-794F-7E6498536F81}"/>
+                <a16:creationId xmlns:a16="http://schemas.microsoft.com/office/drawing/2014/main" id="{46A0DD0A-6CDD-D80A-2C4B-F367D4B4AA8F}"/>
               </a:ext>
             </a:extLst>
           </p:cNvPr>
@@ -17454,7 +17612,7 @@
     </p:spTree>
     <p:extLst>
       <p:ext uri="{BB962C8B-B14F-4D97-AF65-F5344CB8AC3E}">
-        <p14:creationId xmlns:p14="http://schemas.microsoft.com/office/powerpoint/2010/main" val="2699672846"/>
+        <p14:creationId xmlns:p14="http://schemas.microsoft.com/office/powerpoint/2010/main" val="406581765"/>
       </p:ext>
     </p:extLst>
   </p:cSld>
@@ -17486,7 +17644,7 @@
           <p:cNvPr id="2" name="Title 1">
             <a:extLst>
               <a:ext uri="{FF2B5EF4-FFF2-40B4-BE49-F238E27FC236}">
-                <a16:creationId xmlns:a16="http://schemas.microsoft.com/office/drawing/2014/main" id="{047FCB6D-6554-DF8A-89CA-34501D623ABC}"/>
+                <a16:creationId xmlns:a16="http://schemas.microsoft.com/office/drawing/2014/main" id="{8D566D14-ED67-BF8C-A67D-E1EA446765B0}"/>
               </a:ext>
             </a:extLst>
           </p:cNvPr>
@@ -17504,7 +17662,7 @@
           <a:p>
             <a:r>
               <a:rPr lang="en-US" dirty="0"/>
-              <a:t>Known-plaintext Attack</a:t>
+              <a:t>Rainbow Tables</a:t>
             </a:r>
           </a:p>
         </p:txBody>
@@ -17514,7 +17672,7 @@
           <p:cNvPr id="3" name="Content Placeholder 2">
             <a:extLst>
               <a:ext uri="{FF2B5EF4-FFF2-40B4-BE49-F238E27FC236}">
-                <a16:creationId xmlns:a16="http://schemas.microsoft.com/office/drawing/2014/main" id="{C2EE9D7B-38E8-765D-3A24-60545D95895C}"/>
+                <a16:creationId xmlns:a16="http://schemas.microsoft.com/office/drawing/2014/main" id="{67E98EE4-027F-E8D3-206A-85A0202D9AFE}"/>
               </a:ext>
             </a:extLst>
           </p:cNvPr>
@@ -17531,41 +17689,53 @@
           <a:lstStyle/>
           <a:p>
             <a:pPr algn="l"/>
-            <a:r>
-              <a:rPr lang="en-US" sz="1800" b="0" i="0" u="none" strike="noStrike" baseline="0" dirty="0">
-                <a:latin typeface="WarnockPro-Regular"/>
-              </a:rPr>
-              <a:t>Another common type of password attack is called the </a:t>
-            </a:r>
             <a:r>
               <a:rPr lang="en-US" sz="1800" b="0" i="1" u="none" strike="noStrike" baseline="0" dirty="0">
                 <a:latin typeface="WarnockPro-It"/>
               </a:rPr>
-              <a:t>known-plaintext attack (KPA)</a:t>
-            </a:r>
-            <a:r>
-              <a:rPr lang="en-US" sz="1800" b="0" i="0" u="none" strike="noStrike" baseline="0" dirty="0">
-                <a:latin typeface="WarnockPro-Regular"/>
-              </a:rPr>
-              <a:t>, or unencrypted attack.</a:t>
-            </a:r>
-          </a:p>
-          <a:p>
-            <a:pPr algn="l"/>
-            <a:r>
-              <a:rPr lang="en-US" sz="1800" b="0" i="0" u="none" strike="noStrike" baseline="0" dirty="0">
-                <a:latin typeface="WarnockPro-Regular"/>
-              </a:rPr>
-              <a:t> With a known-plaintext attack, the hacker knows the plaintext value of a password (known as the crib) and the corresponding encrypted version (known as ciphertext). </a:t>
-            </a:r>
-          </a:p>
-          <a:p>
-            <a:pPr algn="l"/>
-            <a:r>
-              <a:rPr lang="en-US" sz="1800" b="0" i="0" u="none" strike="noStrike" baseline="0" dirty="0">
-                <a:latin typeface="WarnockPro-Regular"/>
-              </a:rPr>
-              <a:t>With this information, the hacker can then work on figuring out the encryption keys and other passwords.</a:t>
+              <a:t>Rainbow tables </a:t>
+            </a:r>
+            <a:r>
+              <a:rPr lang="en-US" sz="1800" b="0" i="0" u="none" strike="noStrike" baseline="0" dirty="0">
+                <a:latin typeface="WarnockPro-Regular"/>
+              </a:rPr>
+              <a:t>are used to speed up the process of performing a brute-force attack.</a:t>
+            </a:r>
+          </a:p>
+          <a:p>
+            <a:pPr algn="l"/>
+            <a:r>
+              <a:rPr lang="en-US" sz="1800" b="0" i="0" u="none" strike="noStrike" baseline="0" dirty="0">
+                <a:latin typeface="WarnockPro-Regular"/>
+              </a:rPr>
+              <a:t> Recall that brute-force attacks can take a very long time.</a:t>
+            </a:r>
+          </a:p>
+          <a:p>
+            <a:pPr algn="l"/>
+            <a:r>
+              <a:rPr lang="en-US" sz="1800" b="0" i="0" u="none" strike="noStrike" baseline="0" dirty="0">
+                <a:latin typeface="WarnockPro-Regular"/>
+              </a:rPr>
+              <a:t> To speed the process up, the hacker can generate a rainbow table, which is a file generated that contains all mathematically possible passwords based on criteria given by the rainbow table generator.</a:t>
+            </a:r>
+          </a:p>
+          <a:p>
+            <a:pPr algn="l"/>
+            <a:r>
+              <a:rPr lang="en-US" sz="1800" b="0" i="0" u="none" strike="noStrike" baseline="0" dirty="0">
+                <a:latin typeface="WarnockPro-Regular"/>
+              </a:rPr>
+              <a:t> Rainbow tables are in the table (file); the hacker is simply reading a file.</a:t>
+            </a:r>
+          </a:p>
+          <a:p>
+            <a:pPr algn="l"/>
+            <a:r>
+              <a:rPr lang="en-US" sz="1800" b="0" i="0" u="none" strike="noStrike" baseline="0" dirty="0">
+                <a:latin typeface="WarnockPro-Regular"/>
+              </a:rPr>
+              <a:t> So the hacker gets the complexity of a brute-force attack but the speed of a dictionary attack</a:t>
             </a:r>
             <a:endParaRPr lang="en-US" dirty="0"/>
           </a:p>
@@ -17576,7 +17746,7 @@
           <p:cNvPr id="4" name="Slide Number Placeholder 3">
             <a:extLst>
               <a:ext uri="{FF2B5EF4-FFF2-40B4-BE49-F238E27FC236}">
-                <a16:creationId xmlns:a16="http://schemas.microsoft.com/office/drawing/2014/main" id="{6F4B8D00-BC27-DED4-2366-BE07B37033D1}"/>
+                <a16:creationId xmlns:a16="http://schemas.microsoft.com/office/drawing/2014/main" id="{B1B6F178-7397-F945-794F-7E6498536F81}"/>
               </a:ext>
             </a:extLst>
           </p:cNvPr>
@@ -17603,7 +17773,7 @@
     </p:spTree>
     <p:extLst>
       <p:ext uri="{BB962C8B-B14F-4D97-AF65-F5344CB8AC3E}">
-        <p14:creationId xmlns:p14="http://schemas.microsoft.com/office/powerpoint/2010/main" val="4197327808"/>
+        <p14:creationId xmlns:p14="http://schemas.microsoft.com/office/powerpoint/2010/main" val="2699672846"/>
       </p:ext>
     </p:extLst>
   </p:cSld>
@@ -17635,7 +17805,7 @@
           <p:cNvPr id="2" name="Title 1">
             <a:extLst>
               <a:ext uri="{FF2B5EF4-FFF2-40B4-BE49-F238E27FC236}">
-                <a16:creationId xmlns:a16="http://schemas.microsoft.com/office/drawing/2014/main" id="{319349C5-8D38-BB83-6F87-F7375D886C5B}"/>
+                <a16:creationId xmlns:a16="http://schemas.microsoft.com/office/drawing/2014/main" id="{047FCB6D-6554-DF8A-89CA-34501D623ABC}"/>
               </a:ext>
             </a:extLst>
           </p:cNvPr>
@@ -17653,7 +17823,7 @@
           <a:p>
             <a:r>
               <a:rPr lang="en-US" dirty="0"/>
-              <a:t>Online vs Offline Attack</a:t>
+              <a:t>Known-plaintext Attack</a:t>
             </a:r>
           </a:p>
         </p:txBody>
@@ -17663,7 +17833,7 @@
           <p:cNvPr id="3" name="Content Placeholder 2">
             <a:extLst>
               <a:ext uri="{FF2B5EF4-FFF2-40B4-BE49-F238E27FC236}">
-                <a16:creationId xmlns:a16="http://schemas.microsoft.com/office/drawing/2014/main" id="{0527FFF1-17AB-7442-0E29-F2D0173F727D}"/>
+                <a16:creationId xmlns:a16="http://schemas.microsoft.com/office/drawing/2014/main" id="{C2EE9D7B-38E8-765D-3A24-60545D95895C}"/>
               </a:ext>
             </a:extLst>
           </p:cNvPr>
@@ -17684,58 +17854,37 @@
               <a:rPr lang="en-US" sz="1800" b="0" i="0" u="none" strike="noStrike" baseline="0" dirty="0">
                 <a:latin typeface="WarnockPro-Regular"/>
               </a:rPr>
-              <a:t>As mentioned earlier, password attacks can be either online or offline.</a:t>
-            </a:r>
-          </a:p>
-          <a:p>
-            <a:pPr algn="l"/>
-            <a:r>
-              <a:rPr lang="en-US" sz="1800" b="0" i="0" u="none" strike="noStrike" baseline="0" dirty="0">
-                <a:latin typeface="WarnockPro-Regular"/>
-              </a:rPr>
-              <a:t> With an </a:t>
+              <a:t>Another common type of password attack is called the </a:t>
             </a:r>
             <a:r>
               <a:rPr lang="en-US" sz="1800" b="0" i="1" u="none" strike="noStrike" baseline="0" dirty="0">
                 <a:latin typeface="WarnockPro-It"/>
               </a:rPr>
-              <a:t>online attack, </a:t>
-            </a:r>
-            <a:r>
-              <a:rPr lang="en-US" sz="1800" b="0" i="0" u="none" strike="noStrike" baseline="0" dirty="0">
-                <a:latin typeface="WarnockPro-Regular"/>
-              </a:rPr>
-              <a:t>the hacker is trying to crack the password against the live system.</a:t>
-            </a:r>
-          </a:p>
-          <a:p>
-            <a:pPr algn="l"/>
-            <a:r>
-              <a:rPr lang="en-US" sz="1800" b="0" i="0" u="none" strike="noStrike" baseline="0" dirty="0">
-                <a:latin typeface="WarnockPro-Regular"/>
-              </a:rPr>
-              <a:t> The problem with this is that the hacker risks getting detected and locking out the accounts.</a:t>
-            </a:r>
-          </a:p>
-          <a:p>
-            <a:pPr algn="l"/>
-            <a:r>
-              <a:rPr lang="en-US" sz="1800" b="0" i="0" u="none" strike="noStrike" baseline="0" dirty="0">
-                <a:latin typeface="WarnockPro-Regular"/>
-              </a:rPr>
-              <a:t> If the hacker can get a copy of the user account database on a flash drive, the hacker can then take that away with them and try to crack the passwords </a:t>
-            </a:r>
-            <a:r>
-              <a:rPr lang="en-US" sz="1800" b="0" i="1" u="none" strike="noStrike" baseline="0" dirty="0">
-                <a:latin typeface="WarnockPro-It"/>
-              </a:rPr>
-              <a:t>offline</a:t>
-            </a:r>
-            <a:r>
-              <a:rPr lang="en-US" sz="1800" b="0" i="0" u="none" strike="noStrike" baseline="0" dirty="0">
-                <a:latin typeface="WarnockPro-Regular"/>
-              </a:rPr>
-              <a:t>.</a:t>
+              <a:t>known-plaintext attack (KPA)</a:t>
+            </a:r>
+            <a:r>
+              <a:rPr lang="en-US" sz="1800" b="0" i="0" u="none" strike="noStrike" baseline="0" dirty="0">
+                <a:latin typeface="WarnockPro-Regular"/>
+              </a:rPr>
+              <a:t>, or unencrypted attack.</a:t>
+            </a:r>
+          </a:p>
+          <a:p>
+            <a:pPr algn="l"/>
+            <a:r>
+              <a:rPr lang="en-US" sz="1800" b="0" i="0" u="none" strike="noStrike" baseline="0" dirty="0">
+                <a:latin typeface="WarnockPro-Regular"/>
+              </a:rPr>
+              <a:t> With a known-plaintext attack, the hacker knows the plaintext value of a password (known as the crib) and the corresponding encrypted version (known as ciphertext). </a:t>
+            </a:r>
+          </a:p>
+          <a:p>
+            <a:pPr algn="l"/>
+            <a:r>
+              <a:rPr lang="en-US" sz="1800" b="0" i="0" u="none" strike="noStrike" baseline="0" dirty="0">
+                <a:latin typeface="WarnockPro-Regular"/>
+              </a:rPr>
+              <a:t>With this information, the hacker can then work on figuring out the encryption keys and other passwords.</a:t>
             </a:r>
             <a:endParaRPr lang="en-US" dirty="0"/>
           </a:p>
@@ -17746,7 +17895,7 @@
           <p:cNvPr id="4" name="Slide Number Placeholder 3">
             <a:extLst>
               <a:ext uri="{FF2B5EF4-FFF2-40B4-BE49-F238E27FC236}">
-                <a16:creationId xmlns:a16="http://schemas.microsoft.com/office/drawing/2014/main" id="{F80F4928-085B-C4BC-C703-590AC79AFDE8}"/>
+                <a16:creationId xmlns:a16="http://schemas.microsoft.com/office/drawing/2014/main" id="{6F4B8D00-BC27-DED4-2366-BE07B37033D1}"/>
               </a:ext>
             </a:extLst>
           </p:cNvPr>
@@ -17773,7 +17922,7 @@
     </p:spTree>
     <p:extLst>
       <p:ext uri="{BB962C8B-B14F-4D97-AF65-F5344CB8AC3E}">
-        <p14:creationId xmlns:p14="http://schemas.microsoft.com/office/powerpoint/2010/main" val="3569653183"/>
+        <p14:creationId xmlns:p14="http://schemas.microsoft.com/office/powerpoint/2010/main" val="4197327808"/>
       </p:ext>
     </p:extLst>
   </p:cSld>
@@ -17805,7 +17954,7 @@
           <p:cNvPr id="2" name="Title 1">
             <a:extLst>
               <a:ext uri="{FF2B5EF4-FFF2-40B4-BE49-F238E27FC236}">
-                <a16:creationId xmlns:a16="http://schemas.microsoft.com/office/drawing/2014/main" id="{FB22B1ED-3BFF-2ABE-7494-A85411E283E5}"/>
+                <a16:creationId xmlns:a16="http://schemas.microsoft.com/office/drawing/2014/main" id="{319349C5-8D38-BB83-6F87-F7375D886C5B}"/>
               </a:ext>
             </a:extLst>
           </p:cNvPr>
@@ -17823,7 +17972,7 @@
           <a:p>
             <a:r>
               <a:rPr lang="en-US" dirty="0"/>
-              <a:t>Other Password Attack</a:t>
+              <a:t>Online vs Offline Attack</a:t>
             </a:r>
           </a:p>
         </p:txBody>
@@ -17833,7 +17982,7 @@
           <p:cNvPr id="3" name="Content Placeholder 2">
             <a:extLst>
               <a:ext uri="{FF2B5EF4-FFF2-40B4-BE49-F238E27FC236}">
-                <a16:creationId xmlns:a16="http://schemas.microsoft.com/office/drawing/2014/main" id="{71CC6291-AB03-3EC0-8DA7-D9651AF0DF80}"/>
+                <a16:creationId xmlns:a16="http://schemas.microsoft.com/office/drawing/2014/main" id="{0527FFF1-17AB-7442-0E29-F2D0173F727D}"/>
               </a:ext>
             </a:extLst>
           </p:cNvPr>
@@ -17846,90 +17995,68 @@
         </p:nvSpPr>
         <p:spPr/>
         <p:txBody>
-          <a:bodyPr>
-            <a:normAutofit/>
-          </a:bodyPr>
-          <a:lstStyle/>
-          <a:p>
-            <a:pPr algn="l"/>
-            <a:r>
-              <a:rPr lang="en-US" b="0" i="0" u="none" strike="noStrike" baseline="0" dirty="0">
-                <a:latin typeface="WarnockPro-Regular"/>
-              </a:rPr>
-              <a:t>Replay Attack:</a:t>
-            </a:r>
-          </a:p>
-          <a:p>
-            <a:pPr lvl="1"/>
-            <a:r>
-              <a:rPr lang="en-US" sz="1800" b="0" i="0" u="none" strike="noStrike" baseline="0" dirty="0">
-                <a:latin typeface="WarnockPro-Regular"/>
-              </a:rPr>
-              <a:t>A password replay attack is when the hacker eavesdrops on a conversation and captures the password hash being sent from a client system to the server. </a:t>
-            </a:r>
-          </a:p>
-          <a:p>
-            <a:pPr lvl="1"/>
-            <a:r>
-              <a:rPr lang="en-US" sz="1800" b="0" i="0" u="none" strike="noStrike" baseline="0" dirty="0">
-                <a:latin typeface="WarnockPro-Regular"/>
-              </a:rPr>
-              <a:t>Once</a:t>
-            </a:r>
-            <a:r>
-              <a:rPr lang="en-US" sz="1800" dirty="0">
-                <a:latin typeface="WarnockPro-Regular"/>
-              </a:rPr>
-              <a:t> </a:t>
-            </a:r>
-            <a:r>
-              <a:rPr lang="en-US" sz="1800" b="0" i="0" u="none" strike="noStrike" baseline="0" dirty="0">
-                <a:latin typeface="WarnockPro-Regular"/>
-              </a:rPr>
-              <a:t>the hacker has the hash value, they then use that to impersonate the original client and access the server.</a:t>
-            </a:r>
-          </a:p>
-          <a:p>
-            <a:pPr lvl="1"/>
-            <a:endParaRPr lang="en-US" sz="1800" dirty="0">
-              <a:latin typeface="WarnockPro-Regular"/>
-            </a:endParaRPr>
-          </a:p>
-          <a:p>
-            <a:r>
-              <a:rPr lang="en-US" dirty="0">
-                <a:latin typeface="WarnockPro-Regular"/>
-              </a:rPr>
-              <a:t>Weak Implementation:</a:t>
-            </a:r>
-          </a:p>
-          <a:p>
-            <a:pPr lvl="1"/>
-            <a:r>
-              <a:rPr lang="en-US" sz="1800" b="0" i="0" u="none" strike="noStrike" baseline="0" dirty="0">
-                <a:latin typeface="WarnockPro-Regular"/>
-              </a:rPr>
-              <a:t>Passwords can be encrypted to protect the plaintext value, but sometimes the encryption is not performed in the best way possible.</a:t>
-            </a:r>
-          </a:p>
-          <a:p>
-            <a:pPr lvl="1"/>
-            <a:r>
-              <a:rPr lang="en-US" sz="1800" b="0" i="0" u="none" strike="noStrike" baseline="0" dirty="0">
-                <a:latin typeface="WarnockPro-Regular"/>
-              </a:rPr>
-              <a:t>For example, the Windows passwords are hashed in the SAM database, but they are broken into two seven-character hashes.</a:t>
-            </a:r>
-          </a:p>
-          <a:p>
-            <a:pPr lvl="1"/>
-            <a:r>
-              <a:rPr lang="en-US" sz="1800" b="0" i="0" u="none" strike="noStrike" baseline="0" dirty="0">
-                <a:latin typeface="WarnockPro-Regular"/>
-              </a:rPr>
-              <a:t> This allows the hacker to determine very easily if someone has a password of fewer than eight characters because the last part of the password hash would be the same for all of those passwords.</a:t>
-            </a:r>
-            <a:endParaRPr lang="en-US" sz="1800" dirty="0"/>
+          <a:bodyPr/>
+          <a:lstStyle/>
+          <a:p>
+            <a:pPr algn="l"/>
+            <a:r>
+              <a:rPr lang="en-US" sz="1800" b="0" i="0" u="none" strike="noStrike" baseline="0" dirty="0">
+                <a:latin typeface="WarnockPro-Regular"/>
+              </a:rPr>
+              <a:t>As mentioned earlier, password attacks can be either online or offline.</a:t>
+            </a:r>
+          </a:p>
+          <a:p>
+            <a:pPr algn="l"/>
+            <a:r>
+              <a:rPr lang="en-US" sz="1800" b="0" i="0" u="none" strike="noStrike" baseline="0" dirty="0">
+                <a:latin typeface="WarnockPro-Regular"/>
+              </a:rPr>
+              <a:t> With an </a:t>
+            </a:r>
+            <a:r>
+              <a:rPr lang="en-US" sz="1800" b="0" i="1" u="none" strike="noStrike" baseline="0" dirty="0">
+                <a:latin typeface="WarnockPro-It"/>
+              </a:rPr>
+              <a:t>online attack, </a:t>
+            </a:r>
+            <a:r>
+              <a:rPr lang="en-US" sz="1800" b="0" i="0" u="none" strike="noStrike" baseline="0" dirty="0">
+                <a:latin typeface="WarnockPro-Regular"/>
+              </a:rPr>
+              <a:t>the hacker is trying to crack the password against the live system.</a:t>
+            </a:r>
+          </a:p>
+          <a:p>
+            <a:pPr algn="l"/>
+            <a:r>
+              <a:rPr lang="en-US" sz="1800" b="0" i="0" u="none" strike="noStrike" baseline="0" dirty="0">
+                <a:latin typeface="WarnockPro-Regular"/>
+              </a:rPr>
+              <a:t> The problem with this is that the hacker risks getting detected and locking out the accounts.</a:t>
+            </a:r>
+          </a:p>
+          <a:p>
+            <a:pPr algn="l"/>
+            <a:r>
+              <a:rPr lang="en-US" sz="1800" b="0" i="0" u="none" strike="noStrike" baseline="0" dirty="0">
+                <a:latin typeface="WarnockPro-Regular"/>
+              </a:rPr>
+              <a:t> If the hacker can get a copy of the user account database on a flash drive, the hacker can then take that away with them and try to crack the passwords </a:t>
+            </a:r>
+            <a:r>
+              <a:rPr lang="en-US" sz="1800" b="0" i="1" u="none" strike="noStrike" baseline="0" dirty="0">
+                <a:latin typeface="WarnockPro-It"/>
+              </a:rPr>
+              <a:t>offline</a:t>
+            </a:r>
+            <a:r>
+              <a:rPr lang="en-US" sz="1800" b="0" i="0" u="none" strike="noStrike" baseline="0" dirty="0">
+                <a:latin typeface="WarnockPro-Regular"/>
+              </a:rPr>
+              <a:t>.</a:t>
+            </a:r>
+            <a:endParaRPr lang="en-US" dirty="0"/>
           </a:p>
         </p:txBody>
       </p:sp>
@@ -17938,7 +18065,7 @@
           <p:cNvPr id="4" name="Slide Number Placeholder 3">
             <a:extLst>
               <a:ext uri="{FF2B5EF4-FFF2-40B4-BE49-F238E27FC236}">
-                <a16:creationId xmlns:a16="http://schemas.microsoft.com/office/drawing/2014/main" id="{F9AAD242-B282-3642-D1F1-B353962ECA78}"/>
+                <a16:creationId xmlns:a16="http://schemas.microsoft.com/office/drawing/2014/main" id="{F80F4928-085B-C4BC-C703-590AC79AFDE8}"/>
               </a:ext>
             </a:extLst>
           </p:cNvPr>
@@ -17965,7 +18092,7 @@
     </p:spTree>
     <p:extLst>
       <p:ext uri="{BB962C8B-B14F-4D97-AF65-F5344CB8AC3E}">
-        <p14:creationId xmlns:p14="http://schemas.microsoft.com/office/powerpoint/2010/main" val="2468980744"/>
+        <p14:creationId xmlns:p14="http://schemas.microsoft.com/office/powerpoint/2010/main" val="3569653183"/>
       </p:ext>
     </p:extLst>
   </p:cSld>
@@ -17997,7 +18124,7 @@
           <p:cNvPr id="2" name="Title 1">
             <a:extLst>
               <a:ext uri="{FF2B5EF4-FFF2-40B4-BE49-F238E27FC236}">
-                <a16:creationId xmlns:a16="http://schemas.microsoft.com/office/drawing/2014/main" id="{17B65788-4957-980A-67ED-E58CA950E4F2}"/>
+                <a16:creationId xmlns:a16="http://schemas.microsoft.com/office/drawing/2014/main" id="{FB22B1ED-3BFF-2ABE-7494-A85411E283E5}"/>
               </a:ext>
             </a:extLst>
           </p:cNvPr>
@@ -18015,7 +18142,7 @@
           <a:p>
             <a:r>
               <a:rPr lang="en-US" dirty="0"/>
-              <a:t>Cryptographic Attack and Concept</a:t>
+              <a:t>Other Password Attack</a:t>
             </a:r>
           </a:p>
         </p:txBody>
@@ -18025,7 +18152,7 @@
           <p:cNvPr id="3" name="Content Placeholder 2">
             <a:extLst>
               <a:ext uri="{FF2B5EF4-FFF2-40B4-BE49-F238E27FC236}">
-                <a16:creationId xmlns:a16="http://schemas.microsoft.com/office/drawing/2014/main" id="{F19A49A1-E0EF-EAB1-5D14-4EA21314029C}"/>
+                <a16:creationId xmlns:a16="http://schemas.microsoft.com/office/drawing/2014/main" id="{71CC6291-AB03-3EC0-8DA7-D9651AF0DF80}"/>
               </a:ext>
             </a:extLst>
           </p:cNvPr>
@@ -18043,9 +18170,12 @@
           </a:bodyPr>
           <a:lstStyle/>
           <a:p>
-            <a:r>
-              <a:rPr lang="en-US" dirty="0"/>
-              <a:t>Birthday:</a:t>
+            <a:pPr algn="l"/>
+            <a:r>
+              <a:rPr lang="en-US" b="0" i="0" u="none" strike="noStrike" baseline="0" dirty="0">
+                <a:latin typeface="WarnockPro-Regular"/>
+              </a:rPr>
+              <a:t>Replay Attack:</a:t>
             </a:r>
           </a:p>
           <a:p>
@@ -18054,19 +18184,7 @@
               <a:rPr lang="en-US" sz="1800" b="0" i="0" u="none" strike="noStrike" baseline="0" dirty="0">
                 <a:latin typeface="WarnockPro-Regular"/>
               </a:rPr>
-              <a:t>A </a:t>
-            </a:r>
-            <a:r>
-              <a:rPr lang="en-US" sz="1800" b="0" i="1" u="none" strike="noStrike" baseline="0" dirty="0">
-                <a:latin typeface="WarnockPro-It"/>
-              </a:rPr>
-              <a:t>birthday attack </a:t>
-            </a:r>
-            <a:r>
-              <a:rPr lang="en-US" sz="1800" b="0" i="0" u="none" strike="noStrike" baseline="0" dirty="0">
-                <a:latin typeface="WarnockPro-Regular"/>
-              </a:rPr>
-              <a:t>is a type of attack performed on hashing functions.</a:t>
+              <a:t>A password replay attack is when the hacker eavesdrops on a conversation and captures the password hash being sent from a client system to the server. </a:t>
             </a:r>
           </a:p>
           <a:p>
@@ -18075,63 +18193,62 @@
               <a:rPr lang="en-US" sz="1800" b="0" i="0" u="none" strike="noStrike" baseline="0" dirty="0">
                 <a:latin typeface="WarnockPro-Regular"/>
               </a:rPr>
-              <a:t> It has been found that if you try enough data input, you will find that two different data inputs generate the same hash value. </a:t>
+              <a:t>Once</a:t>
+            </a:r>
+            <a:r>
+              <a:rPr lang="en-US" sz="1800" dirty="0">
+                <a:latin typeface="WarnockPro-Regular"/>
+              </a:rPr>
+              <a:t> </a:t>
+            </a:r>
+            <a:r>
+              <a:rPr lang="en-US" sz="1800" b="0" i="0" u="none" strike="noStrike" baseline="0" dirty="0">
+                <a:latin typeface="WarnockPro-Regular"/>
+              </a:rPr>
+              <a:t>the hacker has the hash value, they then use that to impersonate the original client and access the server.</a:t>
             </a:r>
           </a:p>
           <a:p>
             <a:pPr lvl="1"/>
-            <a:r>
-              <a:rPr lang="en-US" sz="1800" b="0" i="0" u="none" strike="noStrike" baseline="0" dirty="0">
-                <a:latin typeface="WarnockPro-Regular"/>
-              </a:rPr>
-              <a:t>This is known as a birthday attack because the theory is based on the fact that when you select a large, random group of people, you will have people with duplicate birth dates.</a:t>
-            </a:r>
-          </a:p>
-          <a:p>
-            <a:pPr algn="l"/>
-            <a:r>
-              <a:rPr lang="en-US" sz="2000" b="1" i="0" u="none" strike="noStrike" baseline="0" dirty="0">
-                <a:latin typeface="MyriadPro-Bold"/>
-              </a:rPr>
-              <a:t>Collision and Downgrade Attacks</a:t>
+            <a:endParaRPr lang="en-US" sz="1800" dirty="0">
+              <a:latin typeface="WarnockPro-Regular"/>
+            </a:endParaRPr>
+          </a:p>
+          <a:p>
+            <a:r>
+              <a:rPr lang="en-US" dirty="0">
+                <a:latin typeface="WarnockPro-Regular"/>
+              </a:rPr>
+              <a:t>Weak Implementation:</a:t>
             </a:r>
           </a:p>
           <a:p>
             <a:pPr lvl="1"/>
             <a:r>
-              <a:rPr lang="en-US" sz="1600" b="0" i="0" u="none" strike="noStrike" baseline="0" dirty="0">
-                <a:latin typeface="WarnockPro-Regular"/>
-              </a:rPr>
-              <a:t>Hashing protocols are known to create collisions, which is when two different pieces of data create the same hash value. </a:t>
+              <a:rPr lang="en-US" sz="1800" b="0" i="0" u="none" strike="noStrike" baseline="0" dirty="0">
+                <a:latin typeface="WarnockPro-Regular"/>
+              </a:rPr>
+              <a:t>Passwords can be encrypted to protect the plaintext value, but sometimes the encryption is not performed in the best way possible.</a:t>
             </a:r>
           </a:p>
           <a:p>
             <a:pPr lvl="1"/>
             <a:r>
-              <a:rPr lang="en-US" sz="1600" b="0" i="0" u="none" strike="noStrike" baseline="0" dirty="0">
-                <a:latin typeface="WarnockPro-Regular"/>
-              </a:rPr>
-              <a:t>The higher number of bits the hash value is, the less of a chance there is that two different pieces of data create the same hash value.</a:t>
+              <a:rPr lang="en-US" sz="1800" b="0" i="0" u="none" strike="noStrike" baseline="0" dirty="0">
+                <a:latin typeface="WarnockPro-Regular"/>
+              </a:rPr>
+              <a:t>For example, the Windows passwords are hashed in the SAM database, but they are broken into two seven-character hashes.</a:t>
             </a:r>
           </a:p>
           <a:p>
             <a:pPr lvl="1"/>
             <a:r>
-              <a:rPr lang="en-US" sz="1600" b="0" i="0" u="none" strike="noStrike" baseline="0" dirty="0">
-                <a:latin typeface="WarnockPro-Regular"/>
-              </a:rPr>
-              <a:t>A downgrade attack is a cryptography attack where the attacker forces a network connection between two systems to drop the high-quality encryption protocol and go with a less secure encryption protocol.</a:t>
-            </a:r>
-          </a:p>
-          <a:p>
-            <a:pPr lvl="1"/>
-            <a:r>
-              <a:rPr lang="en-US" sz="1600" b="0" i="0" u="none" strike="noStrike" baseline="0" dirty="0">
-                <a:latin typeface="WarnockPro-Regular"/>
-              </a:rPr>
-              <a:t> The attacker does this so that they have better chances of cracking the weaker encrypted communication.</a:t>
-            </a:r>
-            <a:endParaRPr lang="en-US" sz="1600" dirty="0"/>
+              <a:rPr lang="en-US" sz="1800" b="0" i="0" u="none" strike="noStrike" baseline="0" dirty="0">
+                <a:latin typeface="WarnockPro-Regular"/>
+              </a:rPr>
+              <a:t> This allows the hacker to determine very easily if someone has a password of fewer than eight characters because the last part of the password hash would be the same for all of those passwords.</a:t>
+            </a:r>
+            <a:endParaRPr lang="en-US" sz="1800" dirty="0"/>
           </a:p>
         </p:txBody>
       </p:sp>
@@ -18140,7 +18257,7 @@
           <p:cNvPr id="4" name="Slide Number Placeholder 3">
             <a:extLst>
               <a:ext uri="{FF2B5EF4-FFF2-40B4-BE49-F238E27FC236}">
-                <a16:creationId xmlns:a16="http://schemas.microsoft.com/office/drawing/2014/main" id="{3FFD3328-5433-4133-2733-FB36D7229AA1}"/>
+                <a16:creationId xmlns:a16="http://schemas.microsoft.com/office/drawing/2014/main" id="{F9AAD242-B282-3642-D1F1-B353962ECA78}"/>
               </a:ext>
             </a:extLst>
           </p:cNvPr>
@@ -18167,7 +18284,7 @@
     </p:spTree>
     <p:extLst>
       <p:ext uri="{BB962C8B-B14F-4D97-AF65-F5344CB8AC3E}">
-        <p14:creationId xmlns:p14="http://schemas.microsoft.com/office/powerpoint/2010/main" val="3554016491"/>
+        <p14:creationId xmlns:p14="http://schemas.microsoft.com/office/powerpoint/2010/main" val="2468980744"/>
       </p:ext>
     </p:extLst>
   </p:cSld>
@@ -18199,7 +18316,7 @@
           <p:cNvPr id="2" name="Title 1">
             <a:extLst>
               <a:ext uri="{FF2B5EF4-FFF2-40B4-BE49-F238E27FC236}">
-                <a16:creationId xmlns:a16="http://schemas.microsoft.com/office/drawing/2014/main" id="{4CAB7451-CF2B-04E1-ED7B-6BA526495DE7}"/>
+                <a16:creationId xmlns:a16="http://schemas.microsoft.com/office/drawing/2014/main" id="{17B65788-4957-980A-67ED-E58CA950E4F2}"/>
               </a:ext>
             </a:extLst>
           </p:cNvPr>
@@ -18217,7 +18334,7 @@
           <a:p>
             <a:r>
               <a:rPr lang="en-US" dirty="0"/>
-              <a:t>Preventing Password Attack</a:t>
+              <a:t>Cryptographic Attack and Concept</a:t>
             </a:r>
           </a:p>
         </p:txBody>
@@ -18227,7 +18344,7 @@
           <p:cNvPr id="3" name="Content Placeholder 2">
             <a:extLst>
               <a:ext uri="{FF2B5EF4-FFF2-40B4-BE49-F238E27FC236}">
-                <a16:creationId xmlns:a16="http://schemas.microsoft.com/office/drawing/2014/main" id="{E58A4132-E3FB-415F-A420-C0965704E4C3}"/>
+                <a16:creationId xmlns:a16="http://schemas.microsoft.com/office/drawing/2014/main" id="{F19A49A1-E0EF-EAB1-5D14-4EA21314029C}"/>
               </a:ext>
             </a:extLst>
           </p:cNvPr>
@@ -18245,92 +18362,95 @@
           </a:bodyPr>
           <a:lstStyle/>
           <a:p>
-            <a:pPr algn="l"/>
-            <a:r>
-              <a:rPr lang="en-US" sz="1800" b="0" i="0" u="none" strike="noStrike" baseline="0" dirty="0">
-                <a:latin typeface="WarnockPro-Regular"/>
-              </a:rPr>
-              <a:t>Understanding how to prevent password attacks in your environment is an important skill for any security professional.</a:t>
-            </a:r>
-          </a:p>
-          <a:p>
-            <a:pPr algn="l"/>
-            <a:r>
-              <a:rPr lang="en-US" sz="1800" b="0" i="0" u="none" strike="noStrike" baseline="0" dirty="0">
-                <a:latin typeface="WarnockPro-Regular"/>
-              </a:rPr>
-              <a:t>To prevent dictionary attacks against your systems, you must implement a strong password policy and require users to use complex passwords. A </a:t>
+            <a:r>
+              <a:rPr lang="en-US" dirty="0"/>
+              <a:t>Birthday:</a:t>
+            </a:r>
+          </a:p>
+          <a:p>
+            <a:pPr lvl="1"/>
+            <a:r>
+              <a:rPr lang="en-US" sz="1800" b="0" i="0" u="none" strike="noStrike" baseline="0" dirty="0">
+                <a:latin typeface="WarnockPro-Regular"/>
+              </a:rPr>
+              <a:t>A </a:t>
             </a:r>
             <a:r>
               <a:rPr lang="en-US" sz="1800" b="0" i="1" u="none" strike="noStrike" baseline="0" dirty="0">
                 <a:latin typeface="WarnockPro-It"/>
               </a:rPr>
-              <a:t>complex password </a:t>
-            </a:r>
-            <a:r>
-              <a:rPr lang="en-US" sz="1800" b="0" i="0" u="none" strike="noStrike" baseline="0" dirty="0">
-                <a:latin typeface="WarnockPro-Regular"/>
-              </a:rPr>
-              <a:t>is a password that has a mix of uppercase and lowercase characters, and it uses numbers and symbols.</a:t>
-            </a:r>
-          </a:p>
-          <a:p>
-            <a:pPr algn="l"/>
-            <a:r>
-              <a:rPr lang="en-US" sz="1800" b="0" i="0" u="none" strike="noStrike" baseline="0" dirty="0">
-                <a:latin typeface="WarnockPro-Regular"/>
-              </a:rPr>
-              <a:t> You should also ensure that users are creating passwords that are at least eight characters in length.</a:t>
-            </a:r>
-          </a:p>
-          <a:p>
-            <a:pPr algn="l"/>
-            <a:r>
-              <a:rPr lang="en-US" sz="1800" b="0" i="0" u="none" strike="noStrike" baseline="0" dirty="0">
-                <a:latin typeface="WarnockPro-Regular"/>
-              </a:rPr>
-              <a:t>Implementing password complexity will not protect your systems from brute-force attacks, so you must implement an account lockout policy to protect your systems from them.</a:t>
-            </a:r>
-          </a:p>
-          <a:p>
-            <a:pPr algn="l"/>
-            <a:r>
-              <a:rPr lang="en-US" sz="1800" b="0" i="0" u="none" strike="noStrike" baseline="0" dirty="0">
-                <a:latin typeface="WarnockPro-Regular"/>
-              </a:rPr>
-              <a:t> If you use an </a:t>
-            </a:r>
-            <a:r>
-              <a:rPr lang="en-US" sz="1800" b="0" i="1" u="none" strike="noStrike" baseline="0" dirty="0">
-                <a:latin typeface="WarnockPro-It"/>
-              </a:rPr>
-              <a:t>account lockout policy, </a:t>
-            </a:r>
-            <a:r>
-              <a:rPr lang="en-US" sz="1800" b="0" i="0" u="none" strike="noStrike" baseline="0" dirty="0">
-                <a:latin typeface="WarnockPro-Regular"/>
-              </a:rPr>
-              <a:t>after a certain number of bad logons, the account is locked out and cannot be used until the administrator unlocks it. Most companies implement an account lockout policy that locks an account after the third bad logon attempt. The account lockout policy takes the time away that is required to perform a </a:t>
-            </a:r>
-            <a:r>
-              <a:rPr lang="en-US" sz="1800" b="0" i="0" u="none" strike="noStrike" baseline="0" dirty="0" err="1">
-                <a:latin typeface="WarnockPro-Regular"/>
-              </a:rPr>
-              <a:t>bruteforce</a:t>
-            </a:r>
-            <a:r>
-              <a:rPr lang="en-US" sz="1800" dirty="0">
-                <a:latin typeface="WarnockPro-Regular"/>
-              </a:rPr>
-              <a:t> </a:t>
-            </a:r>
-            <a:r>
-              <a:rPr lang="en-US" sz="1800" b="0" i="0" u="none" strike="noStrike" baseline="0" dirty="0">
-                <a:latin typeface="WarnockPro-Regular"/>
-              </a:rPr>
-              <a:t>attack; after the third bad logon attempt, the account is locked.</a:t>
-            </a:r>
-            <a:endParaRPr lang="en-US" dirty="0"/>
+              <a:t>birthday attack </a:t>
+            </a:r>
+            <a:r>
+              <a:rPr lang="en-US" sz="1800" b="0" i="0" u="none" strike="noStrike" baseline="0" dirty="0">
+                <a:latin typeface="WarnockPro-Regular"/>
+              </a:rPr>
+              <a:t>is a type of attack performed on hashing functions.</a:t>
+            </a:r>
+          </a:p>
+          <a:p>
+            <a:pPr lvl="1"/>
+            <a:r>
+              <a:rPr lang="en-US" sz="1800" b="0" i="0" u="none" strike="noStrike" baseline="0" dirty="0">
+                <a:latin typeface="WarnockPro-Regular"/>
+              </a:rPr>
+              <a:t> It has been found that if you try enough data input, you will find that two different data inputs generate the same hash value. </a:t>
+            </a:r>
+          </a:p>
+          <a:p>
+            <a:pPr lvl="1"/>
+            <a:r>
+              <a:rPr lang="en-US" sz="1800" b="0" i="0" u="none" strike="noStrike" baseline="0" dirty="0">
+                <a:latin typeface="WarnockPro-Regular"/>
+              </a:rPr>
+              <a:t>This is known as a birthday attack because the theory is based on the fact that when you select a large, random group of people, you will have people with duplicate birth dates.</a:t>
+            </a:r>
+          </a:p>
+          <a:p>
+            <a:pPr algn="l"/>
+            <a:r>
+              <a:rPr lang="en-US" sz="2000" b="1" i="0" u="none" strike="noStrike" baseline="0" dirty="0">
+                <a:latin typeface="MyriadPro-Bold"/>
+              </a:rPr>
+              <a:t>Collision and Downgrade Attacks</a:t>
+            </a:r>
+          </a:p>
+          <a:p>
+            <a:pPr lvl="1"/>
+            <a:r>
+              <a:rPr lang="en-US" sz="1600" b="0" i="0" u="none" strike="noStrike" baseline="0" dirty="0">
+                <a:latin typeface="WarnockPro-Regular"/>
+              </a:rPr>
+              <a:t>Hashing protocols are known to create collisions, which is when two different pieces of data create the same hash value. </a:t>
+            </a:r>
+          </a:p>
+          <a:p>
+            <a:pPr lvl="1"/>
+            <a:r>
+              <a:rPr lang="en-US" sz="1600" b="0" i="0" u="none" strike="noStrike" baseline="0" dirty="0">
+                <a:latin typeface="WarnockPro-Regular"/>
+              </a:rPr>
+              <a:t>The higher number of bits the hash value is, the less of a chance there is that two different pieces of data create the same hash value.</a:t>
+            </a:r>
+          </a:p>
+          <a:p>
+            <a:pPr lvl="1"/>
+            <a:r>
+              <a:rPr lang="en-US" sz="1600" b="0" i="0" u="none" strike="noStrike" baseline="0" dirty="0">
+                <a:latin typeface="WarnockPro-Regular"/>
+              </a:rPr>
+              <a:t>A downgrade attack is a cryptography attack where the attacker forces a network connection between two systems to drop the high-quality encryption protocol and go with a less secure encryption protocol.</a:t>
+            </a:r>
+          </a:p>
+          <a:p>
+            <a:pPr lvl="1"/>
+            <a:r>
+              <a:rPr lang="en-US" sz="1600" b="0" i="0" u="none" strike="noStrike" baseline="0" dirty="0">
+                <a:latin typeface="WarnockPro-Regular"/>
+              </a:rPr>
+              <a:t> The attacker does this so that they have better chances of cracking the weaker encrypted communication.</a:t>
+            </a:r>
+            <a:endParaRPr lang="en-US" sz="1600" dirty="0"/>
           </a:p>
         </p:txBody>
       </p:sp>
@@ -18339,7 +18459,7 @@
           <p:cNvPr id="4" name="Slide Number Placeholder 3">
             <a:extLst>
               <a:ext uri="{FF2B5EF4-FFF2-40B4-BE49-F238E27FC236}">
-                <a16:creationId xmlns:a16="http://schemas.microsoft.com/office/drawing/2014/main" id="{6FE55C2E-8184-BC41-7DCB-AA9EDFE31DEC}"/>
+                <a16:creationId xmlns:a16="http://schemas.microsoft.com/office/drawing/2014/main" id="{3FFD3328-5433-4133-2733-FB36D7229AA1}"/>
               </a:ext>
             </a:extLst>
           </p:cNvPr>
@@ -18358,6 +18478,241 @@
             <a:fld id="{FC2796C6-C8C3-4F4E-867E-E65A363F7472}" type="slidenum">
               <a:rPr lang="en-US" smtClean="0"/>
               <a:t>57</a:t>
+            </a:fld>
+            <a:endParaRPr lang="en-US"/>
+          </a:p>
+        </p:txBody>
+      </p:sp>
+    </p:spTree>
+    <p:extLst>
+      <p:ext uri="{BB962C8B-B14F-4D97-AF65-F5344CB8AC3E}">
+        <p14:creationId xmlns:p14="http://schemas.microsoft.com/office/powerpoint/2010/main" val="3554016491"/>
+      </p:ext>
+    </p:extLst>
+  </p:cSld>
+  <p:clrMapOvr>
+    <a:masterClrMapping/>
+  </p:clrMapOvr>
+</p:sld>
+</file>
+
+<file path=ppt/slides/slide58.xml><?xml version="1.0" encoding="utf-8"?>
+<p:sld xmlns:a="http://schemas.openxmlformats.org/drawingml/2006/main" xmlns:r="http://schemas.openxmlformats.org/officeDocument/2006/relationships" xmlns:p="http://schemas.openxmlformats.org/presentationml/2006/main">
+  <p:cSld>
+    <p:spTree>
+      <p:nvGrpSpPr>
+        <p:cNvPr id="1" name=""/>
+        <p:cNvGrpSpPr/>
+        <p:nvPr/>
+      </p:nvGrpSpPr>
+      <p:grpSpPr>
+        <a:xfrm>
+          <a:off x="0" y="0"/>
+          <a:ext cx="0" cy="0"/>
+          <a:chOff x="0" y="0"/>
+          <a:chExt cx="0" cy="0"/>
+        </a:xfrm>
+      </p:grpSpPr>
+      <p:sp>
+        <p:nvSpPr>
+          <p:cNvPr id="2" name="Title 1">
+            <a:extLst>
+              <a:ext uri="{FF2B5EF4-FFF2-40B4-BE49-F238E27FC236}">
+                <a16:creationId xmlns:a16="http://schemas.microsoft.com/office/drawing/2014/main" id="{4CAB7451-CF2B-04E1-ED7B-6BA526495DE7}"/>
+              </a:ext>
+            </a:extLst>
+          </p:cNvPr>
+          <p:cNvSpPr>
+            <a:spLocks noGrp="1"/>
+          </p:cNvSpPr>
+          <p:nvPr>
+            <p:ph type="title"/>
+          </p:nvPr>
+        </p:nvSpPr>
+        <p:spPr/>
+        <p:txBody>
+          <a:bodyPr/>
+          <a:lstStyle/>
+          <a:p>
+            <a:r>
+              <a:rPr lang="en-US" dirty="0"/>
+              <a:t>Preventing Password Attack</a:t>
+            </a:r>
+          </a:p>
+        </p:txBody>
+      </p:sp>
+      <p:sp>
+        <p:nvSpPr>
+          <p:cNvPr id="3" name="Content Placeholder 2">
+            <a:extLst>
+              <a:ext uri="{FF2B5EF4-FFF2-40B4-BE49-F238E27FC236}">
+                <a16:creationId xmlns:a16="http://schemas.microsoft.com/office/drawing/2014/main" id="{E58A4132-E3FB-415F-A420-C0965704E4C3}"/>
+              </a:ext>
+            </a:extLst>
+          </p:cNvPr>
+          <p:cNvSpPr>
+            <a:spLocks noGrp="1"/>
+          </p:cNvSpPr>
+          <p:nvPr>
+            <p:ph idx="1"/>
+          </p:nvPr>
+        </p:nvSpPr>
+        <p:spPr/>
+        <p:txBody>
+          <a:bodyPr>
+            <a:normAutofit/>
+          </a:bodyPr>
+          <a:lstStyle/>
+          <a:p>
+            <a:pPr algn="l"/>
+            <a:r>
+              <a:rPr lang="en-US" sz="1800" b="0" i="0" u="none" strike="noStrike" baseline="0" dirty="0">
+                <a:latin typeface="WarnockPro-Regular"/>
+              </a:rPr>
+              <a:t>Understanding how to prevent password attacks in your environment is an important skill for any security professional.</a:t>
+            </a:r>
+          </a:p>
+          <a:p>
+            <a:pPr algn="l"/>
+            <a:r>
+              <a:rPr lang="en-US" sz="1800" b="0" i="0" u="none" strike="noStrike" baseline="0" dirty="0">
+                <a:latin typeface="WarnockPro-Regular"/>
+              </a:rPr>
+              <a:t>To prevent dictionary attacks against your systems, you must implement a strong password policy and require users to use complex passwords. A </a:t>
+            </a:r>
+            <a:r>
+              <a:rPr lang="en-US" sz="1800" b="0" i="1" u="none" strike="noStrike" baseline="0" dirty="0">
+                <a:latin typeface="WarnockPro-It"/>
+              </a:rPr>
+              <a:t>complex password </a:t>
+            </a:r>
+            <a:r>
+              <a:rPr lang="en-US" sz="1800" b="0" i="0" u="none" strike="noStrike" baseline="0" dirty="0">
+                <a:latin typeface="WarnockPro-Regular"/>
+              </a:rPr>
+              <a:t>is a password that has a mix of uppercase and lowercase characters, and it uses numbers and symbols.</a:t>
+            </a:r>
+          </a:p>
+          <a:p>
+            <a:pPr algn="l"/>
+            <a:r>
+              <a:rPr lang="en-US" sz="1800" b="0" i="0" u="none" strike="noStrike" baseline="0" dirty="0">
+                <a:latin typeface="WarnockPro-Regular"/>
+              </a:rPr>
+              <a:t> You should also ensure that users are creating passwords that are at least eight characters in length.</a:t>
+            </a:r>
+          </a:p>
+          <a:p>
+            <a:pPr algn="l"/>
+            <a:r>
+              <a:rPr lang="en-US" sz="1800" b="0" i="0" u="none" strike="noStrike" baseline="0" dirty="0">
+                <a:latin typeface="WarnockPro-Regular"/>
+              </a:rPr>
+              <a:t>Implementing password complexity will not protect your systems from brute-force attacks, so you must implement an </a:t>
+            </a:r>
+            <a:r>
+              <a:rPr lang="en-US" sz="1800" b="1" i="0" u="none" strike="noStrike" baseline="0" dirty="0">
+                <a:solidFill>
+                  <a:srgbClr val="FF0000"/>
+                </a:solidFill>
+                <a:latin typeface="WarnockPro-Regular"/>
+              </a:rPr>
+              <a:t>account lockout policy</a:t>
+            </a:r>
+            <a:r>
+              <a:rPr lang="en-US" sz="1800" b="0" i="0" u="none" strike="noStrike" baseline="0" dirty="0">
+                <a:latin typeface="WarnockPro-Regular"/>
+              </a:rPr>
+              <a:t> to protect your systems from them.</a:t>
+            </a:r>
+          </a:p>
+          <a:p>
+            <a:pPr algn="l"/>
+            <a:r>
+              <a:rPr lang="en-US" sz="1800" b="0" i="0" u="none" strike="noStrike" baseline="0" dirty="0">
+                <a:latin typeface="WarnockPro-Regular"/>
+              </a:rPr>
+              <a:t> If you use an </a:t>
+            </a:r>
+            <a:r>
+              <a:rPr lang="en-US" sz="1800" b="0" i="1" u="none" strike="noStrike" baseline="0" dirty="0">
+                <a:latin typeface="WarnockPro-It"/>
+              </a:rPr>
+              <a:t>account lockout policy, </a:t>
+            </a:r>
+            <a:r>
+              <a:rPr lang="en-US" sz="1800" b="0" i="0" u="none" strike="noStrike" baseline="0" dirty="0">
+                <a:latin typeface="WarnockPro-Regular"/>
+              </a:rPr>
+              <a:t>after a certain number of bad logons, the account is locked out and cannot be used until the administrator unlocks it</a:t>
+            </a:r>
+            <a:r>
+              <a:rPr lang="en-US" sz="1800" b="0" i="0" u="none" strike="noStrike" baseline="0">
+                <a:latin typeface="WarnockPro-Regular"/>
+              </a:rPr>
+              <a:t>. </a:t>
+            </a:r>
+          </a:p>
+          <a:p>
+            <a:pPr algn="l"/>
+            <a:r>
+              <a:rPr lang="en-US" sz="1800" b="0" i="0" u="none" strike="noStrike" baseline="0">
+                <a:latin typeface="WarnockPro-Regular"/>
+              </a:rPr>
+              <a:t>Most </a:t>
+            </a:r>
+            <a:r>
+              <a:rPr lang="en-US" sz="1800" b="0" i="0" u="none" strike="noStrike" baseline="0" dirty="0">
+                <a:latin typeface="WarnockPro-Regular"/>
+              </a:rPr>
+              <a:t>companies implement an account lockout policy that locks an account after the third bad logon attempt. The account lockout policy takes the time away that is required to perform a </a:t>
+            </a:r>
+            <a:r>
+              <a:rPr lang="en-US" sz="1800" b="0" i="0" u="none" strike="noStrike" baseline="0" dirty="0" err="1">
+                <a:latin typeface="WarnockPro-Regular"/>
+              </a:rPr>
+              <a:t>bruteforce</a:t>
+            </a:r>
+            <a:r>
+              <a:rPr lang="en-US" sz="1800" dirty="0">
+                <a:latin typeface="WarnockPro-Regular"/>
+              </a:rPr>
+              <a:t> </a:t>
+            </a:r>
+            <a:r>
+              <a:rPr lang="en-US" sz="1800" b="0" i="0" u="none" strike="noStrike" baseline="0" dirty="0">
+                <a:latin typeface="WarnockPro-Regular"/>
+              </a:rPr>
+              <a:t>attack; after the third bad logon attempt, the account is locked.</a:t>
+            </a:r>
+            <a:endParaRPr lang="en-US" dirty="0"/>
+          </a:p>
+        </p:txBody>
+      </p:sp>
+      <p:sp>
+        <p:nvSpPr>
+          <p:cNvPr id="4" name="Slide Number Placeholder 3">
+            <a:extLst>
+              <a:ext uri="{FF2B5EF4-FFF2-40B4-BE49-F238E27FC236}">
+                <a16:creationId xmlns:a16="http://schemas.microsoft.com/office/drawing/2014/main" id="{6FE55C2E-8184-BC41-7DCB-AA9EDFE31DEC}"/>
+              </a:ext>
+            </a:extLst>
+          </p:cNvPr>
+          <p:cNvSpPr>
+            <a:spLocks noGrp="1"/>
+          </p:cNvSpPr>
+          <p:nvPr>
+            <p:ph type="sldNum" sz="quarter" idx="12"/>
+          </p:nvPr>
+        </p:nvSpPr>
+        <p:spPr/>
+        <p:txBody>
+          <a:bodyPr/>
+          <a:lstStyle/>
+          <a:p>
+            <a:fld id="{FC2796C6-C8C3-4F4E-867E-E65A363F7472}" type="slidenum">
+              <a:rPr lang="en-US" smtClean="0"/>
+              <a:t>58</a:t>
             </a:fld>
             <a:endParaRPr lang="en-US"/>
           </a:p>

--- a/Semester 2/Applied Cyber Security/Lecture/L4.pptx
+++ b/Semester 2/Applied Cyber Security/Lecture/L4.pptx
@@ -254,7 +254,7 @@
           <a:p>
             <a:fld id="{FBEE6CC4-A7E2-4AF2-A6CB-E1374A1C9837}" type="datetimeFigureOut">
               <a:rPr lang="en-US" smtClean="0"/>
-              <a:t>5/3/2025</a:t>
+              <a:t>6/17/2025</a:t>
             </a:fld>
             <a:endParaRPr lang="en-US"/>
           </a:p>
@@ -782,7 +782,7 @@
           <a:p>
             <a:fld id="{05DA4F57-5BD8-46EE-A9E5-AB3CA653DA99}" type="datetime1">
               <a:rPr lang="en-US" smtClean="0"/>
-              <a:t>5/3/2025</a:t>
+              <a:t>6/17/2025</a:t>
             </a:fld>
             <a:endParaRPr lang="en-US"/>
           </a:p>
@@ -980,7 +980,7 @@
           <a:p>
             <a:fld id="{FBB31C63-25B9-4D3C-82BA-EC0978478739}" type="datetime1">
               <a:rPr lang="en-US" smtClean="0"/>
-              <a:t>5/3/2025</a:t>
+              <a:t>6/17/2025</a:t>
             </a:fld>
             <a:endParaRPr lang="en-US"/>
           </a:p>
@@ -1188,7 +1188,7 @@
           <a:p>
             <a:fld id="{7402DB6A-3F12-49C0-A4C1-B0A0D37C1EDB}" type="datetime1">
               <a:rPr lang="en-US" smtClean="0"/>
-              <a:t>5/3/2025</a:t>
+              <a:t>6/17/2025</a:t>
             </a:fld>
             <a:endParaRPr lang="en-US"/>
           </a:p>
@@ -1386,7 +1386,7 @@
           <a:p>
             <a:fld id="{95319002-C508-4568-8A5B-B3CC11C019FA}" type="datetime1">
               <a:rPr lang="en-US" smtClean="0"/>
-              <a:t>5/3/2025</a:t>
+              <a:t>6/17/2025</a:t>
             </a:fld>
             <a:endParaRPr lang="en-US"/>
           </a:p>
@@ -1661,7 +1661,7 @@
           <a:p>
             <a:fld id="{F5CF55FE-4FEC-4FF0-8E2A-F61726BD9337}" type="datetime1">
               <a:rPr lang="en-US" smtClean="0"/>
-              <a:t>5/3/2025</a:t>
+              <a:t>6/17/2025</a:t>
             </a:fld>
             <a:endParaRPr lang="en-US"/>
           </a:p>
@@ -1926,7 +1926,7 @@
           <a:p>
             <a:fld id="{5DE9248B-269A-4B79-9CF7-C83C06E1669E}" type="datetime1">
               <a:rPr lang="en-US" smtClean="0"/>
-              <a:t>5/3/2025</a:t>
+              <a:t>6/17/2025</a:t>
             </a:fld>
             <a:endParaRPr lang="en-US"/>
           </a:p>
@@ -2338,7 +2338,7 @@
           <a:p>
             <a:fld id="{25593AEE-3B41-4F1F-B1D1-1F65630166A6}" type="datetime1">
               <a:rPr lang="en-US" smtClean="0"/>
-              <a:t>5/3/2025</a:t>
+              <a:t>6/17/2025</a:t>
             </a:fld>
             <a:endParaRPr lang="en-US"/>
           </a:p>
@@ -2479,7 +2479,7 @@
           <a:p>
             <a:fld id="{33C617F4-71EF-49DB-8020-7949DE3B8E61}" type="datetime1">
               <a:rPr lang="en-US" smtClean="0"/>
-              <a:t>5/3/2025</a:t>
+              <a:t>6/17/2025</a:t>
             </a:fld>
             <a:endParaRPr lang="en-US"/>
           </a:p>
@@ -2592,7 +2592,7 @@
           <a:p>
             <a:fld id="{05E0F5F5-B183-4BDB-8AA8-131E42C68F45}" type="datetime1">
               <a:rPr lang="en-US" smtClean="0"/>
-              <a:t>5/3/2025</a:t>
+              <a:t>6/17/2025</a:t>
             </a:fld>
             <a:endParaRPr lang="en-US"/>
           </a:p>
@@ -2903,7 +2903,7 @@
           <a:p>
             <a:fld id="{5ED91D25-CCCE-4C69-A4CC-5AA2BC59CDB5}" type="datetime1">
               <a:rPr lang="en-US" smtClean="0"/>
-              <a:t>5/3/2025</a:t>
+              <a:t>6/17/2025</a:t>
             </a:fld>
             <a:endParaRPr lang="en-US"/>
           </a:p>
@@ -3191,7 +3191,7 @@
           <a:p>
             <a:fld id="{2EF88B9C-AC9E-4C10-A0FE-DE527EE858E8}" type="datetime1">
               <a:rPr lang="en-US" smtClean="0"/>
-              <a:t>5/3/2025</a:t>
+              <a:t>6/17/2025</a:t>
             </a:fld>
             <a:endParaRPr lang="en-US"/>
           </a:p>
@@ -3432,7 +3432,7 @@
           <a:p>
             <a:fld id="{B7BEE97B-4E17-41F5-9BAE-69848B93B6C1}" type="datetime1">
               <a:rPr lang="en-US" smtClean="0"/>
-              <a:t>5/3/2025</a:t>
+              <a:t>6/17/2025</a:t>
             </a:fld>
             <a:endParaRPr lang="en-US"/>
           </a:p>
@@ -3967,31 +3967,6 @@
       </p:grpSpPr>
       <p:sp>
         <p:nvSpPr>
-          <p:cNvPr id="2" name="Title 1">
-            <a:extLst>
-              <a:ext uri="{FF2B5EF4-FFF2-40B4-BE49-F238E27FC236}">
-                <a16:creationId xmlns:a16="http://schemas.microsoft.com/office/drawing/2014/main" id="{DCF1EF66-0229-1E9D-769E-56A9D4CD5B28}"/>
-              </a:ext>
-            </a:extLst>
-          </p:cNvPr>
-          <p:cNvSpPr>
-            <a:spLocks noGrp="1"/>
-          </p:cNvSpPr>
-          <p:nvPr>
-            <p:ph type="title"/>
-          </p:nvPr>
-        </p:nvSpPr>
-        <p:spPr/>
-        <p:txBody>
-          <a:bodyPr/>
-          <a:lstStyle/>
-          <a:p>
-            <a:endParaRPr lang="en-US"/>
-          </a:p>
-        </p:txBody>
-      </p:sp>
-      <p:sp>
-        <p:nvSpPr>
           <p:cNvPr id="3" name="Content Placeholder 2">
             <a:extLst>
               <a:ext uri="{FF2B5EF4-FFF2-40B4-BE49-F238E27FC236}">
@@ -4006,16 +3981,21 @@
             <p:ph idx="1"/>
           </p:nvPr>
         </p:nvSpPr>
-        <p:spPr/>
+        <p:spPr>
+          <a:xfrm>
+            <a:off x="441592" y="470549"/>
+            <a:ext cx="11324421" cy="5974317"/>
+          </a:xfrm>
+        </p:spPr>
         <p:txBody>
           <a:bodyPr>
-            <a:normAutofit fontScale="92500" lnSpcReduction="20000"/>
+            <a:normAutofit fontScale="92500" lnSpcReduction="10000"/>
           </a:bodyPr>
           <a:lstStyle/>
           <a:p>
-            <a:pPr algn="l"/>
-            <a:r>
-              <a:rPr lang="en-US" sz="2000" b="1" i="0" u="none" strike="noStrike" baseline="0" dirty="0">
+            <a:pPr algn="just"/>
+            <a:r>
+              <a:rPr lang="en-US" b="1" i="0" u="none" strike="noStrike" baseline="0" dirty="0">
                 <a:solidFill>
                   <a:srgbClr val="00B0F0"/>
                 </a:solidFill>
@@ -4025,9 +4005,9 @@
             </a:r>
           </a:p>
           <a:p>
-            <a:pPr algn="l"/>
-            <a:r>
-              <a:rPr lang="en-US" sz="1800" b="1" i="0" u="none" strike="noStrike" baseline="0" dirty="0">
+            <a:pPr algn="just"/>
+            <a:r>
+              <a:rPr lang="en-US" sz="2400" b="1" i="0" u="none" strike="noStrike" baseline="0" dirty="0">
                 <a:solidFill>
                   <a:srgbClr val="000000"/>
                 </a:solidFill>
@@ -4036,7 +4016,7 @@
               <a:t> </a:t>
             </a:r>
             <a:r>
-              <a:rPr lang="en-US" sz="1800" b="0" i="0" u="none" strike="noStrike" baseline="0" dirty="0">
+              <a:rPr lang="en-US" sz="2400" b="0" i="0" u="none" strike="noStrike" baseline="0" dirty="0">
                 <a:solidFill>
                   <a:srgbClr val="000000"/>
                 </a:solidFill>
@@ -4046,21 +4026,54 @@
             </a:r>
           </a:p>
           <a:p>
-            <a:pPr algn="l"/>
+            <a:pPr algn="just"/>
+            <a:r>
+              <a:rPr lang="en-US" sz="3200" b="1" i="0" u="none" strike="noStrike" baseline="0" dirty="0">
+                <a:solidFill>
+                  <a:srgbClr val="00B0F0"/>
+                </a:solidFill>
+                <a:latin typeface="WarnockPro-Bold"/>
+              </a:rPr>
+              <a:t>Eliciting information</a:t>
+            </a:r>
+          </a:p>
+          <a:p>
+            <a:pPr algn="just"/>
             <a:r>
               <a:rPr lang="en-US" sz="2400" b="1" i="0" u="none" strike="noStrike" baseline="0" dirty="0">
                 <a:solidFill>
+                  <a:srgbClr val="000000"/>
+                </a:solidFill>
+                <a:latin typeface="WarnockPro-Bold"/>
+              </a:rPr>
+              <a:t> </a:t>
+            </a:r>
+            <a:r>
+              <a:rPr lang="en-US" sz="2400" b="0" i="0" u="none" strike="noStrike" baseline="0" dirty="0">
+                <a:solidFill>
+                  <a:srgbClr val="000000"/>
+                </a:solidFill>
+                <a:latin typeface="WarnockPro-Regular"/>
+              </a:rPr>
+              <a:t>Eliciting information occurs when the attacker uses social engineering techniques to obtain information from a user that could be used in a future attack.</a:t>
+            </a:r>
+          </a:p>
+          <a:p>
+            <a:pPr algn="just"/>
+            <a:r>
+              <a:rPr lang="en-US" sz="3200" b="1" i="0" u="none" strike="noStrike" baseline="0" dirty="0">
+                <a:solidFill>
                   <a:srgbClr val="00B0F0"/>
                 </a:solidFill>
                 <a:latin typeface="WarnockPro-Bold"/>
               </a:rPr>
-              <a:t>Eliciting information</a:t>
-            </a:r>
-          </a:p>
-          <a:p>
-            <a:pPr algn="l"/>
-            <a:r>
-              <a:rPr lang="en-US" sz="1800" b="1" i="0" u="none" strike="noStrike" baseline="0" dirty="0">
+              <a:t>Prepending</a:t>
+            </a:r>
+          </a:p>
+          <a:p>
+            <a:pPr algn="just"/>
+            <a:r>
+              <a:rPr lang="en-US" sz="2400" b="1" i="0" u="none" strike="noStrike" baseline="0" dirty="0">
                 <a:solidFill>
                   <a:srgbClr val="000000"/>
                 </a:solidFill>
@@ -4069,115 +4082,75 @@
               <a:t> </a:t>
             </a:r>
             <a:r>
-              <a:rPr lang="en-US" sz="1800" b="0" i="0" u="none" strike="noStrike" baseline="0" dirty="0">
+              <a:rPr lang="en-US" sz="2400" b="0" i="0" u="none" strike="noStrike" baseline="0" dirty="0">
                 <a:solidFill>
                   <a:srgbClr val="000000"/>
                 </a:solidFill>
                 <a:latin typeface="WarnockPro-Regular"/>
               </a:rPr>
-              <a:t>Eliciting information occurs when the attacker uses social engineering techniques to obtain information from a user that could be used in a future attack.</a:t>
-            </a:r>
-          </a:p>
-          <a:p>
-            <a:pPr algn="l"/>
-            <a:r>
-              <a:rPr lang="en-US" sz="2400" b="1" i="0" u="none" strike="noStrike" baseline="0" dirty="0">
+              <a:t>Prepending is when information is added to the beginning of malicious data. </a:t>
+            </a:r>
+            <a:r>
+              <a:rPr lang="en-US" sz="2400" dirty="0">
+                <a:solidFill>
+                  <a:srgbClr val="000000"/>
+                </a:solidFill>
+                <a:latin typeface="WarnockPro-Regular"/>
+              </a:rPr>
+              <a:t>One common prepending attack example is tacking malware onto legitimate files or documents. Cybercriminals may prepend a malicious script or program to something like a PDF or Word doc. When the file is opened, the harmful code hidden through prepending activates, potentially exposing the system.</a:t>
+            </a:r>
+          </a:p>
+          <a:p>
+            <a:pPr algn="just"/>
+            <a:r>
+              <a:rPr lang="en-US" sz="2400" dirty="0">
+                <a:solidFill>
+                  <a:srgbClr val="000000"/>
+                </a:solidFill>
+                <a:latin typeface="WarnockPro-Regular"/>
+              </a:rPr>
+              <a:t>For example: a valid URL like </a:t>
+            </a:r>
+            <a:r>
+              <a:rPr lang="en-US" sz="2400" dirty="0">
                 <a:solidFill>
                   <a:srgbClr val="00B0F0"/>
                 </a:solidFill>
-                <a:latin typeface="WarnockPro-Bold"/>
-              </a:rPr>
-              <a:t>Prepending</a:t>
-            </a:r>
-          </a:p>
-          <a:p>
-            <a:r>
-              <a:rPr lang="en-US" sz="1800" b="1" i="0" u="none" strike="noStrike" baseline="0" dirty="0">
+                <a:latin typeface="WarnockPro-Regular"/>
+              </a:rPr>
+              <a:t>https://example.com/login</a:t>
+            </a:r>
+            <a:r>
+              <a:rPr lang="en-US" sz="2400" dirty="0">
                 <a:solidFill>
                   <a:srgbClr val="000000"/>
                 </a:solidFill>
-                <a:latin typeface="WarnockPro-Bold"/>
-              </a:rPr>
-              <a:t> </a:t>
-            </a:r>
-            <a:r>
-              <a:rPr lang="en-US" sz="1900" b="0" i="0" u="none" strike="noStrike" baseline="0" dirty="0">
+                <a:latin typeface="WarnockPro-Regular"/>
+              </a:rPr>
+              <a:t>  could be altered to something like </a:t>
+            </a:r>
+            <a:r>
+              <a:rPr lang="en-US" sz="2400" dirty="0">
+                <a:solidFill>
+                  <a:srgbClr val="00B0F0"/>
+                </a:solidFill>
+                <a:latin typeface="WarnockPro-Regular"/>
+              </a:rPr>
+              <a:t>https://malicious-site.com/https://example.com/login</a:t>
+            </a:r>
+            <a:r>
+              <a:rPr lang="en-US" sz="2400" dirty="0">
                 <a:solidFill>
                   <a:srgbClr val="000000"/>
                 </a:solidFill>
                 <a:latin typeface="WarnockPro-Regular"/>
               </a:rPr>
-              <a:t>Prepending is when information is added to the beginning of malicious data.</a:t>
-            </a:r>
-            <a:r>
-              <a:rPr lang="en-US" sz="1800" b="0" i="0" u="none" strike="noStrike" baseline="0" dirty="0">
-                <a:solidFill>
-                  <a:srgbClr val="000000"/>
-                </a:solidFill>
-                <a:latin typeface="WarnockPro-Regular"/>
-              </a:rPr>
-              <a:t> </a:t>
-            </a:r>
-            <a:r>
-              <a:rPr lang="en-US" sz="1900" dirty="0">
-                <a:solidFill>
-                  <a:srgbClr val="000000"/>
-                </a:solidFill>
-                <a:latin typeface="WarnockPro-Regular"/>
-              </a:rPr>
-              <a:t>One common prepending attack example is tacking malware onto legitimate files or documents. Cybercriminals may prepend a malicious script or program to something like a PDF or Word doc. When the file is opened, the harmful code hidden through prepending activates, potentially exposing the system.</a:t>
-            </a:r>
-          </a:p>
-          <a:p>
-            <a:r>
-              <a:rPr lang="en-US" sz="1900" dirty="0">
-                <a:solidFill>
-                  <a:srgbClr val="000000"/>
-                </a:solidFill>
-                <a:latin typeface="WarnockPro-Regular"/>
-              </a:rPr>
-              <a:t>For example: a valid URL like </a:t>
-            </a:r>
-            <a:r>
-              <a:rPr lang="en-US" sz="1900" dirty="0">
-                <a:solidFill>
-                  <a:srgbClr val="00B0F0"/>
-                </a:solidFill>
-                <a:latin typeface="WarnockPro-Regular"/>
-              </a:rPr>
-              <a:t>https://example.com/login</a:t>
-            </a:r>
-            <a:r>
-              <a:rPr lang="en-US" sz="1900" dirty="0">
-                <a:solidFill>
-                  <a:srgbClr val="000000"/>
-                </a:solidFill>
-                <a:latin typeface="WarnockPro-Regular"/>
-              </a:rPr>
-              <a:t>  could be altered to something like </a:t>
-            </a:r>
-            <a:r>
-              <a:rPr lang="en-US" sz="1900" dirty="0">
-                <a:solidFill>
-                  <a:srgbClr val="00B0F0"/>
-                </a:solidFill>
-                <a:latin typeface="WarnockPro-Regular"/>
-              </a:rPr>
-              <a:t>https://malicious-site.com/https://example.com/login</a:t>
-            </a:r>
-            <a:r>
-              <a:rPr lang="en-US" sz="1900" dirty="0">
-                <a:solidFill>
-                  <a:srgbClr val="000000"/>
-                </a:solidFill>
-                <a:latin typeface="WarnockPro-Regular"/>
-              </a:rPr>
               <a:t> . When clicked, the user is redirected to the attacker's site first, where harmful actions like credential theft or malware installation occur.</a:t>
             </a:r>
           </a:p>
           <a:p>
-            <a:pPr algn="l"/>
-            <a:endParaRPr lang="en-US" sz="1800" b="0" i="0" u="none" strike="noStrike" baseline="0" dirty="0">
+            <a:pPr algn="just"/>
+            <a:endParaRPr lang="en-US" sz="2400" b="0" i="0" u="none" strike="noStrike" baseline="0" dirty="0">
               <a:solidFill>
                 <a:srgbClr val="000000"/>
               </a:solidFill>
@@ -4247,31 +4220,6 @@
       </p:grpSpPr>
       <p:sp>
         <p:nvSpPr>
-          <p:cNvPr id="2" name="Title 1">
-            <a:extLst>
-              <a:ext uri="{FF2B5EF4-FFF2-40B4-BE49-F238E27FC236}">
-                <a16:creationId xmlns:a16="http://schemas.microsoft.com/office/drawing/2014/main" id="{9D4F80C2-D19F-857D-3D1A-3A62BC9F97F1}"/>
-              </a:ext>
-            </a:extLst>
-          </p:cNvPr>
-          <p:cNvSpPr>
-            <a:spLocks noGrp="1"/>
-          </p:cNvSpPr>
-          <p:nvPr>
-            <p:ph type="title"/>
-          </p:nvPr>
-        </p:nvSpPr>
-        <p:spPr/>
-        <p:txBody>
-          <a:bodyPr/>
-          <a:lstStyle/>
-          <a:p>
-            <a:endParaRPr lang="en-US"/>
-          </a:p>
-        </p:txBody>
-      </p:sp>
-      <p:sp>
-        <p:nvSpPr>
           <p:cNvPr id="3" name="Content Placeholder 2">
             <a:extLst>
               <a:ext uri="{FF2B5EF4-FFF2-40B4-BE49-F238E27FC236}">
@@ -4286,16 +4234,21 @@
             <p:ph idx="1"/>
           </p:nvPr>
         </p:nvSpPr>
-        <p:spPr/>
+        <p:spPr>
+          <a:xfrm>
+            <a:off x="496676" y="448516"/>
+            <a:ext cx="11159169" cy="5907833"/>
+          </a:xfrm>
+        </p:spPr>
         <p:txBody>
           <a:bodyPr>
             <a:normAutofit/>
           </a:bodyPr>
           <a:lstStyle/>
           <a:p>
-            <a:pPr algn="l"/>
-            <a:r>
-              <a:rPr lang="en-US" sz="2800" b="1" i="0" u="none" strike="noStrike" baseline="0" dirty="0">
+            <a:pPr algn="just"/>
+            <a:r>
+              <a:rPr lang="en-US" sz="3600" b="1" i="0" u="none" strike="noStrike" baseline="0" dirty="0">
                 <a:solidFill>
                   <a:srgbClr val="00B0F0"/>
                 </a:solidFill>
@@ -4305,9 +4258,9 @@
             </a:r>
           </a:p>
           <a:p>
-            <a:pPr algn="l"/>
-            <a:r>
-              <a:rPr lang="en-US" sz="2800" b="1" i="0" u="none" strike="noStrike" baseline="0" dirty="0">
+            <a:pPr algn="just"/>
+            <a:r>
+              <a:rPr lang="en-US" sz="3600" b="1" i="0" u="none" strike="noStrike" baseline="0" dirty="0">
                 <a:solidFill>
                   <a:srgbClr val="000000"/>
                 </a:solidFill>
@@ -4316,7 +4269,7 @@
               <a:t> </a:t>
             </a:r>
             <a:r>
-              <a:rPr lang="en-US" sz="1800" dirty="0">
+              <a:rPr lang="en-US" sz="2400" dirty="0">
                 <a:solidFill>
                   <a:srgbClr val="000000"/>
                 </a:solidFill>
@@ -4326,9 +4279,9 @@
             </a:r>
           </a:p>
           <a:p>
-            <a:pPr algn="l"/>
-            <a:r>
-              <a:rPr lang="en-US" b="1" i="0" u="none" strike="noStrike" baseline="0" dirty="0">
+            <a:pPr algn="just"/>
+            <a:r>
+              <a:rPr lang="en-US" sz="3600" b="1" i="0" u="none" strike="noStrike" baseline="0" dirty="0">
                 <a:solidFill>
                   <a:srgbClr val="00B0F0"/>
                 </a:solidFill>
@@ -4338,9 +4291,9 @@
             </a:r>
           </a:p>
           <a:p>
-            <a:pPr algn="l"/>
-            <a:r>
-              <a:rPr lang="en-US" sz="1800" b="1" i="0" u="none" strike="noStrike" baseline="0" dirty="0">
+            <a:pPr algn="just"/>
+            <a:r>
+              <a:rPr lang="en-US" sz="2400" b="1" i="0" u="none" strike="noStrike" baseline="0" dirty="0">
                 <a:solidFill>
                   <a:srgbClr val="000000"/>
                 </a:solidFill>
@@ -4349,7 +4302,7 @@
               <a:t> </a:t>
             </a:r>
             <a:r>
-              <a:rPr lang="en-US" sz="1800" b="0" i="0" u="none" strike="noStrike" baseline="0" dirty="0">
+              <a:rPr lang="en-US" sz="2400" b="0" i="0" u="none" strike="noStrike" baseline="0" dirty="0">
                 <a:solidFill>
                   <a:srgbClr val="000000"/>
                 </a:solidFill>
@@ -4359,9 +4312,9 @@
             </a:r>
           </a:p>
           <a:p>
-            <a:pPr algn="l"/>
-            <a:r>
-              <a:rPr lang="en-US" b="1" i="0" u="none" strike="noStrike" baseline="0" dirty="0">
+            <a:pPr algn="just"/>
+            <a:r>
+              <a:rPr lang="en-US" sz="3600" b="1" i="0" u="none" strike="noStrike" baseline="0" dirty="0">
                 <a:solidFill>
                   <a:srgbClr val="00B0F0"/>
                 </a:solidFill>
@@ -4371,9 +4324,9 @@
             </a:r>
           </a:p>
           <a:p>
-            <a:pPr algn="l"/>
-            <a:r>
-              <a:rPr lang="en-US" sz="1800" b="1" i="0" u="none" strike="noStrike" baseline="0" dirty="0">
+            <a:pPr algn="just"/>
+            <a:r>
+              <a:rPr lang="en-US" sz="2400" b="1" i="0" u="none" strike="noStrike" baseline="0" dirty="0">
                 <a:solidFill>
                   <a:srgbClr val="000000"/>
                 </a:solidFill>
@@ -4382,7 +4335,7 @@
               <a:t> </a:t>
             </a:r>
             <a:r>
-              <a:rPr lang="en-US" sz="1800" b="0" i="0" u="none" strike="noStrike" baseline="0" dirty="0">
+              <a:rPr lang="en-US" sz="2400" b="0" i="0" u="none" strike="noStrike" baseline="0" dirty="0">
                 <a:solidFill>
                   <a:srgbClr val="000000"/>
                 </a:solidFill>
@@ -4390,10 +4343,11 @@
               </a:rPr>
               <a:t>Credential harvesting is when the attacker collects logon information and then uses that information later to access your account.</a:t>
             </a:r>
-            <a:endParaRPr lang="en-US" dirty="0"/>
-          </a:p>
-          <a:p>
-            <a:endParaRPr lang="en-US" dirty="0"/>
+            <a:endParaRPr lang="en-US" sz="3600" dirty="0"/>
+          </a:p>
+          <a:p>
+            <a:pPr algn="just"/>
+            <a:endParaRPr lang="en-US" sz="3600" dirty="0"/>
           </a:p>
         </p:txBody>
       </p:sp>
@@ -4458,31 +4412,6 @@
       </p:grpSpPr>
       <p:sp>
         <p:nvSpPr>
-          <p:cNvPr id="2" name="Title 1">
-            <a:extLst>
-              <a:ext uri="{FF2B5EF4-FFF2-40B4-BE49-F238E27FC236}">
-                <a16:creationId xmlns:a16="http://schemas.microsoft.com/office/drawing/2014/main" id="{7BB5AB58-76E1-8CCE-6A1D-D1BE319B9F48}"/>
-              </a:ext>
-            </a:extLst>
-          </p:cNvPr>
-          <p:cNvSpPr>
-            <a:spLocks noGrp="1"/>
-          </p:cNvSpPr>
-          <p:nvPr>
-            <p:ph type="title"/>
-          </p:nvPr>
-        </p:nvSpPr>
-        <p:spPr/>
-        <p:txBody>
-          <a:bodyPr/>
-          <a:lstStyle/>
-          <a:p>
-            <a:endParaRPr lang="en-US"/>
-          </a:p>
-        </p:txBody>
-      </p:sp>
-      <p:sp>
-        <p:nvSpPr>
           <p:cNvPr id="3" name="Content Placeholder 2">
             <a:extLst>
               <a:ext uri="{FF2B5EF4-FFF2-40B4-BE49-F238E27FC236}">
@@ -4497,15 +4426,20 @@
             <p:ph idx="1"/>
           </p:nvPr>
         </p:nvSpPr>
-        <p:spPr/>
+        <p:spPr>
+          <a:xfrm>
+            <a:off x="705997" y="988343"/>
+            <a:ext cx="10515600" cy="4351338"/>
+          </a:xfrm>
+        </p:spPr>
         <p:txBody>
           <a:bodyPr>
-            <a:normAutofit/>
+            <a:normAutofit lnSpcReduction="10000"/>
           </a:bodyPr>
           <a:lstStyle/>
           <a:p>
-            <a:pPr algn="l"/>
-            <a:endParaRPr lang="en-US" b="1" i="0" u="none" strike="noStrike" baseline="0" dirty="0">
+            <a:pPr algn="just"/>
+            <a:endParaRPr lang="en-US" sz="3600" b="1" i="0" u="none" strike="noStrike" baseline="0" dirty="0">
               <a:solidFill>
                 <a:srgbClr val="00B0F0"/>
               </a:solidFill>
@@ -4513,9 +4447,9 @@
             </a:endParaRPr>
           </a:p>
           <a:p>
-            <a:pPr algn="l"/>
-            <a:r>
-              <a:rPr lang="en-US" b="0" i="0" u="none" strike="noStrike" baseline="0" dirty="0">
+            <a:pPr algn="just"/>
+            <a:r>
+              <a:rPr lang="en-US" sz="3600" b="0" i="0" u="none" strike="noStrike" baseline="0" dirty="0">
                 <a:solidFill>
                   <a:srgbClr val="00B0F0"/>
                 </a:solidFill>
@@ -4524,7 +4458,7 @@
               <a:t> </a:t>
             </a:r>
             <a:r>
-              <a:rPr lang="en-US" b="1" i="0" u="none" strike="noStrike" baseline="0" dirty="0">
+              <a:rPr lang="en-US" sz="3600" b="1" i="0" u="none" strike="noStrike" baseline="0" dirty="0">
                 <a:solidFill>
                   <a:srgbClr val="00B0F0"/>
                 </a:solidFill>
@@ -4534,9 +4468,9 @@
             </a:r>
           </a:p>
           <a:p>
-            <a:pPr algn="l"/>
-            <a:r>
-              <a:rPr lang="en-US" sz="1800" b="1" i="0" u="none" strike="noStrike" baseline="0" dirty="0">
+            <a:pPr algn="just"/>
+            <a:r>
+              <a:rPr lang="en-US" sz="2400" b="1" i="0" u="none" strike="noStrike" baseline="0" dirty="0">
                 <a:solidFill>
                   <a:srgbClr val="000000"/>
                 </a:solidFill>
@@ -4545,7 +4479,7 @@
               <a:t> </a:t>
             </a:r>
             <a:r>
-              <a:rPr lang="en-US" sz="2400" b="0" i="1" u="none" strike="noStrike" baseline="0" dirty="0">
+              <a:rPr lang="en-US" sz="3200" b="0" i="1" u="none" strike="noStrike" baseline="0" dirty="0">
                 <a:solidFill>
                   <a:srgbClr val="000000"/>
                 </a:solidFill>
@@ -4554,7 +4488,7 @@
               <a:t>Influence campaigns </a:t>
             </a:r>
             <a:r>
-              <a:rPr lang="en-US" sz="2400" b="0" i="0" u="none" strike="noStrike" baseline="0" dirty="0">
+              <a:rPr lang="en-US" sz="3200" b="0" i="0" u="none" strike="noStrike" baseline="0" dirty="0">
                 <a:solidFill>
                   <a:srgbClr val="000000"/>
                 </a:solidFill>
@@ -4564,9 +4498,9 @@
             </a:r>
           </a:p>
           <a:p>
-            <a:pPr algn="l"/>
-            <a:r>
-              <a:rPr lang="en-US" sz="2400" b="0" i="1" u="none" strike="noStrike" baseline="0" dirty="0">
+            <a:pPr algn="just"/>
+            <a:r>
+              <a:rPr lang="en-US" sz="3200" b="0" i="1" u="none" strike="noStrike" baseline="0" dirty="0">
                 <a:solidFill>
                   <a:srgbClr val="000000"/>
                 </a:solidFill>
@@ -4575,7 +4509,7 @@
               <a:t>Hybrid warfare </a:t>
             </a:r>
             <a:r>
-              <a:rPr lang="en-US" sz="2400" b="0" i="0" u="none" strike="noStrike" baseline="0" dirty="0">
+              <a:rPr lang="en-US" sz="3200" b="0" i="0" u="none" strike="noStrike" baseline="0" dirty="0">
                 <a:solidFill>
                   <a:srgbClr val="000000"/>
                 </a:solidFill>
@@ -4585,8 +4519,8 @@
             </a:r>
           </a:p>
           <a:p>
-            <a:pPr algn="l"/>
-            <a:endParaRPr lang="en-US" sz="1800" b="1" i="0" u="none" strike="noStrike" baseline="0" dirty="0">
+            <a:pPr algn="just"/>
+            <a:endParaRPr lang="en-US" sz="2400" b="1" i="0" u="none" strike="noStrike" baseline="0" dirty="0">
               <a:solidFill>
                 <a:srgbClr val="FF0000"/>
               </a:solidFill>
@@ -4710,9 +4644,9 @@
           </a:bodyPr>
           <a:lstStyle/>
           <a:p>
-            <a:pPr algn="l"/>
-            <a:r>
-              <a:rPr lang="en-US" sz="2400" b="1" i="1" u="none" strike="noStrike" baseline="0" dirty="0">
+            <a:pPr algn="just"/>
+            <a:r>
+              <a:rPr lang="en-US" b="1" i="1" u="none" strike="noStrike" baseline="0" dirty="0">
                 <a:solidFill>
                   <a:srgbClr val="00B050"/>
                 </a:solidFill>
@@ -4721,22 +4655,22 @@
               <a:t>Shoulder surfing</a:t>
             </a:r>
             <a:r>
-              <a:rPr lang="en-US" sz="2400" b="0" i="1" u="none" strike="noStrike" baseline="0" dirty="0">
+              <a:rPr lang="en-US" b="0" i="1" u="none" strike="noStrike" baseline="0" dirty="0">
                 <a:latin typeface="WarnockPro-It"/>
               </a:rPr>
               <a:t> </a:t>
             </a:r>
             <a:r>
-              <a:rPr lang="en-US" sz="2400" b="0" i="0" u="none" strike="noStrike" baseline="0" dirty="0">
+              <a:rPr lang="en-US" b="0" i="0" u="none" strike="noStrike" baseline="0" dirty="0">
                 <a:latin typeface="WarnockPro-Regular"/>
               </a:rPr>
               <a:t>is when the hacker tries to view confidential information or information that may help the attacker compromise security by looking over employees’ shoulders to see information either on their desk or on the computer screen.</a:t>
             </a:r>
           </a:p>
           <a:p>
-            <a:pPr algn="l"/>
-            <a:r>
-              <a:rPr lang="en-US" sz="2400" b="1" i="1" u="none" strike="noStrike" baseline="0" dirty="0">
+            <a:pPr algn="just"/>
+            <a:r>
+              <a:rPr lang="en-US" b="1" i="1" u="none" strike="noStrike" baseline="0" dirty="0">
                 <a:solidFill>
                   <a:srgbClr val="00B050"/>
                 </a:solidFill>
@@ -4745,18 +4679,18 @@
               <a:t>Dumpster diving</a:t>
             </a:r>
             <a:r>
-              <a:rPr lang="en-US" sz="2400" b="0" i="1" u="none" strike="noStrike" baseline="0" dirty="0">
+              <a:rPr lang="en-US" b="0" i="1" u="none" strike="noStrike" baseline="0" dirty="0">
                 <a:latin typeface="WarnockPro-It"/>
               </a:rPr>
               <a:t> </a:t>
             </a:r>
             <a:r>
-              <a:rPr lang="en-US" sz="2400" b="0" i="0" u="none" strike="noStrike" baseline="0" dirty="0">
+              <a:rPr lang="en-US" b="0" i="0" u="none" strike="noStrike" baseline="0" dirty="0">
                 <a:latin typeface="WarnockPro-Regular"/>
               </a:rPr>
               <a:t>is a popular attack where the hacker goes through the victim’s garbage looking for documents or information that could facilitate an attack. The hacker might find information that can help them perform a social engineering attack through a phone call or an in-person discussion, or the hacker could simply locate a password someone wrote down and threw in the garbage.</a:t>
             </a:r>
-            <a:endParaRPr lang="en-US" sz="2400" dirty="0"/>
+            <a:endParaRPr lang="en-US" dirty="0"/>
           </a:p>
         </p:txBody>
       </p:sp>
@@ -4835,7 +4769,12 @@
             <p:ph type="title"/>
           </p:nvPr>
         </p:nvSpPr>
-        <p:spPr/>
+        <p:spPr>
+          <a:xfrm>
+            <a:off x="750065" y="0"/>
+            <a:ext cx="10515600" cy="1325563"/>
+          </a:xfrm>
+        </p:spPr>
         <p:txBody>
           <a:bodyPr/>
           <a:lstStyle/>
@@ -4863,22 +4802,27 @@
             <p:ph idx="1"/>
           </p:nvPr>
         </p:nvSpPr>
-        <p:spPr/>
+        <p:spPr>
+          <a:xfrm>
+            <a:off x="375491" y="1098512"/>
+            <a:ext cx="11445607" cy="5257838"/>
+          </a:xfrm>
+        </p:spPr>
         <p:txBody>
           <a:bodyPr>
-            <a:normAutofit lnSpcReduction="10000"/>
+            <a:normAutofit fontScale="85000" lnSpcReduction="10000"/>
           </a:bodyPr>
           <a:lstStyle/>
           <a:p>
             <a:pPr algn="l"/>
             <a:r>
-              <a:rPr lang="en-US" sz="1800" b="0" i="0" u="none" strike="noStrike" baseline="0" dirty="0">
+              <a:rPr lang="en-US" sz="2400" b="0" i="0" u="none" strike="noStrike" baseline="0" dirty="0">
                 <a:latin typeface="WarnockPro-Regular"/>
               </a:rPr>
               <a:t>Tailgating is another important social engineering attack, but </a:t>
             </a:r>
             <a:r>
-              <a:rPr lang="en-US" sz="1800" b="0" i="0" u="none" strike="noStrike" baseline="0" dirty="0">
+              <a:rPr lang="en-US" sz="2400" b="0" i="0" u="none" strike="noStrike" baseline="0" dirty="0">
                 <a:solidFill>
                   <a:srgbClr val="00B0F0"/>
                 </a:solidFill>
@@ -4887,7 +4831,7 @@
               <a:t>it is more of an attack against physical security</a:t>
             </a:r>
             <a:r>
-              <a:rPr lang="en-US" sz="1800" b="0" i="0" u="none" strike="noStrike" baseline="0" dirty="0">
+              <a:rPr lang="en-US" sz="2400" b="0" i="0" u="none" strike="noStrike" baseline="0" dirty="0">
                 <a:latin typeface="WarnockPro-Regular"/>
               </a:rPr>
               <a:t>.</a:t>
@@ -4896,19 +4840,19 @@
           <a:p>
             <a:pPr algn="l"/>
             <a:r>
-              <a:rPr lang="en-US" sz="1800" b="0" i="0" u="none" strike="noStrike" baseline="0" dirty="0">
+              <a:rPr lang="en-US" sz="2400" b="0" i="0" u="none" strike="noStrike" baseline="0" dirty="0">
                 <a:latin typeface="WarnockPro-Regular"/>
               </a:rPr>
               <a:t> Tailgating is when the hacker walks through a secure area by closely following an authorized person who has unlocked the door using their swipe card or passcode. The hacker may strike up a conversation with the person they are tailgating in order to distract the employee from the fact that the hacker (actually, we call someone who compromises physical security an </a:t>
             </a:r>
             <a:r>
-              <a:rPr lang="en-US" sz="1800" b="0" i="1" u="none" strike="noStrike" baseline="0" dirty="0">
+              <a:rPr lang="en-US" sz="2400" b="0" i="1" u="none" strike="noStrike" baseline="0" dirty="0">
                 <a:latin typeface="WarnockPro-It"/>
               </a:rPr>
               <a:t>intruder</a:t>
             </a:r>
             <a:r>
-              <a:rPr lang="en-US" sz="1800" b="0" i="0" u="none" strike="noStrike" baseline="0" dirty="0">
+              <a:rPr lang="en-US" sz="2400" b="0" i="0" u="none" strike="noStrike" baseline="0" dirty="0">
                 <a:latin typeface="WarnockPro-Regular"/>
               </a:rPr>
               <a:t>) has entered the facility without swiping their card or entering their own personal identification number (PIN).</a:t>
@@ -4917,7 +4861,7 @@
           <a:p>
             <a:pPr algn="l"/>
             <a:r>
-              <a:rPr lang="en-US" sz="1800" b="0" i="0" u="none" strike="noStrike" baseline="0" dirty="0">
+              <a:rPr lang="en-US" sz="2400" b="0" i="0" u="none" strike="noStrike" baseline="0" dirty="0">
                 <a:solidFill>
                   <a:srgbClr val="FF0000"/>
                 </a:solidFill>
@@ -4929,7 +4873,7 @@
           <a:p>
             <a:pPr algn="l"/>
             <a:r>
-              <a:rPr lang="en-US" sz="1800" b="0" i="0" u="none" strike="noStrike" baseline="0" dirty="0">
+              <a:rPr lang="en-US" sz="2400" b="0" i="0" u="none" strike="noStrike" baseline="0" dirty="0">
                 <a:latin typeface="WarnockPro-Regular"/>
               </a:rPr>
               <a:t>Most people do not feel comfortable saying, “Sorry, you have to wait for the door to close and then swipe your own card,” so as a security professional you may be required to implement security controls to help protect against tailgating.</a:t>
@@ -4938,13 +4882,13 @@
           <a:p>
             <a:pPr algn="l"/>
             <a:r>
-              <a:rPr lang="en-US" sz="1800" b="0" i="0" u="none" strike="noStrike" baseline="0" dirty="0">
+              <a:rPr lang="en-US" sz="2400" b="0" i="0" u="none" strike="noStrike" baseline="0" dirty="0">
                 <a:latin typeface="WarnockPro-Regular"/>
               </a:rPr>
               <a:t> The most effective way to control tailgating is to create a </a:t>
             </a:r>
             <a:r>
-              <a:rPr lang="en-US" sz="1800" b="0" i="1" u="none" strike="noStrike" baseline="0" dirty="0">
+              <a:rPr lang="en-US" sz="2400" b="0" i="1" u="none" strike="noStrike" baseline="0" dirty="0">
                 <a:solidFill>
                   <a:srgbClr val="00B050"/>
                 </a:solidFill>
@@ -4953,18 +4897,18 @@
               <a:t>mantrap</a:t>
             </a:r>
             <a:r>
-              <a:rPr lang="en-US" sz="1800" b="0" i="1" u="none" strike="noStrike" baseline="0" dirty="0">
+              <a:rPr lang="en-US" sz="2400" b="0" i="1" u="none" strike="noStrike" baseline="0" dirty="0">
                 <a:latin typeface="WarnockPro-It"/>
               </a:rPr>
               <a:t>, </a:t>
             </a:r>
             <a:r>
-              <a:rPr lang="en-US" sz="1800" b="0" i="0" u="none" strike="noStrike" baseline="0" dirty="0">
+              <a:rPr lang="en-US" sz="2400" b="0" i="0" u="none" strike="noStrike" baseline="0" dirty="0">
                 <a:latin typeface="WarnockPro-Regular"/>
               </a:rPr>
               <a:t>which is an area between two locked doors. The idea of a mantrap is that the second door will not open until the first door is closed, which enables any authorized person who enters the mantrap to notice if anyone is entering the facility with them.</a:t>
             </a:r>
-            <a:endParaRPr lang="en-US" dirty="0"/>
+            <a:endParaRPr lang="en-US" sz="3600" dirty="0"/>
           </a:p>
         </p:txBody>
       </p:sp>
@@ -5073,35 +5017,37 @@
         </p:nvSpPr>
         <p:spPr/>
         <p:txBody>
-          <a:bodyPr/>
-          <a:lstStyle/>
-          <a:p>
-            <a:pPr algn="l"/>
-            <a:r>
-              <a:rPr lang="en-US" sz="1800" b="0" i="0" u="none" strike="noStrike" baseline="0" dirty="0">
+          <a:bodyPr>
+            <a:normAutofit/>
+          </a:bodyPr>
+          <a:lstStyle/>
+          <a:p>
+            <a:pPr algn="just"/>
+            <a:r>
+              <a:rPr lang="en-US" b="0" i="0" u="none" strike="noStrike" baseline="0" dirty="0">
                 <a:latin typeface="WarnockPro-Regular"/>
               </a:rPr>
               <a:t>E-mail hoaxes are e-mail messages that users receive giving a false story and asking the user to take some type of action. </a:t>
             </a:r>
           </a:p>
           <a:p>
-            <a:pPr algn="l"/>
-            <a:r>
-              <a:rPr lang="en-US" sz="1800" b="0" i="0" u="none" strike="noStrike" baseline="0" dirty="0">
+            <a:pPr algn="just"/>
+            <a:r>
+              <a:rPr lang="en-US" b="0" i="0" u="none" strike="noStrike" baseline="0" dirty="0">
                 <a:latin typeface="WarnockPro-Regular"/>
               </a:rPr>
               <a:t>For example, the hoax could say a certain file is causing a serious flaw in the operating system. The e-mail could tell the reader they should delete the file, but in reality there is nothing wrong with the file, and it may be needed for information on important features of the operating system.</a:t>
             </a:r>
           </a:p>
           <a:p>
-            <a:pPr algn="l"/>
-            <a:r>
-              <a:rPr lang="en-US" sz="1800" b="0" i="0" u="none" strike="noStrike" baseline="0" dirty="0">
+            <a:pPr algn="just"/>
+            <a:r>
+              <a:rPr lang="en-US" b="0" i="0" u="none" strike="noStrike" baseline="0" dirty="0">
                 <a:latin typeface="WarnockPro-Regular"/>
               </a:rPr>
               <a:t>If you receive an e-mail that makes certain claims you are unsure of, be sure to do some research on the Internet to validate or discredit the information presented in the e-mail.</a:t>
             </a:r>
-            <a:endParaRPr lang="en-US" dirty="0"/>
+            <a:endParaRPr lang="en-US" sz="4000" dirty="0"/>
           </a:p>
         </p:txBody>
       </p:sp>
@@ -5180,7 +5126,12 @@
             <p:ph type="title"/>
           </p:nvPr>
         </p:nvSpPr>
-        <p:spPr/>
+        <p:spPr>
+          <a:xfrm>
+            <a:off x="838200" y="0"/>
+            <a:ext cx="10515600" cy="1325563"/>
+          </a:xfrm>
+        </p:spPr>
         <p:txBody>
           <a:bodyPr/>
           <a:lstStyle/>
@@ -5208,10 +5159,15 @@
             <p:ph idx="1"/>
           </p:nvPr>
         </p:nvSpPr>
-        <p:spPr/>
+        <p:spPr>
+          <a:xfrm>
+            <a:off x="463627" y="1131562"/>
+            <a:ext cx="11313404" cy="5224787"/>
+          </a:xfrm>
+        </p:spPr>
         <p:txBody>
           <a:bodyPr>
-            <a:normAutofit fontScale="92500" lnSpcReduction="10000"/>
+            <a:normAutofit/>
           </a:bodyPr>
           <a:lstStyle/>
           <a:p>
@@ -5507,30 +5463,32 @@
         </p:nvSpPr>
         <p:spPr/>
         <p:txBody>
-          <a:bodyPr/>
-          <a:lstStyle/>
-          <a:p>
-            <a:pPr algn="l"/>
-            <a:r>
-              <a:rPr lang="en-US" sz="1800" b="0" i="0" u="none" strike="noStrike" baseline="0" dirty="0">
+          <a:bodyPr>
+            <a:normAutofit fontScale="92500"/>
+          </a:bodyPr>
+          <a:lstStyle/>
+          <a:p>
+            <a:pPr algn="just"/>
+            <a:r>
+              <a:rPr lang="en-US" sz="2400" b="0" i="0" u="none" strike="noStrike" baseline="0" dirty="0">
                 <a:latin typeface="WarnockPro-Regular"/>
               </a:rPr>
               <a:t>Artificial intelligence (AI) is a growing field today, where the AI system is constantly learning and making decisions based on its goals and information learned.</a:t>
             </a:r>
           </a:p>
           <a:p>
-            <a:pPr algn="l"/>
-            <a:r>
-              <a:rPr lang="en-US" sz="1800" b="0" i="0" u="none" strike="noStrike" baseline="0" dirty="0">
+            <a:pPr algn="just"/>
+            <a:r>
+              <a:rPr lang="en-US" sz="2400" b="0" i="0" u="none" strike="noStrike" baseline="0" dirty="0">
                 <a:latin typeface="WarnockPro-Regular"/>
               </a:rPr>
               <a:t> From a security point of view, AI is used with intrusion detection to watch activity and identify anything that is out of the norm. </a:t>
             </a:r>
           </a:p>
           <a:p>
-            <a:pPr algn="l"/>
-            <a:r>
-              <a:rPr lang="en-US" sz="1800" b="0" i="0" u="none" strike="noStrike" baseline="0" dirty="0">
+            <a:pPr algn="just"/>
+            <a:r>
+              <a:rPr lang="en-US" sz="2400" b="0" i="0" u="none" strike="noStrike" baseline="0" dirty="0">
                 <a:solidFill>
                   <a:srgbClr val="FF0000"/>
                 </a:solidFill>
@@ -5540,41 +5498,41 @@
             </a:r>
           </a:p>
           <a:p>
-            <a:pPr algn="l"/>
-            <a:r>
-              <a:rPr lang="en-US" sz="1800" b="0" i="0" u="none" strike="noStrike" baseline="0" dirty="0">
+            <a:pPr algn="just"/>
+            <a:r>
+              <a:rPr lang="en-US" sz="2400" b="0" i="0" u="none" strike="noStrike" baseline="0" dirty="0">
                 <a:latin typeface="WarnockPro-Regular"/>
               </a:rPr>
               <a:t>The principle here is that the machine learning system uses models of data to train the system, and if the attacker can give malicious input to the learning system, it may be learning based on </a:t>
             </a:r>
             <a:r>
-              <a:rPr lang="en-US" sz="1800" b="0" i="1" u="none" strike="noStrike" baseline="0" dirty="0">
+              <a:rPr lang="en-US" sz="2400" b="0" i="1" u="none" strike="noStrike" baseline="0" dirty="0">
                 <a:latin typeface="WarnockPro-It"/>
               </a:rPr>
               <a:t>tainted training data for machine learning</a:t>
             </a:r>
             <a:r>
-              <a:rPr lang="en-US" sz="1800" b="0" i="0" u="none" strike="noStrike" baseline="0" dirty="0">
+              <a:rPr lang="en-US" sz="2400" b="0" i="0" u="none" strike="noStrike" baseline="0" dirty="0">
                 <a:latin typeface="WarnockPro-Regular"/>
               </a:rPr>
               <a:t>. </a:t>
             </a:r>
           </a:p>
           <a:p>
-            <a:pPr algn="l"/>
-            <a:r>
-              <a:rPr lang="en-US" sz="1800" b="0" i="0" u="none" strike="noStrike" baseline="0" dirty="0">
+            <a:pPr algn="just"/>
+            <a:r>
+              <a:rPr lang="en-US" sz="2400" b="0" i="0" u="none" strike="noStrike" baseline="0" dirty="0">
                 <a:latin typeface="WarnockPro-Regular"/>
               </a:rPr>
               <a:t>This can also be used by security testers to test the </a:t>
             </a:r>
             <a:r>
-              <a:rPr lang="en-US" sz="1800" b="0" i="1" u="none" strike="noStrike" baseline="0" dirty="0">
+              <a:rPr lang="en-US" sz="2400" b="0" i="1" u="none" strike="noStrike" baseline="0" dirty="0">
                 <a:latin typeface="WarnockPro-It"/>
               </a:rPr>
               <a:t>security of the machine learning algorithm</a:t>
             </a:r>
-            <a:endParaRPr lang="en-US" dirty="0"/>
+            <a:endParaRPr lang="en-US" sz="3600" dirty="0"/>
           </a:p>
         </p:txBody>
       </p:sp>
@@ -5683,44 +5641,46 @@
         </p:nvSpPr>
         <p:spPr/>
         <p:txBody>
-          <a:bodyPr/>
-          <a:lstStyle/>
-          <a:p>
-            <a:pPr algn="l"/>
-            <a:r>
-              <a:rPr lang="en-US" sz="1800" b="0" i="0" u="none" strike="noStrike" baseline="0" dirty="0">
+          <a:bodyPr>
+            <a:normAutofit/>
+          </a:bodyPr>
+          <a:lstStyle/>
+          <a:p>
+            <a:pPr algn="just"/>
+            <a:r>
+              <a:rPr lang="en-US" sz="2400" b="0" i="0" u="none" strike="noStrike" baseline="0" dirty="0">
                 <a:latin typeface="WarnockPro-Regular"/>
               </a:rPr>
               <a:t>The supply chain of a business involves any vendors or activities that are needed to get the goods into the hands of the customers. </a:t>
             </a:r>
           </a:p>
           <a:p>
-            <a:pPr algn="l"/>
-            <a:r>
-              <a:rPr lang="en-US" sz="1800" b="0" i="0" u="none" strike="noStrike" baseline="0" dirty="0">
+            <a:pPr algn="just"/>
+            <a:r>
+              <a:rPr lang="en-US" sz="2400" b="0" i="0" u="none" strike="noStrike" baseline="0" dirty="0">
                 <a:latin typeface="WarnockPro-Regular"/>
               </a:rPr>
               <a:t>For example, a home builder may get its wood deliveries from the lumber yard, so the lumber yard is part of the supply chain for the home builder.</a:t>
             </a:r>
           </a:p>
           <a:p>
-            <a:pPr algn="l"/>
-            <a:r>
-              <a:rPr lang="en-US" sz="1800" b="0" i="0" u="none" strike="noStrike" baseline="0" dirty="0">
+            <a:pPr algn="just"/>
+            <a:r>
+              <a:rPr lang="en-US" sz="2400" b="0" i="0" u="none" strike="noStrike" baseline="0" dirty="0">
                 <a:latin typeface="WarnockPro-Regular"/>
               </a:rPr>
               <a:t>A supply chain attack is when the attacker targets elements of a company’s supply chain, preventing the company from supplying services. </a:t>
             </a:r>
           </a:p>
           <a:p>
-            <a:pPr algn="l"/>
-            <a:r>
-              <a:rPr lang="en-US" sz="1800" b="0" i="0" u="none" strike="noStrike" baseline="0" dirty="0">
+            <a:pPr algn="just"/>
+            <a:r>
+              <a:rPr lang="en-US" sz="2400" b="0" i="0" u="none" strike="noStrike" baseline="0" dirty="0">
                 <a:latin typeface="WarnockPro-Regular"/>
               </a:rPr>
               <a:t>Another scenario for supply-chain attacks is if a company does a great job at securing its assets and the attacker cannot compromise those assets, the attacker may choose to attack resources in the supply chain, knowing that the compromised item will be delivered to the company through the supply chain.</a:t>
             </a:r>
-            <a:endParaRPr lang="en-US" dirty="0"/>
+            <a:endParaRPr lang="en-US" sz="3600" dirty="0"/>
           </a:p>
         </p:txBody>
       </p:sp>
@@ -5829,35 +5789,37 @@
         </p:nvSpPr>
         <p:spPr/>
         <p:txBody>
-          <a:bodyPr/>
-          <a:lstStyle/>
-          <a:p>
-            <a:pPr algn="l"/>
-            <a:r>
-              <a:rPr lang="en-US" sz="1800" b="0" i="0" u="none" strike="noStrike" baseline="0" dirty="0">
+          <a:bodyPr>
+            <a:normAutofit/>
+          </a:bodyPr>
+          <a:lstStyle/>
+          <a:p>
+            <a:pPr algn="just"/>
+            <a:r>
+              <a:rPr lang="en-US" sz="3200" b="0" i="0" u="none" strike="noStrike" baseline="0" dirty="0">
                 <a:latin typeface="WarnockPro-Regular"/>
               </a:rPr>
               <a:t>A cloud-based attack is an attack focused on the cloud services provided to a company. </a:t>
             </a:r>
           </a:p>
           <a:p>
-            <a:pPr algn="l"/>
-            <a:r>
-              <a:rPr lang="en-US" sz="1800" b="0" i="0" u="none" strike="noStrike" baseline="0" dirty="0">
+            <a:pPr algn="just"/>
+            <a:r>
+              <a:rPr lang="en-US" sz="3200" b="0" i="0" u="none" strike="noStrike" baseline="0" dirty="0">
                 <a:latin typeface="WarnockPro-Regular"/>
               </a:rPr>
               <a:t>For example, an attacker may use malicious software that deletes data from cloud storage of a user. </a:t>
             </a:r>
           </a:p>
           <a:p>
-            <a:pPr algn="l"/>
-            <a:r>
-              <a:rPr lang="en-US" sz="1800" b="0" i="0" u="none" strike="noStrike" baseline="0" dirty="0">
+            <a:pPr algn="just"/>
+            <a:r>
+              <a:rPr lang="en-US" sz="3200" b="0" i="0" u="none" strike="noStrike" baseline="0" dirty="0">
                 <a:latin typeface="WarnockPro-Regular"/>
               </a:rPr>
               <a:t>On the other hand, an on-premises attack is focused on attacking the resources of a company that are located in its offices or on its local area network (LAN).</a:t>
             </a:r>
-            <a:endParaRPr lang="en-US" dirty="0"/>
+            <a:endParaRPr lang="en-US" sz="4400" dirty="0"/>
           </a:p>
         </p:txBody>
       </p:sp>
@@ -9949,31 +9911,6 @@
       </p:grpSpPr>
       <p:sp>
         <p:nvSpPr>
-          <p:cNvPr id="7" name="Title 6">
-            <a:extLst>
-              <a:ext uri="{FF2B5EF4-FFF2-40B4-BE49-F238E27FC236}">
-                <a16:creationId xmlns:a16="http://schemas.microsoft.com/office/drawing/2014/main" id="{127F9AC8-5392-10F8-54FC-69CBB64DC2DD}"/>
-              </a:ext>
-            </a:extLst>
-          </p:cNvPr>
-          <p:cNvSpPr>
-            <a:spLocks noGrp="1"/>
-          </p:cNvSpPr>
-          <p:nvPr>
-            <p:ph type="title"/>
-          </p:nvPr>
-        </p:nvSpPr>
-        <p:spPr/>
-        <p:txBody>
-          <a:bodyPr/>
-          <a:lstStyle/>
-          <a:p>
-            <a:endParaRPr lang="en-US"/>
-          </a:p>
-        </p:txBody>
-      </p:sp>
-      <p:sp>
-        <p:nvSpPr>
           <p:cNvPr id="6" name="Content Placeholder 5">
             <a:extLst>
               <a:ext uri="{FF2B5EF4-FFF2-40B4-BE49-F238E27FC236}">
@@ -10698,31 +10635,6 @@
       </p:grpSpPr>
       <p:sp>
         <p:nvSpPr>
-          <p:cNvPr id="5" name="Title 4">
-            <a:extLst>
-              <a:ext uri="{FF2B5EF4-FFF2-40B4-BE49-F238E27FC236}">
-                <a16:creationId xmlns:a16="http://schemas.microsoft.com/office/drawing/2014/main" id="{38AEC566-733A-7410-A10A-867F23A55244}"/>
-              </a:ext>
-            </a:extLst>
-          </p:cNvPr>
-          <p:cNvSpPr>
-            <a:spLocks noGrp="1"/>
-          </p:cNvSpPr>
-          <p:nvPr>
-            <p:ph type="title"/>
-          </p:nvPr>
-        </p:nvSpPr>
-        <p:spPr/>
-        <p:txBody>
-          <a:bodyPr/>
-          <a:lstStyle/>
-          <a:p>
-            <a:endParaRPr lang="en-US"/>
-          </a:p>
-        </p:txBody>
-      </p:sp>
-      <p:sp>
-        <p:nvSpPr>
           <p:cNvPr id="6" name="Content Placeholder 5">
             <a:extLst>
               <a:ext uri="{FF2B5EF4-FFF2-40B4-BE49-F238E27FC236}">
@@ -11556,44 +11468,46 @@
         </p:nvSpPr>
         <p:spPr/>
         <p:txBody>
-          <a:bodyPr/>
-          <a:lstStyle/>
-          <a:p>
-            <a:pPr algn="l"/>
-            <a:r>
-              <a:rPr lang="en-US" sz="1800" b="0" i="0" u="none" strike="noStrike" baseline="0" dirty="0">
+          <a:bodyPr>
+            <a:normAutofit/>
+          </a:bodyPr>
+          <a:lstStyle/>
+          <a:p>
+            <a:pPr algn="just"/>
+            <a:r>
+              <a:rPr lang="en-US" b="0" i="0" u="none" strike="noStrike" baseline="0" dirty="0">
                 <a:latin typeface="WarnockPro-Regular"/>
               </a:rPr>
               <a:t>The first type of attack is known as a social engineering attack. </a:t>
             </a:r>
           </a:p>
           <a:p>
-            <a:pPr algn="l"/>
-            <a:r>
-              <a:rPr lang="en-US" sz="1800" b="0" i="0" u="none" strike="noStrike" baseline="0" dirty="0">
+            <a:pPr algn="just"/>
+            <a:r>
+              <a:rPr lang="en-US" b="0" i="0" u="none" strike="noStrike" baseline="0" dirty="0">
                 <a:latin typeface="WarnockPro-Regular"/>
               </a:rPr>
               <a:t>Social engineering involves the hacker trying to trick an employee into compromising security through social contact such as a phone call or e-mail message. </a:t>
             </a:r>
           </a:p>
           <a:p>
-            <a:pPr algn="l"/>
-            <a:r>
-              <a:rPr lang="en-US" sz="1800" b="0" i="0" u="none" strike="noStrike" baseline="0" dirty="0">
+            <a:pPr algn="just"/>
+            <a:r>
+              <a:rPr lang="en-US" b="0" i="0" u="none" strike="noStrike" baseline="0" dirty="0">
                 <a:latin typeface="WarnockPro-Regular"/>
               </a:rPr>
               <a:t>Most times the hacker will act as if they need help, exploiting the fact that most people will offer help.</a:t>
             </a:r>
           </a:p>
           <a:p>
-            <a:pPr algn="l"/>
-            <a:r>
-              <a:rPr lang="en-US" sz="1800" b="0" i="0" u="none" strike="noStrike" baseline="0" dirty="0">
+            <a:pPr algn="just"/>
+            <a:r>
+              <a:rPr lang="en-US" b="0" i="0" u="none" strike="noStrike" baseline="0" dirty="0">
                 <a:latin typeface="WarnockPro-Regular"/>
               </a:rPr>
               <a:t>A lot of times the hacker is just trying to collect information to help them perform an attack later on, but the hacker may try to trick an employee into divulging usernames and passwords used on the network.</a:t>
             </a:r>
-            <a:endParaRPr lang="en-US" dirty="0"/>
+            <a:endParaRPr lang="en-US" sz="4000" dirty="0"/>
           </a:p>
         </p:txBody>
       </p:sp>
@@ -14144,7 +14058,12 @@
             <p:ph type="title"/>
           </p:nvPr>
         </p:nvSpPr>
-        <p:spPr/>
+        <p:spPr>
+          <a:xfrm>
+            <a:off x="838200" y="0"/>
+            <a:ext cx="10515600" cy="1325563"/>
+          </a:xfrm>
+        </p:spPr>
         <p:txBody>
           <a:bodyPr/>
           <a:lstStyle/>
@@ -14172,121 +14091,117 @@
             <p:ph idx="1"/>
           </p:nvPr>
         </p:nvSpPr>
-        <p:spPr/>
+        <p:spPr>
+          <a:xfrm>
+            <a:off x="838200" y="1253330"/>
+            <a:ext cx="10515600" cy="5202553"/>
+          </a:xfrm>
+        </p:spPr>
         <p:txBody>
           <a:bodyPr>
             <a:normAutofit lnSpcReduction="10000"/>
           </a:bodyPr>
           <a:lstStyle/>
           <a:p>
-            <a:r>
-              <a:rPr lang="en-US" dirty="0">
-                <a:solidFill>
-                  <a:srgbClr val="00B0F0"/>
-                </a:solidFill>
-              </a:rPr>
+            <a:pPr algn="just"/>
+            <a:r>
+              <a:rPr lang="en-US" sz="3200" dirty="0"/>
               <a:t>IMPERSONATION:</a:t>
             </a:r>
           </a:p>
           <a:p>
-            <a:pPr algn="l"/>
-            <a:r>
-              <a:rPr lang="en-US" sz="1800" b="0" i="0" u="none" strike="noStrike" baseline="0" dirty="0">
+            <a:pPr algn="just"/>
+            <a:r>
+              <a:rPr lang="en-US" sz="2000" b="0" i="0" u="none" strike="noStrike" baseline="0" dirty="0">
                 <a:latin typeface="WarnockPro-Regular"/>
               </a:rPr>
               <a:t>The most popular scenario for social engineering attacks is when the hacker impersonates another employee in the organization. </a:t>
             </a:r>
           </a:p>
           <a:p>
-            <a:pPr algn="l"/>
-            <a:r>
-              <a:rPr lang="en-US" sz="1800" b="0" i="0" u="none" strike="noStrike" baseline="0" dirty="0">
+            <a:pPr algn="just"/>
+            <a:r>
+              <a:rPr lang="en-US" sz="2000" b="0" i="0" u="none" strike="noStrike" baseline="0" dirty="0">
                 <a:latin typeface="WarnockPro-Regular"/>
               </a:rPr>
               <a:t>In the following scenarios, the hacker impersonates an employee in the company who needs some help:</a:t>
             </a:r>
           </a:p>
           <a:p>
-            <a:pPr algn="l"/>
-            <a:r>
-              <a:rPr lang="en-US" sz="1800" b="1" dirty="0">
-                <a:solidFill>
-                  <a:srgbClr val="00B050"/>
-                </a:solidFill>
+            <a:pPr algn="just"/>
+            <a:r>
+              <a:rPr lang="en-US" sz="2000" b="1" dirty="0">
                 <a:latin typeface="WarnockPro-Regular"/>
               </a:rPr>
               <a:t>Hacker impersonates Administrator:</a:t>
             </a:r>
           </a:p>
           <a:p>
-            <a:pPr lvl="1"/>
-            <a:r>
-              <a:rPr lang="en-US" sz="1600" b="0" i="0" u="none" strike="noStrike" baseline="0" dirty="0">
+            <a:pPr lvl="1" algn="just"/>
+            <a:r>
+              <a:rPr lang="en-US" sz="1800" b="0" i="0" u="none" strike="noStrike" baseline="0" dirty="0">
                 <a:latin typeface="WarnockPro-Regular"/>
               </a:rPr>
               <a:t>A very popular example of a social engineering attack is when the hacker calls a user and impersonates the network administrator. </a:t>
             </a:r>
           </a:p>
           <a:p>
-            <a:pPr lvl="1"/>
-            <a:r>
-              <a:rPr lang="en-US" sz="1600" b="0" i="0" u="none" strike="noStrike" baseline="0" dirty="0">
+            <a:pPr lvl="1" algn="just"/>
+            <a:r>
+              <a:rPr lang="en-US" sz="1800" b="0" i="0" u="none" strike="noStrike" baseline="0" dirty="0">
                 <a:latin typeface="WarnockPro-Regular"/>
               </a:rPr>
               <a:t>In this scenario the hacker, posing as the administrator, tries to trick the user into compromising security by asking the user to do things such as changing their password or giving away account information.</a:t>
             </a:r>
           </a:p>
           <a:p>
-            <a:pPr lvl="1"/>
-            <a:r>
-              <a:rPr lang="en-US" sz="1600" b="0" i="0" u="none" strike="noStrike" baseline="0" dirty="0">
+            <a:pPr lvl="1" algn="just"/>
+            <a:r>
+              <a:rPr lang="en-US" sz="1800" b="0" i="0" u="none" strike="noStrike" baseline="0" dirty="0">
                 <a:latin typeface="WarnockPro-Regular"/>
               </a:rPr>
               <a:t> The hacker also may ask the user questions about the general setup of the systems.</a:t>
             </a:r>
           </a:p>
           <a:p>
-            <a:pPr algn="l"/>
-            <a:r>
-              <a:rPr lang="en-US" sz="1800" b="1" i="0" u="none" strike="noStrike" baseline="0" dirty="0">
-                <a:solidFill>
-                  <a:srgbClr val="00B050"/>
-                </a:solidFill>
+            <a:pPr algn="just"/>
+            <a:r>
+              <a:rPr lang="en-US" sz="2000" b="1" i="0" u="none" strike="noStrike" baseline="0" dirty="0">
                 <a:latin typeface="WarnockPro-Bold"/>
               </a:rPr>
               <a:t>Hacker impersonates user:</a:t>
             </a:r>
           </a:p>
           <a:p>
-            <a:pPr lvl="1"/>
+            <a:pPr lvl="1" algn="just"/>
+            <a:r>
+              <a:rPr lang="en-US" sz="2000" dirty="0">
+                <a:latin typeface="WarnockPro-Regular"/>
+              </a:rPr>
+              <a:t> </a:t>
+            </a:r>
             <a:r>
               <a:rPr lang="en-US" sz="1800" dirty="0">
                 <a:latin typeface="WarnockPro-Regular"/>
               </a:rPr>
-              <a:t> </a:t>
-            </a:r>
-            <a:r>
-              <a:rPr lang="en-US" sz="1600" dirty="0">
-                <a:latin typeface="WarnockPro-Regular"/>
-              </a:rPr>
               <a:t>The hacker calls the network administrator pretending </a:t>
             </a:r>
             <a:r>
-              <a:rPr lang="en-US" sz="1600" b="0" i="0" u="none" strike="noStrike" baseline="0" dirty="0">
+              <a:rPr lang="en-US" sz="1800" b="0" i="0" u="none" strike="noStrike" baseline="0" dirty="0">
                 <a:latin typeface="WarnockPro-Regular"/>
               </a:rPr>
               <a:t>to be a frustrated user. In this scenario the hacker will pretend they do not remember their password or how to get onto the system.</a:t>
             </a:r>
           </a:p>
           <a:p>
-            <a:pPr lvl="1"/>
-            <a:r>
-              <a:rPr lang="en-US" sz="1600" b="0" i="0" u="none" strike="noStrike" baseline="0" dirty="0">
+            <a:pPr lvl="1" algn="just"/>
+            <a:r>
+              <a:rPr lang="en-US" sz="1800" b="0" i="0" u="none" strike="noStrike" baseline="0" dirty="0">
                 <a:latin typeface="WarnockPro-Regular"/>
               </a:rPr>
               <a:t> An unaware administrator may help the hacker, who is acting as a frustrated user, gain access to the system by resetting a password and guiding them through the process of gaining access.</a:t>
             </a:r>
-            <a:endParaRPr lang="en-US" sz="1600" dirty="0"/>
+            <a:endParaRPr lang="en-US" sz="1800" dirty="0"/>
           </a:p>
         </p:txBody>
       </p:sp>
@@ -17100,12 +17015,14 @@
         </p:nvSpPr>
         <p:spPr/>
         <p:txBody>
-          <a:bodyPr/>
+          <a:bodyPr>
+            <a:normAutofit/>
+          </a:bodyPr>
           <a:lstStyle/>
           <a:p>
             <a:pPr algn="l"/>
             <a:r>
-              <a:rPr lang="en-US" sz="1800" b="1" i="0" u="none" strike="noStrike" baseline="0" dirty="0">
+              <a:rPr lang="en-US" sz="4000" b="1" i="0" u="none" strike="noStrike" baseline="0" dirty="0">
                 <a:latin typeface="WarnockPro-Bold"/>
               </a:rPr>
               <a:t>Hacker impersonates management</a:t>
@@ -17114,13 +17031,13 @@
           <a:p>
             <a:pPr lvl="1"/>
             <a:r>
-              <a:rPr lang="en-US" sz="1600" b="1" i="0" u="none" strike="noStrike" baseline="0" dirty="0">
+              <a:rPr lang="en-US" sz="3600" b="1" i="0" u="none" strike="noStrike" baseline="0" dirty="0">
                 <a:latin typeface="WarnockPro-Bold"/>
               </a:rPr>
               <a:t> </a:t>
             </a:r>
             <a:r>
-              <a:rPr lang="en-US" sz="1600" b="0" i="0" u="none" strike="noStrike" baseline="0" dirty="0">
+              <a:rPr lang="en-US" sz="3600" b="0" i="0" u="none" strike="noStrike" baseline="0" dirty="0">
                 <a:latin typeface="WarnockPro-Regular"/>
               </a:rPr>
               <a:t>If the hacker knows the name of personnel on the management team, the hacker may call employees within the company and impersonate management. </a:t>
@@ -17129,12 +17046,12 @@
           <a:p>
             <a:pPr lvl="1"/>
             <a:r>
-              <a:rPr lang="en-US" sz="1600" b="0" i="0" u="none" strike="noStrike" baseline="0" dirty="0">
+              <a:rPr lang="en-US" sz="3600" b="0" i="0" u="none" strike="noStrike" baseline="0" dirty="0">
                 <a:latin typeface="WarnockPro-Regular"/>
               </a:rPr>
               <a:t>The hacker will ask the unsuspecting employee to perform actions that will essentially compromise the security of the systems or the environment so that the hacker can gain access later.</a:t>
             </a:r>
-            <a:endParaRPr lang="en-US" sz="1600" dirty="0"/>
+            <a:endParaRPr lang="en-US" sz="3600" dirty="0"/>
           </a:p>
         </p:txBody>
       </p:sp>
@@ -18644,28 +18561,16 @@
               <a:rPr lang="en-US" sz="1800" b="0" i="0" u="none" strike="noStrike" baseline="0" dirty="0">
                 <a:latin typeface="WarnockPro-Regular"/>
               </a:rPr>
-              <a:t>after a certain number of bad logons, the account is locked out and cannot be used until the administrator unlocks it</a:t>
-            </a:r>
-            <a:r>
-              <a:rPr lang="en-US" sz="1800" b="0" i="0" u="none" strike="noStrike" baseline="0">
-                <a:latin typeface="WarnockPro-Regular"/>
-              </a:rPr>
-              <a:t>. </a:t>
+              <a:t>after a certain number of bad logons, the account is locked out and cannot be used until the administrator unlocks it. </a:t>
             </a:r>
           </a:p>
           <a:p>
             <a:pPr algn="l"/>
             <a:r>
-              <a:rPr lang="en-US" sz="1800" b="0" i="0" u="none" strike="noStrike" baseline="0">
-                <a:latin typeface="WarnockPro-Regular"/>
-              </a:rPr>
-              <a:t>Most </a:t>
-            </a:r>
-            <a:r>
-              <a:rPr lang="en-US" sz="1800" b="0" i="0" u="none" strike="noStrike" baseline="0" dirty="0">
-                <a:latin typeface="WarnockPro-Regular"/>
-              </a:rPr>
-              <a:t>companies implement an account lockout policy that locks an account after the third bad logon attempt. The account lockout policy takes the time away that is required to perform a </a:t>
+              <a:rPr lang="en-US" sz="1800" b="0" i="0" u="none" strike="noStrike" baseline="0" dirty="0">
+                <a:latin typeface="WarnockPro-Regular"/>
+              </a:rPr>
+              <a:t>Most companies implement an account lockout policy that locks an account after the third bad logon attempt. The account lockout policy takes the time away that is required to perform a </a:t>
             </a:r>
             <a:r>
               <a:rPr lang="en-US" sz="1800" b="0" i="0" u="none" strike="noStrike" baseline="0" dirty="0" err="1">
@@ -18750,34 +18655,6 @@
       </p:grpSpPr>
       <p:sp>
         <p:nvSpPr>
-          <p:cNvPr id="2" name="Title 1">
-            <a:extLst>
-              <a:ext uri="{FF2B5EF4-FFF2-40B4-BE49-F238E27FC236}">
-                <a16:creationId xmlns:a16="http://schemas.microsoft.com/office/drawing/2014/main" id="{197A853B-FA25-E6F4-DED7-9C6AED515A4A}"/>
-              </a:ext>
-            </a:extLst>
-          </p:cNvPr>
-          <p:cNvSpPr>
-            <a:spLocks noGrp="1"/>
-          </p:cNvSpPr>
-          <p:nvPr>
-            <p:ph type="title"/>
-          </p:nvPr>
-        </p:nvSpPr>
-        <p:spPr/>
-        <p:txBody>
-          <a:bodyPr/>
-          <a:lstStyle/>
-          <a:p>
-            <a:r>
-              <a:rPr lang="en-US" dirty="0"/>
-              <a:t>Popular Social Engineering Attacks(Cont..)</a:t>
-            </a:r>
-          </a:p>
-        </p:txBody>
-      </p:sp>
-      <p:sp>
-        <p:nvSpPr>
           <p:cNvPr id="3" name="Content Placeholder 2">
             <a:extLst>
               <a:ext uri="{FF2B5EF4-FFF2-40B4-BE49-F238E27FC236}">
@@ -18792,54 +18669,58 @@
             <p:ph idx="1"/>
           </p:nvPr>
         </p:nvSpPr>
-        <p:spPr/>
-        <p:txBody>
-          <a:bodyPr/>
-          <a:lstStyle/>
-          <a:p>
-            <a:r>
-              <a:rPr lang="en-US" dirty="0">
-                <a:solidFill>
-                  <a:srgbClr val="00B0F0"/>
-                </a:solidFill>
-              </a:rPr>
+        <p:spPr>
+          <a:xfrm>
+            <a:off x="562778" y="371398"/>
+            <a:ext cx="11148152" cy="5984951"/>
+          </a:xfrm>
+        </p:spPr>
+        <p:txBody>
+          <a:bodyPr>
+            <a:normAutofit/>
+          </a:bodyPr>
+          <a:lstStyle/>
+          <a:p>
+            <a:pPr algn="just"/>
+            <a:r>
+              <a:rPr lang="en-US" sz="3600" dirty="0"/>
               <a:t>PHISHING:</a:t>
             </a:r>
           </a:p>
           <a:p>
-            <a:pPr algn="l"/>
-            <a:r>
-              <a:rPr lang="en-US" sz="1800" b="0" i="0" u="none" strike="noStrike" baseline="0" dirty="0">
+            <a:pPr algn="just"/>
+            <a:r>
+              <a:rPr lang="en-US" sz="2400" b="0" i="0" u="none" strike="noStrike" baseline="0" dirty="0">
                 <a:latin typeface="WarnockPro-Regular"/>
               </a:rPr>
               <a:t>Another popular scenario for a social engineering attack is known as a </a:t>
             </a:r>
             <a:r>
-              <a:rPr lang="en-US" sz="1800" b="0" i="1" u="none" strike="noStrike" baseline="0" dirty="0">
+              <a:rPr lang="en-US" sz="2400" b="0" i="1" u="none" strike="noStrike" baseline="0" dirty="0">
                 <a:latin typeface="WarnockPro-It"/>
               </a:rPr>
               <a:t>phishing attack</a:t>
             </a:r>
             <a:r>
-              <a:rPr lang="en-US" sz="1800" b="0" i="0" u="none" strike="noStrike" baseline="0" dirty="0">
+              <a:rPr lang="en-US" sz="2400" b="0" i="0" u="none" strike="noStrike" baseline="0" dirty="0">
                 <a:latin typeface="WarnockPro-Regular"/>
               </a:rPr>
               <a:t>.</a:t>
             </a:r>
           </a:p>
           <a:p>
-            <a:pPr algn="l"/>
-            <a:r>
-              <a:rPr lang="en-US" sz="1800" b="0" i="0" u="none" strike="noStrike" baseline="0" dirty="0">
+            <a:pPr algn="just"/>
+            <a:r>
+              <a:rPr lang="en-US" sz="2400" b="0" i="0" u="none" strike="noStrike" baseline="0" dirty="0">
                 <a:latin typeface="WarnockPro-Regular"/>
               </a:rPr>
               <a:t> With a phishing attack, the hacker typically e-mails a user and pretends to be a representative from a bank or a company such as eBay. The e-mail typically tells the user that a security incident has occurred and that the user should click the link provided in the e-mail to navigate to the site and check their account status. For example, the e-mail typically looks like it is coming from the security officer for a bank, asking the user to follow the link provided and to log in to the bank site to check their account. The e-mail continues by asking them to report any suspicious transactions to the security officer, with the contact details provided to make the e-mail look authentic.</a:t>
             </a:r>
           </a:p>
           <a:p>
-            <a:pPr algn="l"/>
-            <a:r>
-              <a:rPr lang="en-US" sz="1800" b="0" i="0" u="none" strike="noStrike" baseline="0" dirty="0">
+            <a:pPr algn="just"/>
+            <a:r>
+              <a:rPr lang="en-US" sz="2400" b="0" i="0" u="none" strike="noStrike" baseline="0" dirty="0">
                 <a:solidFill>
                   <a:srgbClr val="FF0000"/>
                 </a:solidFill>
@@ -18849,14 +18730,14 @@
             </a:r>
           </a:p>
           <a:p>
-            <a:pPr algn="l"/>
-            <a:r>
-              <a:rPr lang="en-US" sz="1800" b="0" i="0" u="none" strike="noStrike" baseline="0" dirty="0">
+            <a:pPr algn="just"/>
+            <a:r>
+              <a:rPr lang="en-US" sz="2400" b="0" i="0" u="none" strike="noStrike" baseline="0" dirty="0">
                 <a:latin typeface="WarnockPro-Regular"/>
               </a:rPr>
               <a:t>The hacker is waiting for the user to try to log on with their account number and password so they can capture it and then store it in a database.</a:t>
             </a:r>
-            <a:endParaRPr lang="en-US" dirty="0"/>
+            <a:endParaRPr lang="en-US" sz="3600" dirty="0"/>
           </a:p>
         </p:txBody>
       </p:sp>
@@ -19132,34 +19013,6 @@
       </p:grpSpPr>
       <p:sp>
         <p:nvSpPr>
-          <p:cNvPr id="5" name="Title 4">
-            <a:extLst>
-              <a:ext uri="{FF2B5EF4-FFF2-40B4-BE49-F238E27FC236}">
-                <a16:creationId xmlns:a16="http://schemas.microsoft.com/office/drawing/2014/main" id="{09F24276-A7C3-2EEC-3460-4672682FD35E}"/>
-              </a:ext>
-            </a:extLst>
-          </p:cNvPr>
-          <p:cNvSpPr>
-            <a:spLocks noGrp="1"/>
-          </p:cNvSpPr>
-          <p:nvPr>
-            <p:ph type="title"/>
-          </p:nvPr>
-        </p:nvSpPr>
-        <p:spPr/>
-        <p:txBody>
-          <a:bodyPr/>
-          <a:lstStyle/>
-          <a:p>
-            <a:r>
-              <a:rPr lang="en-US" dirty="0"/>
-              <a:t>Popular Social Engineering Attacks(Cont..)</a:t>
-            </a:r>
-          </a:p>
-        </p:txBody>
-      </p:sp>
-      <p:sp>
-        <p:nvSpPr>
           <p:cNvPr id="6" name="Content Placeholder 5">
             <a:extLst>
               <a:ext uri="{FF2B5EF4-FFF2-40B4-BE49-F238E27FC236}">
@@ -19174,42 +19027,41 @@
             <p:ph idx="1"/>
           </p:nvPr>
         </p:nvSpPr>
-        <p:spPr/>
+        <p:spPr>
+          <a:xfrm>
+            <a:off x="408542" y="404448"/>
+            <a:ext cx="11225270" cy="5951901"/>
+          </a:xfrm>
+        </p:spPr>
         <p:txBody>
           <a:bodyPr>
             <a:normAutofit fontScale="92500" lnSpcReduction="10000"/>
           </a:bodyPr>
           <a:lstStyle/>
           <a:p>
-            <a:pPr marL="0" indent="0" algn="l">
+            <a:pPr marL="0" indent="0" algn="just">
               <a:buNone/>
             </a:pPr>
             <a:r>
-              <a:rPr lang="en-US" sz="1800" b="1" dirty="0">
-                <a:solidFill>
-                  <a:srgbClr val="00B0F0"/>
-                </a:solidFill>
+              <a:rPr lang="en-US" sz="2400" b="1" dirty="0">
                 <a:latin typeface="MyriadPro-Bold"/>
               </a:rPr>
               <a:t>WHALING AND VISHING</a:t>
             </a:r>
-            <a:endParaRPr lang="en-US" sz="1800" b="1" i="0" u="none" strike="noStrike" baseline="0" dirty="0">
-              <a:solidFill>
-                <a:srgbClr val="00B0F0"/>
-              </a:solidFill>
+            <a:endParaRPr lang="en-US" sz="2400" b="1" i="0" u="none" strike="noStrike" baseline="0" dirty="0">
               <a:latin typeface="MyriadPro-Bold"/>
             </a:endParaRPr>
           </a:p>
           <a:p>
-            <a:pPr algn="l"/>
-            <a:r>
-              <a:rPr lang="en-US" sz="1800" b="0" i="0" u="none" strike="noStrike" baseline="0" dirty="0">
+            <a:pPr algn="just"/>
+            <a:r>
+              <a:rPr lang="en-US" sz="2400" b="0" i="0" u="none" strike="noStrike" baseline="0" dirty="0">
                 <a:latin typeface="WarnockPro-Regular"/>
               </a:rPr>
               <a:t>A form of phishing attack that has become popular over the last few years is the </a:t>
             </a:r>
             <a:r>
-              <a:rPr lang="en-US" sz="1800" b="1" i="1" u="none" strike="noStrike" baseline="0" dirty="0">
+              <a:rPr lang="en-US" sz="2400" b="1" i="1" u="none" strike="noStrike" baseline="0" dirty="0">
                 <a:solidFill>
                   <a:srgbClr val="00B050"/>
                 </a:solidFill>
@@ -19218,37 +19070,37 @@
               <a:t>whaling attack</a:t>
             </a:r>
             <a:r>
-              <a:rPr lang="en-US" sz="1800" b="0" i="1" u="none" strike="noStrike" baseline="0" dirty="0">
+              <a:rPr lang="en-US" sz="2400" b="0" i="1" u="none" strike="noStrike" baseline="0" dirty="0">
                 <a:latin typeface="WarnockPro-It"/>
               </a:rPr>
               <a:t>.</a:t>
             </a:r>
           </a:p>
           <a:p>
-            <a:pPr algn="l"/>
-            <a:r>
-              <a:rPr lang="en-US" sz="1800" b="0" i="1" u="none" strike="noStrike" baseline="0" dirty="0">
+            <a:pPr algn="just"/>
+            <a:r>
+              <a:rPr lang="en-US" sz="2400" b="0" i="1" u="none" strike="noStrike" baseline="0" dirty="0">
                 <a:latin typeface="WarnockPro-It"/>
               </a:rPr>
               <a:t> </a:t>
             </a:r>
             <a:r>
-              <a:rPr lang="en-US" sz="1800" b="0" i="0" u="none" strike="noStrike" baseline="0" dirty="0">
+              <a:rPr lang="en-US" sz="2400" b="0" i="0" u="none" strike="noStrike" baseline="0" dirty="0">
                 <a:latin typeface="WarnockPro-Regular"/>
               </a:rPr>
               <a:t>Whaling attacks are similar to phishing attacks in that the goal is to send an e-mail to trick someone into giving out their account name and password to sites masquerading as a bank or eBay.</a:t>
             </a:r>
           </a:p>
           <a:p>
-            <a:pPr algn="l"/>
-            <a:r>
-              <a:rPr lang="en-US" sz="1800" b="0" i="0" u="none" strike="noStrike" baseline="0" dirty="0">
+            <a:pPr algn="just"/>
+            <a:r>
+              <a:rPr lang="en-US" sz="2400" b="0" i="0" u="none" strike="noStrike" baseline="0" dirty="0">
                 <a:latin typeface="WarnockPro-Regular"/>
               </a:rPr>
               <a:t> </a:t>
             </a:r>
             <a:r>
-              <a:rPr lang="en-US" sz="1800" b="0" i="0" u="none" strike="noStrike" baseline="0" dirty="0">
+              <a:rPr lang="en-US" sz="2400" b="0" i="0" u="none" strike="noStrike" baseline="0" dirty="0">
                 <a:solidFill>
                   <a:srgbClr val="FF0000"/>
                 </a:solidFill>
@@ -19258,24 +19110,24 @@
             </a:r>
           </a:p>
           <a:p>
-            <a:pPr algn="l"/>
-            <a:r>
-              <a:rPr lang="en-US" sz="1800" b="0" i="0" u="none" strike="noStrike" baseline="0" dirty="0">
+            <a:pPr algn="just"/>
+            <a:r>
+              <a:rPr lang="en-US" sz="2400" b="0" i="0" u="none" strike="noStrike" baseline="0" dirty="0">
                 <a:latin typeface="WarnockPro-Regular"/>
               </a:rPr>
               <a:t>The whaling victim is usually an executive for a company, and the hacker typically obtains their name from the company web site and personalizes the e-mail using the name of the executive.</a:t>
             </a:r>
           </a:p>
           <a:p>
-            <a:pPr algn="l"/>
-            <a:r>
-              <a:rPr lang="en-US" sz="1800" b="0" i="0" u="none" strike="noStrike" baseline="0" dirty="0">
+            <a:pPr algn="just"/>
+            <a:r>
+              <a:rPr lang="en-US" sz="2400" b="0" i="0" u="none" strike="noStrike" baseline="0" dirty="0">
                 <a:latin typeface="WarnockPro-Regular"/>
               </a:rPr>
               <a:t>Another popular form of phishing attack is the </a:t>
             </a:r>
             <a:r>
-              <a:rPr lang="en-US" sz="1800" b="1" i="1" u="none" strike="noStrike" baseline="0" dirty="0">
+              <a:rPr lang="en-US" sz="2400" b="1" i="1" u="none" strike="noStrike" baseline="0" dirty="0">
                 <a:solidFill>
                   <a:srgbClr val="00B050"/>
                 </a:solidFill>
@@ -19284,7 +19136,7 @@
               <a:t>vishing attack</a:t>
             </a:r>
             <a:r>
-              <a:rPr lang="en-US" sz="1800" b="1" i="0" u="none" strike="noStrike" baseline="0" dirty="0">
+              <a:rPr lang="en-US" sz="2400" b="1" i="0" u="none" strike="noStrike" baseline="0" dirty="0">
                 <a:solidFill>
                   <a:srgbClr val="00B050"/>
                 </a:solidFill>
@@ -19293,51 +19145,51 @@
               <a:t>.</a:t>
             </a:r>
             <a:r>
-              <a:rPr lang="en-US" sz="1800" b="0" i="0" u="none" strike="noStrike" baseline="0" dirty="0">
+              <a:rPr lang="en-US" sz="2400" b="0" i="0" u="none" strike="noStrike" baseline="0" dirty="0">
                 <a:latin typeface="WarnockPro-Regular"/>
               </a:rPr>
               <a:t> Like phishing, vishing tries to trick people and steal money from them.</a:t>
             </a:r>
           </a:p>
           <a:p>
-            <a:pPr algn="l"/>
-            <a:r>
-              <a:rPr lang="en-US" sz="1800" b="0" i="0" u="none" strike="noStrike" baseline="0" dirty="0">
+            <a:pPr algn="just"/>
+            <a:r>
+              <a:rPr lang="en-US" sz="2400" b="0" i="0" u="none" strike="noStrike" baseline="0" dirty="0">
                 <a:latin typeface="WarnockPro-Regular"/>
               </a:rPr>
               <a:t> The difference is that with vishing, the contact is made with a phone call instead of an e-mail message.</a:t>
             </a:r>
           </a:p>
           <a:p>
-            <a:pPr algn="l"/>
-            <a:r>
-              <a:rPr lang="en-US" sz="1800" b="0" i="0" u="none" strike="noStrike" baseline="0" dirty="0">
+            <a:pPr algn="just"/>
+            <a:r>
+              <a:rPr lang="en-US" sz="2400" b="0" i="0" u="none" strike="noStrike" baseline="0" dirty="0">
                 <a:latin typeface="WarnockPro-Regular"/>
               </a:rPr>
               <a:t> The term </a:t>
             </a:r>
             <a:r>
-              <a:rPr lang="en-US" sz="1800" b="0" i="1" u="none" strike="noStrike" baseline="0" dirty="0">
+              <a:rPr lang="en-US" sz="2400" b="0" i="1" u="none" strike="noStrike" baseline="0" dirty="0">
                 <a:latin typeface="WarnockPro-It"/>
               </a:rPr>
               <a:t>vishing </a:t>
             </a:r>
             <a:r>
-              <a:rPr lang="en-US" sz="1800" b="0" i="0" u="none" strike="noStrike" baseline="0" dirty="0">
+              <a:rPr lang="en-US" sz="2400" b="0" i="0" u="none" strike="noStrike" baseline="0" dirty="0">
                 <a:latin typeface="WarnockPro-Regular"/>
               </a:rPr>
               <a:t>comes from the fact the hacker is using “voice” and “phishing” techniques. </a:t>
             </a:r>
           </a:p>
           <a:p>
-            <a:pPr algn="l"/>
-            <a:r>
-              <a:rPr lang="en-US" sz="1800" b="0" i="0" u="none" strike="noStrike" baseline="0" dirty="0">
+            <a:pPr algn="just"/>
+            <a:r>
+              <a:rPr lang="en-US" sz="2400" b="0" i="0" u="none" strike="noStrike" baseline="0" dirty="0">
                 <a:latin typeface="WarnockPro-Regular"/>
               </a:rPr>
               <a:t>A popular example of vishing is when you receive a phone call from a company claiming to be able to extend your car warranty if you pay a certain amount of money. In this example, you give the money, but you don’t get an extended car warranty</a:t>
             </a:r>
-            <a:endParaRPr lang="en-US" dirty="0"/>
+            <a:endParaRPr lang="en-US" sz="3600" dirty="0"/>
           </a:p>
         </p:txBody>
       </p:sp>
@@ -19451,7 +19303,7 @@
           </a:bodyPr>
           <a:lstStyle/>
           <a:p>
-            <a:pPr algn="l"/>
+            <a:pPr algn="just"/>
             <a:r>
               <a:rPr lang="en-US" b="1" i="0" u="none" strike="noStrike" baseline="0" dirty="0">
                 <a:solidFill>
@@ -19463,7 +19315,7 @@
             </a:r>
           </a:p>
           <a:p>
-            <a:pPr algn="l"/>
+            <a:pPr algn="just"/>
             <a:r>
               <a:rPr lang="en-US" sz="1800" b="0" i="0" u="none" strike="noStrike" baseline="0" dirty="0">
                 <a:solidFill>
@@ -19475,7 +19327,7 @@
             </a:r>
           </a:p>
           <a:p>
-            <a:pPr algn="l"/>
+            <a:pPr algn="just"/>
             <a:r>
               <a:rPr lang="en-US" b="1" i="0" u="none" strike="noStrike" baseline="0" dirty="0" err="1">
                 <a:solidFill>
@@ -19496,7 +19348,7 @@
             </a:r>
           </a:p>
           <a:p>
-            <a:pPr algn="l"/>
+            <a:pPr algn="just"/>
             <a:r>
               <a:rPr lang="en-US" sz="1800" b="0" i="0" u="none" strike="noStrike" baseline="0" dirty="0" err="1">
                 <a:solidFill>
@@ -19553,7 +19405,7 @@
             </a:r>
           </a:p>
           <a:p>
-            <a:pPr algn="l"/>
+            <a:pPr algn="just"/>
             <a:r>
               <a:rPr lang="en-US" b="1" i="0" u="none" strike="noStrike" baseline="0" dirty="0">
                 <a:solidFill>
@@ -19565,7 +19417,7 @@
             </a:r>
           </a:p>
           <a:p>
-            <a:pPr algn="l"/>
+            <a:pPr algn="just"/>
             <a:r>
               <a:rPr lang="en-US" sz="1800" b="1" i="0" u="none" strike="noStrike" baseline="0" dirty="0">
                 <a:solidFill>
